--- a/Airbnb Booking Success.pptx
+++ b/Airbnb Booking Success.pptx
@@ -114,6 +114,11 @@
       </a:defRPr>
     </a:lvl9pPr>
   </p:defaultTextStyle>
+  <p:extLst>
+    <p:ext uri="{EFAFB233-063F-42B5-8137-9DF3F51BA10A}">
+      <p15:sldGuideLst xmlns:p15="http://schemas.microsoft.com/office/powerpoint/2012/main"/>
+    </p:ext>
+  </p:extLst>
 </p:presentation>
 </file>
 
@@ -121,6 +126,5631 @@
 <p188:authorLst xmlns:a="http://schemas.openxmlformats.org/drawingml/2006/main" xmlns:r="http://schemas.openxmlformats.org/officeDocument/2006/relationships" xmlns:p188="http://schemas.microsoft.com/office/powerpoint/2018/8/main">
   <p188:author id="{DCA4058D-2B5A-1820-D3AA-231AF7E58E6A}" name="Vishal Chaudhary" initials="VC" userId="Vishal Chaudhary" providerId="None"/>
 </p188:authorLst>
+</file>
+
+<file path=ppt/charts/chart1.xml><?xml version="1.0" encoding="utf-8"?>
+<c:chartSpace xmlns:c="http://schemas.openxmlformats.org/drawingml/2006/chart" xmlns:a="http://schemas.openxmlformats.org/drawingml/2006/main" xmlns:r="http://schemas.openxmlformats.org/officeDocument/2006/relationships" xmlns:c16r2="http://schemas.microsoft.com/office/drawing/2015/06/chart">
+  <c:date1904 val="0"/>
+  <c:lang val="en-US"/>
+  <c:roundedCorners val="0"/>
+  <mc:AlternateContent xmlns:mc="http://schemas.openxmlformats.org/markup-compatibility/2006">
+    <mc:Choice xmlns:c14="http://schemas.microsoft.com/office/drawing/2007/8/2/chart" Requires="c14">
+      <c14:style val="102"/>
+    </mc:Choice>
+    <mc:Fallback>
+      <c:style val="2"/>
+    </mc:Fallback>
+  </mc:AlternateContent>
+  <c:chart>
+    <c:autoTitleDeleted val="1"/>
+    <c:plotArea>
+      <c:layout/>
+      <c:barChart>
+        <c:barDir val="col"/>
+        <c:grouping val="clustered"/>
+        <c:varyColors val="0"/>
+        <c:ser>
+          <c:idx val="0"/>
+          <c:order val="0"/>
+          <c:tx>
+            <c:strRef>
+              <c:f>Sheet1!$B$1</c:f>
+              <c:strCache>
+                <c:ptCount val="1"/>
+                <c:pt idx="0">
+                  <c:v>acceptance_rate</c:v>
+                </c:pt>
+              </c:strCache>
+            </c:strRef>
+          </c:tx>
+          <c:spPr>
+            <a:solidFill>
+              <a:schemeClr val="accent1"/>
+            </a:solidFill>
+            <a:ln>
+              <a:noFill/>
+            </a:ln>
+            <a:effectLst/>
+          </c:spPr>
+          <c:invertIfNegative val="0"/>
+          <c:dLbls>
+            <c:spPr>
+              <a:noFill/>
+              <a:ln>
+                <a:noFill/>
+              </a:ln>
+              <a:effectLst/>
+            </c:spPr>
+            <c:txPr>
+              <a:bodyPr rot="0" spcFirstLastPara="1" vertOverflow="ellipsis" vert="horz" wrap="square" lIns="38100" tIns="19050" rIns="38100" bIns="19050" anchor="ctr" anchorCtr="1">
+                <a:spAutoFit/>
+              </a:bodyPr>
+              <a:lstStyle/>
+              <a:p>
+                <a:pPr>
+                  <a:defRPr sz="1197" b="0" i="0" u="none" strike="noStrike" kern="1200" baseline="0">
+                    <a:solidFill>
+                      <a:schemeClr val="tx1">
+                        <a:lumMod val="75000"/>
+                        <a:lumOff val="25000"/>
+                      </a:schemeClr>
+                    </a:solidFill>
+                    <a:latin typeface="+mn-lt"/>
+                    <a:ea typeface="+mn-ea"/>
+                    <a:cs typeface="+mn-cs"/>
+                  </a:defRPr>
+                </a:pPr>
+                <a:endParaRPr lang="en-001"/>
+              </a:p>
+            </c:txPr>
+            <c:dLblPos val="inEnd"/>
+            <c:showLegendKey val="0"/>
+            <c:showVal val="1"/>
+            <c:showCatName val="0"/>
+            <c:showSerName val="0"/>
+            <c:showPercent val="0"/>
+            <c:showBubbleSize val="0"/>
+            <c:showLeaderLines val="0"/>
+            <c:extLst>
+              <c:ext xmlns:c15="http://schemas.microsoft.com/office/drawing/2012/chart" uri="{CE6537A1-D6FC-4f65-9D91-7224C49458BB}">
+                <c15:showLeaderLines val="1"/>
+                <c15:leaderLines>
+                  <c:spPr>
+                    <a:ln w="9525" cap="flat" cmpd="sng" algn="ctr">
+                      <a:solidFill>
+                        <a:schemeClr val="tx1">
+                          <a:lumMod val="35000"/>
+                          <a:lumOff val="65000"/>
+                        </a:schemeClr>
+                      </a:solidFill>
+                      <a:round/>
+                    </a:ln>
+                    <a:effectLst/>
+                  </c:spPr>
+                </c15:leaderLines>
+              </c:ext>
+            </c:extLst>
+          </c:dLbls>
+          <c:cat>
+            <c:strRef>
+              <c:f>Sheet1!$A$2:$A$4</c:f>
+              <c:strCache>
+                <c:ptCount val="3"/>
+                <c:pt idx="0">
+                  <c:v>instant_book</c:v>
+                </c:pt>
+                <c:pt idx="1">
+                  <c:v>book_it</c:v>
+                </c:pt>
+                <c:pt idx="2">
+                  <c:v>contact_me</c:v>
+                </c:pt>
+              </c:strCache>
+            </c:strRef>
+          </c:cat>
+          <c:val>
+            <c:numRef>
+              <c:f>Sheet1!$B$2:$B$4</c:f>
+              <c:numCache>
+                <c:formatCode>General</c:formatCode>
+                <c:ptCount val="3"/>
+                <c:pt idx="0">
+                  <c:v>100</c:v>
+                </c:pt>
+                <c:pt idx="1">
+                  <c:v>50.68</c:v>
+                </c:pt>
+                <c:pt idx="2">
+                  <c:v>42.73</c:v>
+                </c:pt>
+              </c:numCache>
+            </c:numRef>
+          </c:val>
+          <c:extLst>
+            <c:ext xmlns:c16="http://schemas.microsoft.com/office/drawing/2014/chart" uri="{C3380CC4-5D6E-409C-BE32-E72D297353CC}">
+              <c16:uniqueId val="{00000000-5B0F-4F19-9D08-0EF6831234F1}"/>
+            </c:ext>
+          </c:extLst>
+        </c:ser>
+        <c:ser>
+          <c:idx val="1"/>
+          <c:order val="1"/>
+          <c:tx>
+            <c:strRef>
+              <c:f>Sheet1!$C$1</c:f>
+              <c:strCache>
+                <c:ptCount val="1"/>
+                <c:pt idx="0">
+                  <c:v>success_rate_of_accepted_enquires</c:v>
+                </c:pt>
+              </c:strCache>
+            </c:strRef>
+          </c:tx>
+          <c:spPr>
+            <a:solidFill>
+              <a:schemeClr val="accent2"/>
+            </a:solidFill>
+            <a:ln>
+              <a:noFill/>
+            </a:ln>
+            <a:effectLst/>
+          </c:spPr>
+          <c:invertIfNegative val="0"/>
+          <c:dLbls>
+            <c:spPr>
+              <a:noFill/>
+              <a:ln>
+                <a:noFill/>
+              </a:ln>
+              <a:effectLst/>
+            </c:spPr>
+            <c:txPr>
+              <a:bodyPr rot="0" spcFirstLastPara="1" vertOverflow="ellipsis" vert="horz" wrap="square" lIns="38100" tIns="19050" rIns="38100" bIns="19050" anchor="ctr" anchorCtr="1">
+                <a:spAutoFit/>
+              </a:bodyPr>
+              <a:lstStyle/>
+              <a:p>
+                <a:pPr>
+                  <a:defRPr sz="1197" b="0" i="0" u="none" strike="noStrike" kern="1200" baseline="0">
+                    <a:solidFill>
+                      <a:schemeClr val="tx1">
+                        <a:lumMod val="75000"/>
+                        <a:lumOff val="25000"/>
+                      </a:schemeClr>
+                    </a:solidFill>
+                    <a:latin typeface="+mn-lt"/>
+                    <a:ea typeface="+mn-ea"/>
+                    <a:cs typeface="+mn-cs"/>
+                  </a:defRPr>
+                </a:pPr>
+                <a:endParaRPr lang="en-001"/>
+              </a:p>
+            </c:txPr>
+            <c:dLblPos val="inEnd"/>
+            <c:showLegendKey val="0"/>
+            <c:showVal val="1"/>
+            <c:showCatName val="0"/>
+            <c:showSerName val="0"/>
+            <c:showPercent val="0"/>
+            <c:showBubbleSize val="0"/>
+            <c:showLeaderLines val="0"/>
+            <c:extLst>
+              <c:ext xmlns:c15="http://schemas.microsoft.com/office/drawing/2012/chart" uri="{CE6537A1-D6FC-4f65-9D91-7224C49458BB}">
+                <c15:showLeaderLines val="1"/>
+                <c15:leaderLines>
+                  <c:spPr>
+                    <a:ln w="9525" cap="flat" cmpd="sng" algn="ctr">
+                      <a:solidFill>
+                        <a:schemeClr val="tx1">
+                          <a:lumMod val="35000"/>
+                          <a:lumOff val="65000"/>
+                        </a:schemeClr>
+                      </a:solidFill>
+                      <a:round/>
+                    </a:ln>
+                    <a:effectLst/>
+                  </c:spPr>
+                </c15:leaderLines>
+              </c:ext>
+            </c:extLst>
+          </c:dLbls>
+          <c:cat>
+            <c:strRef>
+              <c:f>Sheet1!$A$2:$A$4</c:f>
+              <c:strCache>
+                <c:ptCount val="3"/>
+                <c:pt idx="0">
+                  <c:v>instant_book</c:v>
+                </c:pt>
+                <c:pt idx="1">
+                  <c:v>book_it</c:v>
+                </c:pt>
+                <c:pt idx="2">
+                  <c:v>contact_me</c:v>
+                </c:pt>
+              </c:strCache>
+            </c:strRef>
+          </c:cat>
+          <c:val>
+            <c:numRef>
+              <c:f>Sheet1!$C$2:$C$4</c:f>
+              <c:numCache>
+                <c:formatCode>General</c:formatCode>
+                <c:ptCount val="3"/>
+                <c:pt idx="0">
+                  <c:v>100</c:v>
+                </c:pt>
+                <c:pt idx="1">
+                  <c:v>93.94</c:v>
+                </c:pt>
+                <c:pt idx="2">
+                  <c:v>16.62</c:v>
+                </c:pt>
+              </c:numCache>
+            </c:numRef>
+          </c:val>
+          <c:extLst>
+            <c:ext xmlns:c16="http://schemas.microsoft.com/office/drawing/2014/chart" uri="{C3380CC4-5D6E-409C-BE32-E72D297353CC}">
+              <c16:uniqueId val="{00000001-5B0F-4F19-9D08-0EF6831234F1}"/>
+            </c:ext>
+          </c:extLst>
+        </c:ser>
+        <c:ser>
+          <c:idx val="2"/>
+          <c:order val="2"/>
+          <c:tx>
+            <c:strRef>
+              <c:f>Sheet1!$D$1</c:f>
+              <c:strCache>
+                <c:ptCount val="1"/>
+                <c:pt idx="0">
+                  <c:v>drop_off_rate</c:v>
+                </c:pt>
+              </c:strCache>
+            </c:strRef>
+          </c:tx>
+          <c:spPr>
+            <a:solidFill>
+              <a:schemeClr val="accent3"/>
+            </a:solidFill>
+            <a:ln>
+              <a:noFill/>
+            </a:ln>
+            <a:effectLst/>
+          </c:spPr>
+          <c:invertIfNegative val="0"/>
+          <c:dLbls>
+            <c:spPr>
+              <a:noFill/>
+              <a:ln>
+                <a:noFill/>
+              </a:ln>
+              <a:effectLst/>
+            </c:spPr>
+            <c:txPr>
+              <a:bodyPr rot="0" spcFirstLastPara="1" vertOverflow="ellipsis" vert="horz" wrap="square" lIns="38100" tIns="19050" rIns="38100" bIns="19050" anchor="ctr" anchorCtr="1">
+                <a:spAutoFit/>
+              </a:bodyPr>
+              <a:lstStyle/>
+              <a:p>
+                <a:pPr>
+                  <a:defRPr sz="1197" b="0" i="0" u="none" strike="noStrike" kern="1200" baseline="0">
+                    <a:solidFill>
+                      <a:schemeClr val="tx1">
+                        <a:lumMod val="75000"/>
+                        <a:lumOff val="25000"/>
+                      </a:schemeClr>
+                    </a:solidFill>
+                    <a:latin typeface="+mn-lt"/>
+                    <a:ea typeface="+mn-ea"/>
+                    <a:cs typeface="+mn-cs"/>
+                  </a:defRPr>
+                </a:pPr>
+                <a:endParaRPr lang="en-001"/>
+              </a:p>
+            </c:txPr>
+            <c:dLblPos val="inEnd"/>
+            <c:showLegendKey val="0"/>
+            <c:showVal val="1"/>
+            <c:showCatName val="0"/>
+            <c:showSerName val="0"/>
+            <c:showPercent val="0"/>
+            <c:showBubbleSize val="0"/>
+            <c:showLeaderLines val="0"/>
+            <c:extLst>
+              <c:ext xmlns:c15="http://schemas.microsoft.com/office/drawing/2012/chart" uri="{CE6537A1-D6FC-4f65-9D91-7224C49458BB}">
+                <c15:showLeaderLines val="1"/>
+                <c15:leaderLines>
+                  <c:spPr>
+                    <a:ln w="9525" cap="flat" cmpd="sng" algn="ctr">
+                      <a:solidFill>
+                        <a:schemeClr val="tx1">
+                          <a:lumMod val="35000"/>
+                          <a:lumOff val="65000"/>
+                        </a:schemeClr>
+                      </a:solidFill>
+                      <a:round/>
+                    </a:ln>
+                    <a:effectLst/>
+                  </c:spPr>
+                </c15:leaderLines>
+              </c:ext>
+            </c:extLst>
+          </c:dLbls>
+          <c:cat>
+            <c:strRef>
+              <c:f>Sheet1!$A$2:$A$4</c:f>
+              <c:strCache>
+                <c:ptCount val="3"/>
+                <c:pt idx="0">
+                  <c:v>instant_book</c:v>
+                </c:pt>
+                <c:pt idx="1">
+                  <c:v>book_it</c:v>
+                </c:pt>
+                <c:pt idx="2">
+                  <c:v>contact_me</c:v>
+                </c:pt>
+              </c:strCache>
+            </c:strRef>
+          </c:cat>
+          <c:val>
+            <c:numRef>
+              <c:f>Sheet1!$D$2:$D$4</c:f>
+              <c:numCache>
+                <c:formatCode>General</c:formatCode>
+                <c:ptCount val="3"/>
+                <c:pt idx="0">
+                  <c:v>0</c:v>
+                </c:pt>
+                <c:pt idx="1">
+                  <c:v>6.06</c:v>
+                </c:pt>
+                <c:pt idx="2">
+                  <c:v>83.38</c:v>
+                </c:pt>
+              </c:numCache>
+            </c:numRef>
+          </c:val>
+          <c:extLst>
+            <c:ext xmlns:c16="http://schemas.microsoft.com/office/drawing/2014/chart" uri="{C3380CC4-5D6E-409C-BE32-E72D297353CC}">
+              <c16:uniqueId val="{00000002-5B0F-4F19-9D08-0EF6831234F1}"/>
+            </c:ext>
+          </c:extLst>
+        </c:ser>
+        <c:dLbls>
+          <c:showLegendKey val="0"/>
+          <c:showVal val="0"/>
+          <c:showCatName val="0"/>
+          <c:showSerName val="0"/>
+          <c:showPercent val="0"/>
+          <c:showBubbleSize val="0"/>
+        </c:dLbls>
+        <c:gapWidth val="219"/>
+        <c:overlap val="-27"/>
+        <c:axId val="494181504"/>
+        <c:axId val="494187264"/>
+      </c:barChart>
+      <c:catAx>
+        <c:axId val="494181504"/>
+        <c:scaling>
+          <c:orientation val="minMax"/>
+        </c:scaling>
+        <c:delete val="0"/>
+        <c:axPos val="b"/>
+        <c:numFmt formatCode="General" sourceLinked="1"/>
+        <c:majorTickMark val="none"/>
+        <c:minorTickMark val="none"/>
+        <c:tickLblPos val="nextTo"/>
+        <c:spPr>
+          <a:noFill/>
+          <a:ln w="9525" cap="flat" cmpd="sng" algn="ctr">
+            <a:solidFill>
+              <a:schemeClr val="tx1">
+                <a:lumMod val="15000"/>
+                <a:lumOff val="85000"/>
+              </a:schemeClr>
+            </a:solidFill>
+            <a:round/>
+          </a:ln>
+          <a:effectLst/>
+        </c:spPr>
+        <c:txPr>
+          <a:bodyPr rot="-60000000" spcFirstLastPara="1" vertOverflow="ellipsis" vert="horz" wrap="square" anchor="ctr" anchorCtr="1"/>
+          <a:lstStyle/>
+          <a:p>
+            <a:pPr>
+              <a:defRPr sz="1197" b="0" i="0" u="none" strike="noStrike" kern="1200" baseline="0">
+                <a:solidFill>
+                  <a:schemeClr val="tx1">
+                    <a:lumMod val="65000"/>
+                    <a:lumOff val="35000"/>
+                  </a:schemeClr>
+                </a:solidFill>
+                <a:latin typeface="+mn-lt"/>
+                <a:ea typeface="+mn-ea"/>
+                <a:cs typeface="+mn-cs"/>
+              </a:defRPr>
+            </a:pPr>
+            <a:endParaRPr lang="en-001"/>
+          </a:p>
+        </c:txPr>
+        <c:crossAx val="494187264"/>
+        <c:crosses val="autoZero"/>
+        <c:auto val="1"/>
+        <c:lblAlgn val="ctr"/>
+        <c:lblOffset val="100"/>
+        <c:noMultiLvlLbl val="0"/>
+      </c:catAx>
+      <c:valAx>
+        <c:axId val="494187264"/>
+        <c:scaling>
+          <c:orientation val="minMax"/>
+          <c:max val="100"/>
+        </c:scaling>
+        <c:delete val="0"/>
+        <c:axPos val="l"/>
+        <c:majorGridlines>
+          <c:spPr>
+            <a:ln w="9525" cap="flat" cmpd="sng" algn="ctr">
+              <a:solidFill>
+                <a:schemeClr val="tx1">
+                  <a:lumMod val="15000"/>
+                  <a:lumOff val="85000"/>
+                </a:schemeClr>
+              </a:solidFill>
+              <a:round/>
+            </a:ln>
+            <a:effectLst/>
+          </c:spPr>
+        </c:majorGridlines>
+        <c:numFmt formatCode="General" sourceLinked="1"/>
+        <c:majorTickMark val="none"/>
+        <c:minorTickMark val="none"/>
+        <c:tickLblPos val="nextTo"/>
+        <c:spPr>
+          <a:noFill/>
+          <a:ln>
+            <a:noFill/>
+          </a:ln>
+          <a:effectLst/>
+        </c:spPr>
+        <c:txPr>
+          <a:bodyPr rot="-60000000" spcFirstLastPara="1" vertOverflow="ellipsis" vert="horz" wrap="square" anchor="ctr" anchorCtr="1"/>
+          <a:lstStyle/>
+          <a:p>
+            <a:pPr>
+              <a:defRPr sz="1197" b="0" i="0" u="none" strike="noStrike" kern="1200" baseline="0">
+                <a:solidFill>
+                  <a:schemeClr val="tx1">
+                    <a:lumMod val="65000"/>
+                    <a:lumOff val="35000"/>
+                  </a:schemeClr>
+                </a:solidFill>
+                <a:latin typeface="+mn-lt"/>
+                <a:ea typeface="+mn-ea"/>
+                <a:cs typeface="+mn-cs"/>
+              </a:defRPr>
+            </a:pPr>
+            <a:endParaRPr lang="en-001"/>
+          </a:p>
+        </c:txPr>
+        <c:crossAx val="494181504"/>
+        <c:crosses val="autoZero"/>
+        <c:crossBetween val="between"/>
+      </c:valAx>
+      <c:spPr>
+        <a:noFill/>
+        <a:ln>
+          <a:noFill/>
+        </a:ln>
+        <a:effectLst/>
+      </c:spPr>
+    </c:plotArea>
+    <c:legend>
+      <c:legendPos val="r"/>
+      <c:overlay val="0"/>
+      <c:spPr>
+        <a:noFill/>
+        <a:ln>
+          <a:noFill/>
+        </a:ln>
+        <a:effectLst/>
+      </c:spPr>
+      <c:txPr>
+        <a:bodyPr rot="0" spcFirstLastPara="1" vertOverflow="ellipsis" vert="horz" wrap="square" anchor="ctr" anchorCtr="1"/>
+        <a:lstStyle/>
+        <a:p>
+          <a:pPr>
+            <a:defRPr sz="1197" b="0" i="0" u="none" strike="noStrike" kern="1200" baseline="0">
+              <a:solidFill>
+                <a:schemeClr val="tx1">
+                  <a:lumMod val="65000"/>
+                  <a:lumOff val="35000"/>
+                </a:schemeClr>
+              </a:solidFill>
+              <a:latin typeface="+mn-lt"/>
+              <a:ea typeface="+mn-ea"/>
+              <a:cs typeface="+mn-cs"/>
+            </a:defRPr>
+          </a:pPr>
+          <a:endParaRPr lang="en-001"/>
+        </a:p>
+      </c:txPr>
+    </c:legend>
+    <c:plotVisOnly val="1"/>
+    <c:dispBlanksAs val="gap"/>
+    <c:extLst>
+      <c:ext xmlns:c16r3="http://schemas.microsoft.com/office/drawing/2017/03/chart" uri="{56B9EC1D-385E-4148-901F-78D8002777C0}">
+        <c16r3:dataDisplayOptions16>
+          <c16r3:dispNaAsBlank val="1"/>
+        </c16r3:dataDisplayOptions16>
+      </c:ext>
+    </c:extLst>
+    <c:showDLblsOverMax val="0"/>
+  </c:chart>
+  <c:spPr>
+    <a:noFill/>
+    <a:ln>
+      <a:noFill/>
+    </a:ln>
+    <a:effectLst/>
+  </c:spPr>
+  <c:txPr>
+    <a:bodyPr/>
+    <a:lstStyle/>
+    <a:p>
+      <a:pPr>
+        <a:defRPr/>
+      </a:pPr>
+      <a:endParaRPr lang="en-001"/>
+    </a:p>
+  </c:txPr>
+  <c:externalData r:id="rId3">
+    <c:autoUpdate val="0"/>
+  </c:externalData>
+</c:chartSpace>
+</file>
+
+<file path=ppt/charts/chart2.xml><?xml version="1.0" encoding="utf-8"?>
+<c:chartSpace xmlns:c="http://schemas.openxmlformats.org/drawingml/2006/chart" xmlns:a="http://schemas.openxmlformats.org/drawingml/2006/main" xmlns:r="http://schemas.openxmlformats.org/officeDocument/2006/relationships" xmlns:c16r2="http://schemas.microsoft.com/office/drawing/2015/06/chart">
+  <c:date1904 val="0"/>
+  <c:lang val="en-US"/>
+  <c:roundedCorners val="0"/>
+  <mc:AlternateContent xmlns:mc="http://schemas.openxmlformats.org/markup-compatibility/2006">
+    <mc:Choice xmlns:c14="http://schemas.microsoft.com/office/drawing/2007/8/2/chart" Requires="c14">
+      <c14:style val="102"/>
+    </mc:Choice>
+    <mc:Fallback>
+      <c:style val="2"/>
+    </mc:Fallback>
+  </mc:AlternateContent>
+  <c:chart>
+    <c:title>
+      <c:overlay val="0"/>
+      <c:spPr>
+        <a:noFill/>
+        <a:ln>
+          <a:noFill/>
+        </a:ln>
+        <a:effectLst/>
+      </c:spPr>
+      <c:txPr>
+        <a:bodyPr rot="0" spcFirstLastPara="1" vertOverflow="ellipsis" vert="horz" wrap="square" anchor="ctr" anchorCtr="1"/>
+        <a:lstStyle/>
+        <a:p>
+          <a:pPr>
+            <a:defRPr sz="1862" b="0" i="0" u="none" strike="noStrike" kern="1200" spc="0" baseline="0">
+              <a:solidFill>
+                <a:schemeClr val="tx1">
+                  <a:lumMod val="65000"/>
+                  <a:lumOff val="35000"/>
+                </a:schemeClr>
+              </a:solidFill>
+              <a:latin typeface="+mn-lt"/>
+              <a:ea typeface="+mn-ea"/>
+              <a:cs typeface="+mn-cs"/>
+            </a:defRPr>
+          </a:pPr>
+          <a:endParaRPr lang="en-001"/>
+        </a:p>
+      </c:txPr>
+    </c:title>
+    <c:autoTitleDeleted val="0"/>
+    <c:plotArea>
+      <c:layout/>
+      <c:pieChart>
+        <c:varyColors val="1"/>
+        <c:ser>
+          <c:idx val="0"/>
+          <c:order val="0"/>
+          <c:tx>
+            <c:strRef>
+              <c:f>Sheet1!$B$1</c:f>
+              <c:strCache>
+                <c:ptCount val="1"/>
+                <c:pt idx="0">
+                  <c:v>enquiry_percentage</c:v>
+                </c:pt>
+              </c:strCache>
+            </c:strRef>
+          </c:tx>
+          <c:dPt>
+            <c:idx val="0"/>
+            <c:bubble3D val="0"/>
+            <c:spPr>
+              <a:solidFill>
+                <a:schemeClr val="accent1"/>
+              </a:solidFill>
+              <a:ln w="19050">
+                <a:solidFill>
+                  <a:schemeClr val="lt1"/>
+                </a:solidFill>
+              </a:ln>
+              <a:effectLst/>
+            </c:spPr>
+          </c:dPt>
+          <c:dPt>
+            <c:idx val="1"/>
+            <c:bubble3D val="0"/>
+            <c:spPr>
+              <a:solidFill>
+                <a:schemeClr val="accent2"/>
+              </a:solidFill>
+              <a:ln w="19050">
+                <a:solidFill>
+                  <a:schemeClr val="lt1"/>
+                </a:solidFill>
+              </a:ln>
+              <a:effectLst/>
+            </c:spPr>
+          </c:dPt>
+          <c:dPt>
+            <c:idx val="2"/>
+            <c:bubble3D val="0"/>
+            <c:spPr>
+              <a:solidFill>
+                <a:schemeClr val="accent3"/>
+              </a:solidFill>
+              <a:ln w="19050">
+                <a:solidFill>
+                  <a:schemeClr val="lt1"/>
+                </a:solidFill>
+              </a:ln>
+              <a:effectLst/>
+            </c:spPr>
+          </c:dPt>
+          <c:dLbls>
+            <c:spPr>
+              <a:solidFill>
+                <a:srgbClr val="FFFFFF"/>
+              </a:solidFill>
+              <a:ln>
+                <a:solidFill>
+                  <a:srgbClr val="000000">
+                    <a:lumMod val="25000"/>
+                    <a:lumOff val="75000"/>
+                  </a:srgbClr>
+                </a:solidFill>
+              </a:ln>
+              <a:effectLst/>
+            </c:spPr>
+            <c:txPr>
+              <a:bodyPr rot="0" spcFirstLastPara="1" vertOverflow="clip" horzOverflow="clip" vert="horz" wrap="square" lIns="38100" tIns="19050" rIns="38100" bIns="19050" anchor="ctr" anchorCtr="1">
+                <a:spAutoFit/>
+              </a:bodyPr>
+              <a:lstStyle/>
+              <a:p>
+                <a:pPr>
+                  <a:defRPr sz="1197" b="0" i="0" u="none" strike="noStrike" kern="1200" baseline="0">
+                    <a:solidFill>
+                      <a:schemeClr val="dk1">
+                        <a:lumMod val="65000"/>
+                        <a:lumOff val="35000"/>
+                      </a:schemeClr>
+                    </a:solidFill>
+                    <a:latin typeface="+mn-lt"/>
+                    <a:ea typeface="+mn-ea"/>
+                    <a:cs typeface="+mn-cs"/>
+                  </a:defRPr>
+                </a:pPr>
+                <a:endParaRPr lang="en-001"/>
+              </a:p>
+            </c:txPr>
+            <c:dLblPos val="outEnd"/>
+            <c:showLegendKey val="0"/>
+            <c:showVal val="0"/>
+            <c:showCatName val="1"/>
+            <c:showSerName val="0"/>
+            <c:showPercent val="1"/>
+            <c:showBubbleSize val="0"/>
+            <c:showLeaderLines val="0"/>
+            <c:extLst>
+              <c:ext xmlns:c15="http://schemas.microsoft.com/office/drawing/2012/chart" uri="{CE6537A1-D6FC-4f65-9D91-7224C49458BB}">
+                <c15:spPr xmlns:c15="http://schemas.microsoft.com/office/drawing/2012/chart">
+                  <a:prstGeom prst="wedgeRectCallout">
+                    <a:avLst/>
+                  </a:prstGeom>
+                  <a:noFill/>
+                  <a:ln>
+                    <a:noFill/>
+                  </a:ln>
+                </c15:spPr>
+              </c:ext>
+            </c:extLst>
+          </c:dLbls>
+          <c:cat>
+            <c:strRef>
+              <c:f>Sheet1!$A$2:$A$4</c:f>
+              <c:strCache>
+                <c:ptCount val="3"/>
+                <c:pt idx="0">
+                  <c:v>instant_book</c:v>
+                </c:pt>
+                <c:pt idx="1">
+                  <c:v>book_it</c:v>
+                </c:pt>
+                <c:pt idx="2">
+                  <c:v>contact_me</c:v>
+                </c:pt>
+              </c:strCache>
+            </c:strRef>
+          </c:cat>
+          <c:val>
+            <c:numRef>
+              <c:f>Sheet1!$B$2:$B$4</c:f>
+              <c:numCache>
+                <c:formatCode>General</c:formatCode>
+                <c:ptCount val="3"/>
+                <c:pt idx="0">
+                  <c:v>24</c:v>
+                </c:pt>
+                <c:pt idx="1">
+                  <c:v>30</c:v>
+                </c:pt>
+                <c:pt idx="2">
+                  <c:v>46</c:v>
+                </c:pt>
+              </c:numCache>
+            </c:numRef>
+          </c:val>
+          <c:extLst>
+            <c:ext xmlns:c16="http://schemas.microsoft.com/office/drawing/2014/chart" uri="{C3380CC4-5D6E-409C-BE32-E72D297353CC}">
+              <c16:uniqueId val="{00000000-49C5-4D5A-A2C7-B8CDB769C2DB}"/>
+            </c:ext>
+          </c:extLst>
+        </c:ser>
+        <c:dLbls>
+          <c:showLegendKey val="0"/>
+          <c:showVal val="0"/>
+          <c:showCatName val="0"/>
+          <c:showSerName val="0"/>
+          <c:showPercent val="0"/>
+          <c:showBubbleSize val="0"/>
+          <c:showLeaderLines val="0"/>
+        </c:dLbls>
+        <c:firstSliceAng val="0"/>
+      </c:pieChart>
+      <c:spPr>
+        <a:noFill/>
+        <a:ln>
+          <a:noFill/>
+        </a:ln>
+        <a:effectLst/>
+      </c:spPr>
+    </c:plotArea>
+    <c:plotVisOnly val="1"/>
+    <c:dispBlanksAs val="gap"/>
+    <c:extLst>
+      <c:ext xmlns:c16r3="http://schemas.microsoft.com/office/drawing/2017/03/chart" uri="{56B9EC1D-385E-4148-901F-78D8002777C0}">
+        <c16r3:dataDisplayOptions16>
+          <c16r3:dispNaAsBlank val="1"/>
+        </c16r3:dataDisplayOptions16>
+      </c:ext>
+    </c:extLst>
+    <c:showDLblsOverMax val="0"/>
+  </c:chart>
+  <c:spPr>
+    <a:noFill/>
+    <a:ln>
+      <a:noFill/>
+    </a:ln>
+    <a:effectLst/>
+  </c:spPr>
+  <c:txPr>
+    <a:bodyPr/>
+    <a:lstStyle/>
+    <a:p>
+      <a:pPr>
+        <a:defRPr/>
+      </a:pPr>
+      <a:endParaRPr lang="en-001"/>
+    </a:p>
+  </c:txPr>
+  <c:externalData r:id="rId3">
+    <c:autoUpdate val="0"/>
+  </c:externalData>
+</c:chartSpace>
+</file>
+
+<file path=ppt/charts/chart3.xml><?xml version="1.0" encoding="utf-8"?>
+<c:chartSpace xmlns:c="http://schemas.openxmlformats.org/drawingml/2006/chart" xmlns:a="http://schemas.openxmlformats.org/drawingml/2006/main" xmlns:r="http://schemas.openxmlformats.org/officeDocument/2006/relationships" xmlns:c16r2="http://schemas.microsoft.com/office/drawing/2015/06/chart">
+  <c:date1904 val="0"/>
+  <c:lang val="en-US"/>
+  <c:roundedCorners val="0"/>
+  <mc:AlternateContent xmlns:mc="http://schemas.openxmlformats.org/markup-compatibility/2006">
+    <mc:Choice xmlns:c14="http://schemas.microsoft.com/office/drawing/2007/8/2/chart" Requires="c14">
+      <c14:style val="102"/>
+    </mc:Choice>
+    <mc:Fallback>
+      <c:style val="2"/>
+    </mc:Fallback>
+  </mc:AlternateContent>
+  <c:chart>
+    <c:title>
+      <c:overlay val="0"/>
+      <c:spPr>
+        <a:noFill/>
+        <a:ln>
+          <a:noFill/>
+        </a:ln>
+        <a:effectLst/>
+      </c:spPr>
+      <c:txPr>
+        <a:bodyPr rot="0" spcFirstLastPara="1" vertOverflow="ellipsis" vert="horz" wrap="square" anchor="ctr" anchorCtr="1"/>
+        <a:lstStyle/>
+        <a:p>
+          <a:pPr>
+            <a:defRPr sz="1862" b="0" i="0" u="none" strike="noStrike" kern="1200" spc="0" baseline="0">
+              <a:solidFill>
+                <a:schemeClr val="tx1">
+                  <a:lumMod val="65000"/>
+                  <a:lumOff val="35000"/>
+                </a:schemeClr>
+              </a:solidFill>
+              <a:latin typeface="+mn-lt"/>
+              <a:ea typeface="+mn-ea"/>
+              <a:cs typeface="+mn-cs"/>
+            </a:defRPr>
+          </a:pPr>
+          <a:endParaRPr lang="en-001"/>
+        </a:p>
+      </c:txPr>
+    </c:title>
+    <c:autoTitleDeleted val="0"/>
+    <c:plotArea>
+      <c:layout>
+        <c:manualLayout>
+          <c:layoutTarget val="inner"/>
+          <c:xMode val="edge"/>
+          <c:yMode val="edge"/>
+          <c:x val="5.7586232244571954E-2"/>
+          <c:y val="0.17293135833942727"/>
+          <c:w val="0.91148779460365581"/>
+          <c:h val="0.64293115642723098"/>
+        </c:manualLayout>
+      </c:layout>
+      <c:lineChart>
+        <c:grouping val="stacked"/>
+        <c:varyColors val="0"/>
+        <c:ser>
+          <c:idx val="0"/>
+          <c:order val="0"/>
+          <c:tx>
+            <c:strRef>
+              <c:f>Sheet1!$B$1</c:f>
+              <c:strCache>
+                <c:ptCount val="1"/>
+                <c:pt idx="0">
+                  <c:v>% Drop off Rates</c:v>
+                </c:pt>
+              </c:strCache>
+            </c:strRef>
+          </c:tx>
+          <c:spPr>
+            <a:ln w="28575" cap="rnd">
+              <a:solidFill>
+                <a:schemeClr val="accent1"/>
+              </a:solidFill>
+              <a:round/>
+            </a:ln>
+            <a:effectLst/>
+          </c:spPr>
+          <c:marker>
+            <c:symbol val="circle"/>
+            <c:size val="5"/>
+            <c:spPr>
+              <a:solidFill>
+                <a:schemeClr val="accent1"/>
+              </a:solidFill>
+              <a:ln w="9525">
+                <a:solidFill>
+                  <a:schemeClr val="accent1"/>
+                </a:solidFill>
+              </a:ln>
+              <a:effectLst/>
+            </c:spPr>
+          </c:marker>
+          <c:dLbls>
+            <c:spPr>
+              <a:noFill/>
+              <a:ln>
+                <a:noFill/>
+              </a:ln>
+              <a:effectLst/>
+            </c:spPr>
+            <c:txPr>
+              <a:bodyPr rot="0" spcFirstLastPara="1" vertOverflow="ellipsis" vert="horz" wrap="square" lIns="38100" tIns="19050" rIns="38100" bIns="19050" anchor="ctr" anchorCtr="1">
+                <a:spAutoFit/>
+              </a:bodyPr>
+              <a:lstStyle/>
+              <a:p>
+                <a:pPr>
+                  <a:defRPr sz="1197" b="0" i="0" u="none" strike="noStrike" kern="1200" baseline="0">
+                    <a:solidFill>
+                      <a:schemeClr val="tx1">
+                        <a:lumMod val="75000"/>
+                        <a:lumOff val="25000"/>
+                      </a:schemeClr>
+                    </a:solidFill>
+                    <a:latin typeface="+mn-lt"/>
+                    <a:ea typeface="+mn-ea"/>
+                    <a:cs typeface="+mn-cs"/>
+                  </a:defRPr>
+                </a:pPr>
+                <a:endParaRPr lang="en-001"/>
+              </a:p>
+            </c:txPr>
+            <c:dLblPos val="t"/>
+            <c:showLegendKey val="0"/>
+            <c:showVal val="1"/>
+            <c:showCatName val="0"/>
+            <c:showSerName val="0"/>
+            <c:showPercent val="0"/>
+            <c:showBubbleSize val="0"/>
+            <c:showLeaderLines val="0"/>
+            <c:extLst>
+              <c:ext xmlns:c15="http://schemas.microsoft.com/office/drawing/2012/chart" uri="{CE6537A1-D6FC-4f65-9D91-7224C49458BB}">
+                <c15:showLeaderLines val="1"/>
+                <c15:leaderLines>
+                  <c:spPr>
+                    <a:ln w="9525" cap="flat" cmpd="sng" algn="ctr">
+                      <a:solidFill>
+                        <a:schemeClr val="tx1">
+                          <a:lumMod val="35000"/>
+                          <a:lumOff val="65000"/>
+                        </a:schemeClr>
+                      </a:solidFill>
+                      <a:round/>
+                    </a:ln>
+                    <a:effectLst/>
+                  </c:spPr>
+                </c15:leaderLines>
+              </c:ext>
+            </c:extLst>
+          </c:dLbls>
+          <c:cat>
+            <c:strRef>
+              <c:f>Sheet1!$A$2:$A$7</c:f>
+              <c:strCache>
+                <c:ptCount val="6"/>
+                <c:pt idx="0">
+                  <c:v>&lt;= 1 hour</c:v>
+                </c:pt>
+                <c:pt idx="1">
+                  <c:v>&lt;= 12 hour</c:v>
+                </c:pt>
+                <c:pt idx="2">
+                  <c:v>&lt;= 1 day</c:v>
+                </c:pt>
+                <c:pt idx="3">
+                  <c:v>&lt;= 3 day</c:v>
+                </c:pt>
+                <c:pt idx="4">
+                  <c:v>&lt;= 1 week</c:v>
+                </c:pt>
+                <c:pt idx="5">
+                  <c:v>&gt; 1 week</c:v>
+                </c:pt>
+              </c:strCache>
+            </c:strRef>
+          </c:cat>
+          <c:val>
+            <c:numRef>
+              <c:f>Sheet1!$B$2:$B$7</c:f>
+              <c:numCache>
+                <c:formatCode>General</c:formatCode>
+                <c:ptCount val="6"/>
+                <c:pt idx="0">
+                  <c:v>16.86</c:v>
+                </c:pt>
+                <c:pt idx="1">
+                  <c:v>46.29</c:v>
+                </c:pt>
+                <c:pt idx="2">
+                  <c:v>49.96</c:v>
+                </c:pt>
+                <c:pt idx="3">
+                  <c:v>53.47</c:v>
+                </c:pt>
+                <c:pt idx="4">
+                  <c:v>61.36</c:v>
+                </c:pt>
+                <c:pt idx="5">
+                  <c:v>58.49</c:v>
+                </c:pt>
+              </c:numCache>
+            </c:numRef>
+          </c:val>
+          <c:smooth val="0"/>
+          <c:extLst>
+            <c:ext xmlns:c16="http://schemas.microsoft.com/office/drawing/2014/chart" uri="{C3380CC4-5D6E-409C-BE32-E72D297353CC}">
+              <c16:uniqueId val="{00000000-61DF-4BEB-BDBB-0977F828B37A}"/>
+            </c:ext>
+          </c:extLst>
+        </c:ser>
+        <c:dLbls>
+          <c:dLblPos val="t"/>
+          <c:showLegendKey val="0"/>
+          <c:showVal val="1"/>
+          <c:showCatName val="0"/>
+          <c:showSerName val="0"/>
+          <c:showPercent val="0"/>
+          <c:showBubbleSize val="0"/>
+        </c:dLbls>
+        <c:upDownBars>
+          <c:gapWidth val="219"/>
+          <c:upBars>
+            <c:spPr>
+              <a:solidFill>
+                <a:schemeClr val="lt1"/>
+              </a:solidFill>
+              <a:ln w="9525">
+                <a:solidFill>
+                  <a:schemeClr val="tx1">
+                    <a:lumMod val="15000"/>
+                    <a:lumOff val="85000"/>
+                  </a:schemeClr>
+                </a:solidFill>
+              </a:ln>
+              <a:effectLst/>
+            </c:spPr>
+          </c:upBars>
+          <c:downBars>
+            <c:spPr>
+              <a:solidFill>
+                <a:schemeClr val="dk1">
+                  <a:lumMod val="65000"/>
+                  <a:lumOff val="35000"/>
+                </a:schemeClr>
+              </a:solidFill>
+              <a:ln w="9525">
+                <a:solidFill>
+                  <a:schemeClr val="tx1">
+                    <a:lumMod val="65000"/>
+                    <a:lumOff val="35000"/>
+                  </a:schemeClr>
+                </a:solidFill>
+              </a:ln>
+              <a:effectLst/>
+            </c:spPr>
+          </c:downBars>
+        </c:upDownBars>
+        <c:marker val="1"/>
+        <c:smooth val="0"/>
+        <c:axId val="796182127"/>
+        <c:axId val="796183567"/>
+      </c:lineChart>
+      <c:catAx>
+        <c:axId val="796182127"/>
+        <c:scaling>
+          <c:orientation val="minMax"/>
+        </c:scaling>
+        <c:delete val="0"/>
+        <c:axPos val="b"/>
+        <c:numFmt formatCode="General" sourceLinked="1"/>
+        <c:majorTickMark val="none"/>
+        <c:minorTickMark val="none"/>
+        <c:tickLblPos val="nextTo"/>
+        <c:spPr>
+          <a:noFill/>
+          <a:ln w="9525" cap="flat" cmpd="sng" algn="ctr">
+            <a:solidFill>
+              <a:schemeClr val="tx1">
+                <a:lumMod val="15000"/>
+                <a:lumOff val="85000"/>
+              </a:schemeClr>
+            </a:solidFill>
+            <a:round/>
+          </a:ln>
+          <a:effectLst/>
+        </c:spPr>
+        <c:txPr>
+          <a:bodyPr rot="-60000000" spcFirstLastPara="1" vertOverflow="ellipsis" vert="horz" wrap="square" anchor="ctr" anchorCtr="1"/>
+          <a:lstStyle/>
+          <a:p>
+            <a:pPr>
+              <a:defRPr sz="1197" b="0" i="0" u="none" strike="noStrike" kern="1200" baseline="0">
+                <a:solidFill>
+                  <a:schemeClr val="tx1">
+                    <a:lumMod val="65000"/>
+                    <a:lumOff val="35000"/>
+                  </a:schemeClr>
+                </a:solidFill>
+                <a:latin typeface="+mn-lt"/>
+                <a:ea typeface="+mn-ea"/>
+                <a:cs typeface="+mn-cs"/>
+              </a:defRPr>
+            </a:pPr>
+            <a:endParaRPr lang="en-001"/>
+          </a:p>
+        </c:txPr>
+        <c:crossAx val="796183567"/>
+        <c:crosses val="autoZero"/>
+        <c:auto val="1"/>
+        <c:lblAlgn val="ctr"/>
+        <c:lblOffset val="100"/>
+        <c:noMultiLvlLbl val="0"/>
+      </c:catAx>
+      <c:valAx>
+        <c:axId val="796183567"/>
+        <c:scaling>
+          <c:orientation val="minMax"/>
+          <c:max val="100"/>
+        </c:scaling>
+        <c:delete val="0"/>
+        <c:axPos val="l"/>
+        <c:majorGridlines>
+          <c:spPr>
+            <a:ln w="9525" cap="flat" cmpd="sng" algn="ctr">
+              <a:solidFill>
+                <a:schemeClr val="tx1">
+                  <a:lumMod val="15000"/>
+                  <a:lumOff val="85000"/>
+                </a:schemeClr>
+              </a:solidFill>
+              <a:round/>
+            </a:ln>
+            <a:effectLst/>
+          </c:spPr>
+        </c:majorGridlines>
+        <c:numFmt formatCode="General" sourceLinked="1"/>
+        <c:majorTickMark val="none"/>
+        <c:minorTickMark val="none"/>
+        <c:tickLblPos val="nextTo"/>
+        <c:spPr>
+          <a:noFill/>
+          <a:ln>
+            <a:noFill/>
+          </a:ln>
+          <a:effectLst/>
+        </c:spPr>
+        <c:txPr>
+          <a:bodyPr rot="-60000000" spcFirstLastPara="1" vertOverflow="ellipsis" vert="horz" wrap="square" anchor="ctr" anchorCtr="1"/>
+          <a:lstStyle/>
+          <a:p>
+            <a:pPr>
+              <a:defRPr sz="1197" b="0" i="0" u="none" strike="noStrike" kern="1200" baseline="0">
+                <a:solidFill>
+                  <a:schemeClr val="tx1">
+                    <a:lumMod val="65000"/>
+                    <a:lumOff val="35000"/>
+                  </a:schemeClr>
+                </a:solidFill>
+                <a:latin typeface="+mn-lt"/>
+                <a:ea typeface="+mn-ea"/>
+                <a:cs typeface="+mn-cs"/>
+              </a:defRPr>
+            </a:pPr>
+            <a:endParaRPr lang="en-001"/>
+          </a:p>
+        </c:txPr>
+        <c:crossAx val="796182127"/>
+        <c:crosses val="autoZero"/>
+        <c:crossBetween val="between"/>
+      </c:valAx>
+      <c:spPr>
+        <a:noFill/>
+        <a:ln>
+          <a:noFill/>
+        </a:ln>
+        <a:effectLst/>
+      </c:spPr>
+    </c:plotArea>
+    <c:legend>
+      <c:legendPos val="b"/>
+      <c:overlay val="0"/>
+      <c:spPr>
+        <a:noFill/>
+        <a:ln>
+          <a:noFill/>
+        </a:ln>
+        <a:effectLst/>
+      </c:spPr>
+      <c:txPr>
+        <a:bodyPr rot="0" spcFirstLastPara="1" vertOverflow="ellipsis" vert="horz" wrap="square" anchor="ctr" anchorCtr="1"/>
+        <a:lstStyle/>
+        <a:p>
+          <a:pPr>
+            <a:defRPr sz="1197" b="0" i="0" u="none" strike="noStrike" kern="1200" baseline="0">
+              <a:solidFill>
+                <a:schemeClr val="tx1">
+                  <a:lumMod val="65000"/>
+                  <a:lumOff val="35000"/>
+                </a:schemeClr>
+              </a:solidFill>
+              <a:latin typeface="+mn-lt"/>
+              <a:ea typeface="+mn-ea"/>
+              <a:cs typeface="+mn-cs"/>
+            </a:defRPr>
+          </a:pPr>
+          <a:endParaRPr lang="en-001"/>
+        </a:p>
+      </c:txPr>
+    </c:legend>
+    <c:plotVisOnly val="1"/>
+    <c:dispBlanksAs val="zero"/>
+    <c:extLst>
+      <c:ext xmlns:c16r3="http://schemas.microsoft.com/office/drawing/2017/03/chart" uri="{56B9EC1D-385E-4148-901F-78D8002777C0}">
+        <c16r3:dataDisplayOptions16>
+          <c16r3:dispNaAsBlank val="1"/>
+        </c16r3:dataDisplayOptions16>
+      </c:ext>
+    </c:extLst>
+    <c:showDLblsOverMax val="0"/>
+  </c:chart>
+  <c:spPr>
+    <a:noFill/>
+    <a:ln>
+      <a:noFill/>
+    </a:ln>
+    <a:effectLst/>
+  </c:spPr>
+  <c:txPr>
+    <a:bodyPr/>
+    <a:lstStyle/>
+    <a:p>
+      <a:pPr>
+        <a:defRPr/>
+      </a:pPr>
+      <a:endParaRPr lang="en-001"/>
+    </a:p>
+  </c:txPr>
+  <c:externalData r:id="rId3">
+    <c:autoUpdate val="0"/>
+  </c:externalData>
+</c:chartSpace>
+</file>
+
+<file path=ppt/charts/chart4.xml><?xml version="1.0" encoding="utf-8"?>
+<c:chartSpace xmlns:c="http://schemas.openxmlformats.org/drawingml/2006/chart" xmlns:a="http://schemas.openxmlformats.org/drawingml/2006/main" xmlns:r="http://schemas.openxmlformats.org/officeDocument/2006/relationships" xmlns:c16r2="http://schemas.microsoft.com/office/drawing/2015/06/chart">
+  <c:date1904 val="0"/>
+  <c:lang val="en-US"/>
+  <c:roundedCorners val="0"/>
+  <mc:AlternateContent xmlns:mc="http://schemas.openxmlformats.org/markup-compatibility/2006">
+    <mc:Choice xmlns:c14="http://schemas.microsoft.com/office/drawing/2007/8/2/chart" Requires="c14">
+      <c14:style val="102"/>
+    </mc:Choice>
+    <mc:Fallback>
+      <c:style val="2"/>
+    </mc:Fallback>
+  </mc:AlternateContent>
+  <c:chart>
+    <c:title>
+      <c:overlay val="0"/>
+      <c:spPr>
+        <a:noFill/>
+        <a:ln>
+          <a:noFill/>
+        </a:ln>
+        <a:effectLst/>
+      </c:spPr>
+      <c:txPr>
+        <a:bodyPr rot="0" spcFirstLastPara="1" vertOverflow="ellipsis" vert="horz" wrap="square" anchor="ctr" anchorCtr="1"/>
+        <a:lstStyle/>
+        <a:p>
+          <a:pPr>
+            <a:defRPr sz="1862" b="0" i="0" u="none" strike="noStrike" kern="1200" spc="0" baseline="0">
+              <a:solidFill>
+                <a:schemeClr val="tx1">
+                  <a:lumMod val="65000"/>
+                  <a:lumOff val="35000"/>
+                </a:schemeClr>
+              </a:solidFill>
+              <a:latin typeface="+mn-lt"/>
+              <a:ea typeface="+mn-ea"/>
+              <a:cs typeface="+mn-cs"/>
+            </a:defRPr>
+          </a:pPr>
+          <a:endParaRPr lang="en-001"/>
+        </a:p>
+      </c:txPr>
+    </c:title>
+    <c:autoTitleDeleted val="0"/>
+    <c:plotArea>
+      <c:layout/>
+      <c:lineChart>
+        <c:grouping val="stacked"/>
+        <c:varyColors val="0"/>
+        <c:ser>
+          <c:idx val="0"/>
+          <c:order val="0"/>
+          <c:tx>
+            <c:strRef>
+              <c:f>Sheet1!$B$1</c:f>
+              <c:strCache>
+                <c:ptCount val="1"/>
+                <c:pt idx="0">
+                  <c:v>Success Rate of Booking</c:v>
+                </c:pt>
+              </c:strCache>
+            </c:strRef>
+          </c:tx>
+          <c:spPr>
+            <a:ln w="28575" cap="rnd">
+              <a:solidFill>
+                <a:schemeClr val="accent1"/>
+              </a:solidFill>
+              <a:round/>
+            </a:ln>
+            <a:effectLst/>
+          </c:spPr>
+          <c:marker>
+            <c:symbol val="circle"/>
+            <c:size val="5"/>
+            <c:spPr>
+              <a:solidFill>
+                <a:schemeClr val="accent1"/>
+              </a:solidFill>
+              <a:ln w="9525">
+                <a:solidFill>
+                  <a:schemeClr val="accent1"/>
+                </a:solidFill>
+              </a:ln>
+              <a:effectLst/>
+            </c:spPr>
+          </c:marker>
+          <c:dLbls>
+            <c:spPr>
+              <a:noFill/>
+              <a:ln>
+                <a:noFill/>
+              </a:ln>
+              <a:effectLst/>
+            </c:spPr>
+            <c:txPr>
+              <a:bodyPr rot="0" spcFirstLastPara="1" vertOverflow="ellipsis" vert="horz" wrap="square" lIns="38100" tIns="19050" rIns="38100" bIns="19050" anchor="ctr" anchorCtr="1">
+                <a:spAutoFit/>
+              </a:bodyPr>
+              <a:lstStyle/>
+              <a:p>
+                <a:pPr>
+                  <a:defRPr sz="1197" b="0" i="0" u="none" strike="noStrike" kern="1200" baseline="0">
+                    <a:solidFill>
+                      <a:schemeClr val="tx1">
+                        <a:lumMod val="75000"/>
+                        <a:lumOff val="25000"/>
+                      </a:schemeClr>
+                    </a:solidFill>
+                    <a:latin typeface="+mn-lt"/>
+                    <a:ea typeface="+mn-ea"/>
+                    <a:cs typeface="+mn-cs"/>
+                  </a:defRPr>
+                </a:pPr>
+                <a:endParaRPr lang="en-001"/>
+              </a:p>
+            </c:txPr>
+            <c:dLblPos val="t"/>
+            <c:showLegendKey val="0"/>
+            <c:showVal val="1"/>
+            <c:showCatName val="0"/>
+            <c:showSerName val="0"/>
+            <c:showPercent val="0"/>
+            <c:showBubbleSize val="0"/>
+            <c:showLeaderLines val="0"/>
+            <c:extLst>
+              <c:ext xmlns:c15="http://schemas.microsoft.com/office/drawing/2012/chart" uri="{CE6537A1-D6FC-4f65-9D91-7224C49458BB}">
+                <c15:showLeaderLines val="1"/>
+                <c15:leaderLines>
+                  <c:spPr>
+                    <a:ln w="9525" cap="flat" cmpd="sng" algn="ctr">
+                      <a:solidFill>
+                        <a:schemeClr val="tx1">
+                          <a:lumMod val="35000"/>
+                          <a:lumOff val="65000"/>
+                        </a:schemeClr>
+                      </a:solidFill>
+                      <a:round/>
+                    </a:ln>
+                    <a:effectLst/>
+                  </c:spPr>
+                </c15:leaderLines>
+              </c:ext>
+            </c:extLst>
+          </c:dLbls>
+          <c:cat>
+            <c:strRef>
+              <c:f>Sheet1!$A$2:$A$7</c:f>
+              <c:strCache>
+                <c:ptCount val="6"/>
+                <c:pt idx="0">
+                  <c:v>&lt;= 1 hour</c:v>
+                </c:pt>
+                <c:pt idx="1">
+                  <c:v>&lt;= 12 hour</c:v>
+                </c:pt>
+                <c:pt idx="2">
+                  <c:v>&lt;= 1 day</c:v>
+                </c:pt>
+                <c:pt idx="3">
+                  <c:v>&lt;= 3 day</c:v>
+                </c:pt>
+                <c:pt idx="4">
+                  <c:v>&lt;= 1 week</c:v>
+                </c:pt>
+                <c:pt idx="5">
+                  <c:v>&gt; 1 week</c:v>
+                </c:pt>
+              </c:strCache>
+            </c:strRef>
+          </c:cat>
+          <c:val>
+            <c:numRef>
+              <c:f>Sheet1!$B$2:$B$7</c:f>
+              <c:numCache>
+                <c:formatCode>General</c:formatCode>
+                <c:ptCount val="6"/>
+                <c:pt idx="0">
+                  <c:v>64.47</c:v>
+                </c:pt>
+                <c:pt idx="1">
+                  <c:v>27.33</c:v>
+                </c:pt>
+                <c:pt idx="2">
+                  <c:v>18.61</c:v>
+                </c:pt>
+                <c:pt idx="3">
+                  <c:v>8.8000000000000007</c:v>
+                </c:pt>
+                <c:pt idx="4">
+                  <c:v>4.83</c:v>
+                </c:pt>
+                <c:pt idx="5">
+                  <c:v>4.2699999999999996</c:v>
+                </c:pt>
+              </c:numCache>
+            </c:numRef>
+          </c:val>
+          <c:smooth val="0"/>
+          <c:extLst>
+            <c:ext xmlns:c16="http://schemas.microsoft.com/office/drawing/2014/chart" uri="{C3380CC4-5D6E-409C-BE32-E72D297353CC}">
+              <c16:uniqueId val="{00000000-42F5-4085-87E6-9F2C3B9E29F5}"/>
+            </c:ext>
+          </c:extLst>
+        </c:ser>
+        <c:dLbls>
+          <c:dLblPos val="t"/>
+          <c:showLegendKey val="0"/>
+          <c:showVal val="1"/>
+          <c:showCatName val="0"/>
+          <c:showSerName val="0"/>
+          <c:showPercent val="0"/>
+          <c:showBubbleSize val="0"/>
+        </c:dLbls>
+        <c:marker val="1"/>
+        <c:smooth val="0"/>
+        <c:axId val="540901872"/>
+        <c:axId val="540900432"/>
+      </c:lineChart>
+      <c:catAx>
+        <c:axId val="540901872"/>
+        <c:scaling>
+          <c:orientation val="minMax"/>
+        </c:scaling>
+        <c:delete val="0"/>
+        <c:axPos val="b"/>
+        <c:numFmt formatCode="General" sourceLinked="1"/>
+        <c:majorTickMark val="none"/>
+        <c:minorTickMark val="none"/>
+        <c:tickLblPos val="nextTo"/>
+        <c:spPr>
+          <a:noFill/>
+          <a:ln w="9525" cap="flat" cmpd="sng" algn="ctr">
+            <a:solidFill>
+              <a:schemeClr val="tx1">
+                <a:lumMod val="15000"/>
+                <a:lumOff val="85000"/>
+              </a:schemeClr>
+            </a:solidFill>
+            <a:round/>
+          </a:ln>
+          <a:effectLst/>
+        </c:spPr>
+        <c:txPr>
+          <a:bodyPr rot="-60000000" spcFirstLastPara="1" vertOverflow="ellipsis" vert="horz" wrap="square" anchor="ctr" anchorCtr="1"/>
+          <a:lstStyle/>
+          <a:p>
+            <a:pPr>
+              <a:defRPr sz="1197" b="0" i="0" u="none" strike="noStrike" kern="1200" baseline="0">
+                <a:solidFill>
+                  <a:schemeClr val="tx1">
+                    <a:lumMod val="65000"/>
+                    <a:lumOff val="35000"/>
+                  </a:schemeClr>
+                </a:solidFill>
+                <a:latin typeface="+mn-lt"/>
+                <a:ea typeface="+mn-ea"/>
+                <a:cs typeface="+mn-cs"/>
+              </a:defRPr>
+            </a:pPr>
+            <a:endParaRPr lang="en-001"/>
+          </a:p>
+        </c:txPr>
+        <c:crossAx val="540900432"/>
+        <c:crosses val="autoZero"/>
+        <c:auto val="1"/>
+        <c:lblAlgn val="ctr"/>
+        <c:lblOffset val="100"/>
+        <c:noMultiLvlLbl val="0"/>
+      </c:catAx>
+      <c:valAx>
+        <c:axId val="540900432"/>
+        <c:scaling>
+          <c:orientation val="minMax"/>
+          <c:max val="100"/>
+        </c:scaling>
+        <c:delete val="0"/>
+        <c:axPos val="l"/>
+        <c:majorGridlines>
+          <c:spPr>
+            <a:ln w="9525" cap="flat" cmpd="sng" algn="ctr">
+              <a:solidFill>
+                <a:schemeClr val="tx1">
+                  <a:lumMod val="15000"/>
+                  <a:lumOff val="85000"/>
+                </a:schemeClr>
+              </a:solidFill>
+              <a:round/>
+            </a:ln>
+            <a:effectLst/>
+          </c:spPr>
+        </c:majorGridlines>
+        <c:numFmt formatCode="General" sourceLinked="1"/>
+        <c:majorTickMark val="none"/>
+        <c:minorTickMark val="none"/>
+        <c:tickLblPos val="nextTo"/>
+        <c:spPr>
+          <a:noFill/>
+          <a:ln>
+            <a:noFill/>
+          </a:ln>
+          <a:effectLst/>
+        </c:spPr>
+        <c:txPr>
+          <a:bodyPr rot="-60000000" spcFirstLastPara="1" vertOverflow="ellipsis" vert="horz" wrap="square" anchor="ctr" anchorCtr="1"/>
+          <a:lstStyle/>
+          <a:p>
+            <a:pPr>
+              <a:defRPr sz="1197" b="0" i="0" u="none" strike="noStrike" kern="1200" baseline="0">
+                <a:solidFill>
+                  <a:schemeClr val="tx1">
+                    <a:lumMod val="65000"/>
+                    <a:lumOff val="35000"/>
+                  </a:schemeClr>
+                </a:solidFill>
+                <a:latin typeface="+mn-lt"/>
+                <a:ea typeface="+mn-ea"/>
+                <a:cs typeface="+mn-cs"/>
+              </a:defRPr>
+            </a:pPr>
+            <a:endParaRPr lang="en-001"/>
+          </a:p>
+        </c:txPr>
+        <c:crossAx val="540901872"/>
+        <c:crosses val="autoZero"/>
+        <c:crossBetween val="between"/>
+      </c:valAx>
+      <c:spPr>
+        <a:noFill/>
+        <a:ln>
+          <a:noFill/>
+        </a:ln>
+        <a:effectLst/>
+      </c:spPr>
+    </c:plotArea>
+    <c:legend>
+      <c:legendPos val="b"/>
+      <c:overlay val="0"/>
+      <c:spPr>
+        <a:noFill/>
+        <a:ln>
+          <a:noFill/>
+        </a:ln>
+        <a:effectLst/>
+      </c:spPr>
+      <c:txPr>
+        <a:bodyPr rot="0" spcFirstLastPara="1" vertOverflow="ellipsis" vert="horz" wrap="square" anchor="ctr" anchorCtr="1"/>
+        <a:lstStyle/>
+        <a:p>
+          <a:pPr>
+            <a:defRPr sz="1197" b="0" i="0" u="none" strike="noStrike" kern="1200" baseline="0">
+              <a:solidFill>
+                <a:schemeClr val="tx1">
+                  <a:lumMod val="65000"/>
+                  <a:lumOff val="35000"/>
+                </a:schemeClr>
+              </a:solidFill>
+              <a:latin typeface="+mn-lt"/>
+              <a:ea typeface="+mn-ea"/>
+              <a:cs typeface="+mn-cs"/>
+            </a:defRPr>
+          </a:pPr>
+          <a:endParaRPr lang="en-001"/>
+        </a:p>
+      </c:txPr>
+    </c:legend>
+    <c:plotVisOnly val="1"/>
+    <c:dispBlanksAs val="zero"/>
+    <c:extLst>
+      <c:ext xmlns:c16r3="http://schemas.microsoft.com/office/drawing/2017/03/chart" uri="{56B9EC1D-385E-4148-901F-78D8002777C0}">
+        <c16r3:dataDisplayOptions16>
+          <c16r3:dispNaAsBlank val="1"/>
+        </c16r3:dataDisplayOptions16>
+      </c:ext>
+    </c:extLst>
+    <c:showDLblsOverMax val="0"/>
+  </c:chart>
+  <c:spPr>
+    <a:noFill/>
+    <a:ln>
+      <a:noFill/>
+    </a:ln>
+    <a:effectLst/>
+  </c:spPr>
+  <c:txPr>
+    <a:bodyPr/>
+    <a:lstStyle/>
+    <a:p>
+      <a:pPr>
+        <a:defRPr/>
+      </a:pPr>
+      <a:endParaRPr lang="en-001"/>
+    </a:p>
+  </c:txPr>
+  <c:externalData r:id="rId3">
+    <c:autoUpdate val="0"/>
+  </c:externalData>
+</c:chartSpace>
+</file>
+
+<file path=ppt/charts/chart5.xml><?xml version="1.0" encoding="utf-8"?>
+<c:chartSpace xmlns:c="http://schemas.openxmlformats.org/drawingml/2006/chart" xmlns:a="http://schemas.openxmlformats.org/drawingml/2006/main" xmlns:r="http://schemas.openxmlformats.org/officeDocument/2006/relationships" xmlns:c16r2="http://schemas.microsoft.com/office/drawing/2015/06/chart">
+  <c:date1904 val="0"/>
+  <c:lang val="en-US"/>
+  <c:roundedCorners val="0"/>
+  <mc:AlternateContent xmlns:mc="http://schemas.openxmlformats.org/markup-compatibility/2006">
+    <mc:Choice xmlns:c14="http://schemas.microsoft.com/office/drawing/2007/8/2/chart" Requires="c14">
+      <c14:style val="102"/>
+    </mc:Choice>
+    <mc:Fallback>
+      <c:style val="2"/>
+    </mc:Fallback>
+  </mc:AlternateContent>
+  <c:chart>
+    <c:title>
+      <c:overlay val="0"/>
+      <c:spPr>
+        <a:noFill/>
+        <a:ln>
+          <a:noFill/>
+        </a:ln>
+        <a:effectLst/>
+      </c:spPr>
+      <c:txPr>
+        <a:bodyPr rot="0" spcFirstLastPara="1" vertOverflow="ellipsis" vert="horz" wrap="square" anchor="ctr" anchorCtr="1"/>
+        <a:lstStyle/>
+        <a:p>
+          <a:pPr>
+            <a:defRPr sz="1862" b="0" i="0" u="none" strike="noStrike" kern="1200" spc="0" baseline="0">
+              <a:solidFill>
+                <a:schemeClr val="tx1">
+                  <a:lumMod val="65000"/>
+                  <a:lumOff val="35000"/>
+                </a:schemeClr>
+              </a:solidFill>
+              <a:latin typeface="+mn-lt"/>
+              <a:ea typeface="+mn-ea"/>
+              <a:cs typeface="+mn-cs"/>
+            </a:defRPr>
+          </a:pPr>
+          <a:endParaRPr lang="en-001"/>
+        </a:p>
+      </c:txPr>
+    </c:title>
+    <c:autoTitleDeleted val="0"/>
+    <c:plotArea>
+      <c:layout/>
+      <c:pieChart>
+        <c:varyColors val="1"/>
+        <c:ser>
+          <c:idx val="0"/>
+          <c:order val="0"/>
+          <c:tx>
+            <c:strRef>
+              <c:f>Sheet1!$B$1</c:f>
+              <c:strCache>
+                <c:ptCount val="1"/>
+                <c:pt idx="0">
+                  <c:v>%Age Enquires</c:v>
+                </c:pt>
+              </c:strCache>
+            </c:strRef>
+          </c:tx>
+          <c:dPt>
+            <c:idx val="0"/>
+            <c:bubble3D val="0"/>
+            <c:spPr>
+              <a:solidFill>
+                <a:schemeClr val="accent1"/>
+              </a:solidFill>
+              <a:ln w="19050">
+                <a:solidFill>
+                  <a:schemeClr val="lt1"/>
+                </a:solidFill>
+              </a:ln>
+              <a:effectLst/>
+            </c:spPr>
+          </c:dPt>
+          <c:dPt>
+            <c:idx val="1"/>
+            <c:bubble3D val="0"/>
+            <c:spPr>
+              <a:solidFill>
+                <a:schemeClr val="accent2"/>
+              </a:solidFill>
+              <a:ln w="19050">
+                <a:solidFill>
+                  <a:schemeClr val="lt1"/>
+                </a:solidFill>
+              </a:ln>
+              <a:effectLst/>
+            </c:spPr>
+          </c:dPt>
+          <c:dPt>
+            <c:idx val="2"/>
+            <c:bubble3D val="0"/>
+            <c:spPr>
+              <a:solidFill>
+                <a:schemeClr val="accent3"/>
+              </a:solidFill>
+              <a:ln w="19050">
+                <a:solidFill>
+                  <a:schemeClr val="lt1"/>
+                </a:solidFill>
+              </a:ln>
+              <a:effectLst/>
+            </c:spPr>
+          </c:dPt>
+          <c:dLbls>
+            <c:spPr>
+              <a:solidFill>
+                <a:srgbClr val="FFFFFF"/>
+              </a:solidFill>
+              <a:ln>
+                <a:solidFill>
+                  <a:srgbClr val="000000">
+                    <a:lumMod val="25000"/>
+                    <a:lumOff val="75000"/>
+                  </a:srgbClr>
+                </a:solidFill>
+              </a:ln>
+              <a:effectLst/>
+            </c:spPr>
+            <c:txPr>
+              <a:bodyPr rot="0" spcFirstLastPara="1" vertOverflow="clip" horzOverflow="clip" vert="horz" wrap="square" lIns="38100" tIns="19050" rIns="38100" bIns="19050" anchor="ctr" anchorCtr="1">
+                <a:spAutoFit/>
+              </a:bodyPr>
+              <a:lstStyle/>
+              <a:p>
+                <a:pPr>
+                  <a:defRPr sz="1197" b="0" i="0" u="none" strike="noStrike" kern="1200" baseline="0">
+                    <a:solidFill>
+                      <a:schemeClr val="dk1">
+                        <a:lumMod val="65000"/>
+                        <a:lumOff val="35000"/>
+                      </a:schemeClr>
+                    </a:solidFill>
+                    <a:latin typeface="+mn-lt"/>
+                    <a:ea typeface="+mn-ea"/>
+                    <a:cs typeface="+mn-cs"/>
+                  </a:defRPr>
+                </a:pPr>
+                <a:endParaRPr lang="en-001"/>
+              </a:p>
+            </c:txPr>
+            <c:dLblPos val="outEnd"/>
+            <c:showLegendKey val="0"/>
+            <c:showVal val="0"/>
+            <c:showCatName val="1"/>
+            <c:showSerName val="0"/>
+            <c:showPercent val="1"/>
+            <c:showBubbleSize val="0"/>
+            <c:showLeaderLines val="0"/>
+            <c:extLst>
+              <c:ext xmlns:c15="http://schemas.microsoft.com/office/drawing/2012/chart" uri="{CE6537A1-D6FC-4f65-9D91-7224C49458BB}">
+                <c15:spPr xmlns:c15="http://schemas.microsoft.com/office/drawing/2012/chart">
+                  <a:prstGeom prst="wedgeRectCallout">
+                    <a:avLst/>
+                  </a:prstGeom>
+                  <a:noFill/>
+                  <a:ln>
+                    <a:noFill/>
+                  </a:ln>
+                </c15:spPr>
+              </c:ext>
+            </c:extLst>
+          </c:dLbls>
+          <c:cat>
+            <c:strRef>
+              <c:f>Sheet1!$A$2:$A$4</c:f>
+              <c:strCache>
+                <c:ptCount val="3"/>
+                <c:pt idx="0">
+                  <c:v>Entire home/apt</c:v>
+                </c:pt>
+                <c:pt idx="1">
+                  <c:v>Shared room</c:v>
+                </c:pt>
+                <c:pt idx="2">
+                  <c:v>Private room</c:v>
+                </c:pt>
+              </c:strCache>
+            </c:strRef>
+          </c:cat>
+          <c:val>
+            <c:numRef>
+              <c:f>Sheet1!$B$2:$B$4</c:f>
+              <c:numCache>
+                <c:formatCode>General</c:formatCode>
+                <c:ptCount val="3"/>
+                <c:pt idx="0">
+                  <c:v>75.239999999999995</c:v>
+                </c:pt>
+                <c:pt idx="1">
+                  <c:v>2.12</c:v>
+                </c:pt>
+                <c:pt idx="2">
+                  <c:v>22.64</c:v>
+                </c:pt>
+              </c:numCache>
+            </c:numRef>
+          </c:val>
+          <c:extLst>
+            <c:ext xmlns:c16="http://schemas.microsoft.com/office/drawing/2014/chart" uri="{C3380CC4-5D6E-409C-BE32-E72D297353CC}">
+              <c16:uniqueId val="{00000000-1E29-428A-8241-C9D62545F64C}"/>
+            </c:ext>
+          </c:extLst>
+        </c:ser>
+        <c:dLbls>
+          <c:showLegendKey val="0"/>
+          <c:showVal val="0"/>
+          <c:showCatName val="0"/>
+          <c:showSerName val="0"/>
+          <c:showPercent val="0"/>
+          <c:showBubbleSize val="0"/>
+          <c:showLeaderLines val="0"/>
+        </c:dLbls>
+        <c:firstSliceAng val="0"/>
+      </c:pieChart>
+      <c:spPr>
+        <a:noFill/>
+        <a:ln>
+          <a:noFill/>
+        </a:ln>
+        <a:effectLst/>
+      </c:spPr>
+    </c:plotArea>
+    <c:plotVisOnly val="1"/>
+    <c:dispBlanksAs val="gap"/>
+    <c:extLst>
+      <c:ext xmlns:c16r3="http://schemas.microsoft.com/office/drawing/2017/03/chart" uri="{56B9EC1D-385E-4148-901F-78D8002777C0}">
+        <c16r3:dataDisplayOptions16>
+          <c16r3:dispNaAsBlank val="1"/>
+        </c16r3:dataDisplayOptions16>
+      </c:ext>
+    </c:extLst>
+    <c:showDLblsOverMax val="0"/>
+  </c:chart>
+  <c:spPr>
+    <a:noFill/>
+    <a:ln>
+      <a:noFill/>
+    </a:ln>
+    <a:effectLst/>
+  </c:spPr>
+  <c:txPr>
+    <a:bodyPr/>
+    <a:lstStyle/>
+    <a:p>
+      <a:pPr>
+        <a:defRPr/>
+      </a:pPr>
+      <a:endParaRPr lang="en-001"/>
+    </a:p>
+  </c:txPr>
+  <c:externalData r:id="rId3">
+    <c:autoUpdate val="0"/>
+  </c:externalData>
+</c:chartSpace>
+</file>
+
+<file path=ppt/charts/chart6.xml><?xml version="1.0" encoding="utf-8"?>
+<c:chartSpace xmlns:c="http://schemas.openxmlformats.org/drawingml/2006/chart" xmlns:a="http://schemas.openxmlformats.org/drawingml/2006/main" xmlns:r="http://schemas.openxmlformats.org/officeDocument/2006/relationships" xmlns:c16r2="http://schemas.microsoft.com/office/drawing/2015/06/chart">
+  <c:date1904 val="0"/>
+  <c:lang val="en-US"/>
+  <c:roundedCorners val="0"/>
+  <mc:AlternateContent xmlns:mc="http://schemas.openxmlformats.org/markup-compatibility/2006">
+    <mc:Choice xmlns:c14="http://schemas.microsoft.com/office/drawing/2007/8/2/chart" Requires="c14">
+      <c14:style val="102"/>
+    </mc:Choice>
+    <mc:Fallback>
+      <c:style val="2"/>
+    </mc:Fallback>
+  </mc:AlternateContent>
+  <c:chart>
+    <c:title>
+      <c:overlay val="0"/>
+      <c:spPr>
+        <a:noFill/>
+        <a:ln>
+          <a:noFill/>
+        </a:ln>
+        <a:effectLst/>
+      </c:spPr>
+      <c:txPr>
+        <a:bodyPr rot="0" spcFirstLastPara="1" vertOverflow="ellipsis" vert="horz" wrap="square" anchor="ctr" anchorCtr="1"/>
+        <a:lstStyle/>
+        <a:p>
+          <a:pPr>
+            <a:defRPr sz="1862" b="0" i="0" u="none" strike="noStrike" kern="1200" spc="0" baseline="0">
+              <a:solidFill>
+                <a:schemeClr val="tx1">
+                  <a:lumMod val="65000"/>
+                  <a:lumOff val="35000"/>
+                </a:schemeClr>
+              </a:solidFill>
+              <a:latin typeface="+mn-lt"/>
+              <a:ea typeface="+mn-ea"/>
+              <a:cs typeface="+mn-cs"/>
+            </a:defRPr>
+          </a:pPr>
+          <a:endParaRPr lang="en-001"/>
+        </a:p>
+      </c:txPr>
+    </c:title>
+    <c:autoTitleDeleted val="0"/>
+    <c:plotArea>
+      <c:layout>
+        <c:manualLayout>
+          <c:layoutTarget val="inner"/>
+          <c:xMode val="edge"/>
+          <c:yMode val="edge"/>
+          <c:x val="4.8144117867646379E-2"/>
+          <c:y val="0.14046392153766168"/>
+          <c:w val="0.92310848543170965"/>
+          <c:h val="0.69791574861239702"/>
+        </c:manualLayout>
+      </c:layout>
+      <c:barChart>
+        <c:barDir val="col"/>
+        <c:grouping val="clustered"/>
+        <c:varyColors val="0"/>
+        <c:ser>
+          <c:idx val="0"/>
+          <c:order val="0"/>
+          <c:tx>
+            <c:strRef>
+              <c:f>Sheet1!$B$1</c:f>
+              <c:strCache>
+                <c:ptCount val="1"/>
+                <c:pt idx="0">
+                  <c:v>Booking Rate</c:v>
+                </c:pt>
+              </c:strCache>
+            </c:strRef>
+          </c:tx>
+          <c:spPr>
+            <a:solidFill>
+              <a:schemeClr val="accent1"/>
+            </a:solidFill>
+            <a:ln>
+              <a:noFill/>
+            </a:ln>
+            <a:effectLst/>
+          </c:spPr>
+          <c:invertIfNegative val="0"/>
+          <c:dLbls>
+            <c:spPr>
+              <a:noFill/>
+              <a:ln>
+                <a:noFill/>
+              </a:ln>
+              <a:effectLst/>
+            </c:spPr>
+            <c:txPr>
+              <a:bodyPr rot="0" spcFirstLastPara="1" vertOverflow="ellipsis" vert="horz" wrap="square" lIns="38100" tIns="19050" rIns="38100" bIns="19050" anchor="ctr" anchorCtr="1">
+                <a:spAutoFit/>
+              </a:bodyPr>
+              <a:lstStyle/>
+              <a:p>
+                <a:pPr>
+                  <a:defRPr sz="1197" b="0" i="0" u="none" strike="noStrike" kern="1200" baseline="0">
+                    <a:solidFill>
+                      <a:schemeClr val="tx1">
+                        <a:lumMod val="75000"/>
+                        <a:lumOff val="25000"/>
+                      </a:schemeClr>
+                    </a:solidFill>
+                    <a:latin typeface="+mn-lt"/>
+                    <a:ea typeface="+mn-ea"/>
+                    <a:cs typeface="+mn-cs"/>
+                  </a:defRPr>
+                </a:pPr>
+                <a:endParaRPr lang="en-001"/>
+              </a:p>
+            </c:txPr>
+            <c:dLblPos val="outEnd"/>
+            <c:showLegendKey val="0"/>
+            <c:showVal val="1"/>
+            <c:showCatName val="0"/>
+            <c:showSerName val="0"/>
+            <c:showPercent val="0"/>
+            <c:showBubbleSize val="0"/>
+            <c:showLeaderLines val="0"/>
+            <c:extLst>
+              <c:ext xmlns:c15="http://schemas.microsoft.com/office/drawing/2012/chart" uri="{CE6537A1-D6FC-4f65-9D91-7224C49458BB}">
+                <c15:showLeaderLines val="1"/>
+                <c15:leaderLines>
+                  <c:spPr>
+                    <a:ln w="9525" cap="flat" cmpd="sng" algn="ctr">
+                      <a:solidFill>
+                        <a:schemeClr val="tx1">
+                          <a:lumMod val="35000"/>
+                          <a:lumOff val="65000"/>
+                        </a:schemeClr>
+                      </a:solidFill>
+                      <a:round/>
+                    </a:ln>
+                    <a:effectLst/>
+                  </c:spPr>
+                </c15:leaderLines>
+              </c:ext>
+            </c:extLst>
+          </c:dLbls>
+          <c:cat>
+            <c:strRef>
+              <c:f>Sheet1!$A$2:$A$4</c:f>
+              <c:strCache>
+                <c:ptCount val="3"/>
+                <c:pt idx="0">
+                  <c:v>Entire home/apt</c:v>
+                </c:pt>
+                <c:pt idx="1">
+                  <c:v>Shared room</c:v>
+                </c:pt>
+                <c:pt idx="2">
+                  <c:v>Private room</c:v>
+                </c:pt>
+              </c:strCache>
+            </c:strRef>
+          </c:cat>
+          <c:val>
+            <c:numRef>
+              <c:f>Sheet1!$B$2:$B$4</c:f>
+              <c:numCache>
+                <c:formatCode>General</c:formatCode>
+                <c:ptCount val="3"/>
+                <c:pt idx="0">
+                  <c:v>40.130000000000003</c:v>
+                </c:pt>
+                <c:pt idx="1">
+                  <c:v>32.6</c:v>
+                </c:pt>
+                <c:pt idx="2">
+                  <c:v>47.12</c:v>
+                </c:pt>
+              </c:numCache>
+            </c:numRef>
+          </c:val>
+          <c:extLst>
+            <c:ext xmlns:c16="http://schemas.microsoft.com/office/drawing/2014/chart" uri="{C3380CC4-5D6E-409C-BE32-E72D297353CC}">
+              <c16:uniqueId val="{00000000-BF07-4678-8224-094292421440}"/>
+            </c:ext>
+          </c:extLst>
+        </c:ser>
+        <c:dLbls>
+          <c:dLblPos val="outEnd"/>
+          <c:showLegendKey val="0"/>
+          <c:showVal val="1"/>
+          <c:showCatName val="0"/>
+          <c:showSerName val="0"/>
+          <c:showPercent val="0"/>
+          <c:showBubbleSize val="0"/>
+        </c:dLbls>
+        <c:gapWidth val="219"/>
+        <c:overlap val="-27"/>
+        <c:axId val="494185344"/>
+        <c:axId val="494166624"/>
+      </c:barChart>
+      <c:catAx>
+        <c:axId val="494185344"/>
+        <c:scaling>
+          <c:orientation val="minMax"/>
+        </c:scaling>
+        <c:delete val="0"/>
+        <c:axPos val="b"/>
+        <c:numFmt formatCode="General" sourceLinked="1"/>
+        <c:majorTickMark val="none"/>
+        <c:minorTickMark val="none"/>
+        <c:tickLblPos val="nextTo"/>
+        <c:spPr>
+          <a:noFill/>
+          <a:ln w="9525" cap="flat" cmpd="sng" algn="ctr">
+            <a:solidFill>
+              <a:schemeClr val="tx1">
+                <a:lumMod val="15000"/>
+                <a:lumOff val="85000"/>
+              </a:schemeClr>
+            </a:solidFill>
+            <a:round/>
+          </a:ln>
+          <a:effectLst/>
+        </c:spPr>
+        <c:txPr>
+          <a:bodyPr rot="-60000000" spcFirstLastPara="1" vertOverflow="ellipsis" vert="horz" wrap="square" anchor="ctr" anchorCtr="1"/>
+          <a:lstStyle/>
+          <a:p>
+            <a:pPr>
+              <a:defRPr sz="1197" b="0" i="0" u="none" strike="noStrike" kern="1200" baseline="0">
+                <a:solidFill>
+                  <a:schemeClr val="tx1">
+                    <a:lumMod val="65000"/>
+                    <a:lumOff val="35000"/>
+                  </a:schemeClr>
+                </a:solidFill>
+                <a:latin typeface="+mn-lt"/>
+                <a:ea typeface="+mn-ea"/>
+                <a:cs typeface="+mn-cs"/>
+              </a:defRPr>
+            </a:pPr>
+            <a:endParaRPr lang="en-001"/>
+          </a:p>
+        </c:txPr>
+        <c:crossAx val="494166624"/>
+        <c:crosses val="autoZero"/>
+        <c:auto val="1"/>
+        <c:lblAlgn val="ctr"/>
+        <c:lblOffset val="100"/>
+        <c:noMultiLvlLbl val="0"/>
+      </c:catAx>
+      <c:valAx>
+        <c:axId val="494166624"/>
+        <c:scaling>
+          <c:orientation val="minMax"/>
+          <c:max val="100"/>
+        </c:scaling>
+        <c:delete val="0"/>
+        <c:axPos val="l"/>
+        <c:majorGridlines>
+          <c:spPr>
+            <a:ln w="9525" cap="flat" cmpd="sng" algn="ctr">
+              <a:solidFill>
+                <a:schemeClr val="tx1">
+                  <a:lumMod val="15000"/>
+                  <a:lumOff val="85000"/>
+                </a:schemeClr>
+              </a:solidFill>
+              <a:round/>
+            </a:ln>
+            <a:effectLst/>
+          </c:spPr>
+        </c:majorGridlines>
+        <c:numFmt formatCode="General" sourceLinked="1"/>
+        <c:majorTickMark val="none"/>
+        <c:minorTickMark val="none"/>
+        <c:tickLblPos val="nextTo"/>
+        <c:spPr>
+          <a:noFill/>
+          <a:ln>
+            <a:noFill/>
+          </a:ln>
+          <a:effectLst/>
+        </c:spPr>
+        <c:txPr>
+          <a:bodyPr rot="-60000000" spcFirstLastPara="1" vertOverflow="ellipsis" vert="horz" wrap="square" anchor="ctr" anchorCtr="1"/>
+          <a:lstStyle/>
+          <a:p>
+            <a:pPr>
+              <a:defRPr sz="1197" b="0" i="0" u="none" strike="noStrike" kern="1200" baseline="0">
+                <a:solidFill>
+                  <a:schemeClr val="tx1">
+                    <a:lumMod val="65000"/>
+                    <a:lumOff val="35000"/>
+                  </a:schemeClr>
+                </a:solidFill>
+                <a:latin typeface="+mn-lt"/>
+                <a:ea typeface="+mn-ea"/>
+                <a:cs typeface="+mn-cs"/>
+              </a:defRPr>
+            </a:pPr>
+            <a:endParaRPr lang="en-001"/>
+          </a:p>
+        </c:txPr>
+        <c:crossAx val="494185344"/>
+        <c:crosses val="autoZero"/>
+        <c:crossBetween val="between"/>
+      </c:valAx>
+      <c:spPr>
+        <a:noFill/>
+        <a:ln>
+          <a:noFill/>
+        </a:ln>
+        <a:effectLst/>
+      </c:spPr>
+    </c:plotArea>
+    <c:legend>
+      <c:legendPos val="b"/>
+      <c:overlay val="0"/>
+      <c:spPr>
+        <a:noFill/>
+        <a:ln>
+          <a:noFill/>
+        </a:ln>
+        <a:effectLst/>
+      </c:spPr>
+      <c:txPr>
+        <a:bodyPr rot="0" spcFirstLastPara="1" vertOverflow="ellipsis" vert="horz" wrap="square" anchor="ctr" anchorCtr="1"/>
+        <a:lstStyle/>
+        <a:p>
+          <a:pPr>
+            <a:defRPr sz="1197" b="0" i="0" u="none" strike="noStrike" kern="1200" baseline="0">
+              <a:solidFill>
+                <a:schemeClr val="tx1">
+                  <a:lumMod val="65000"/>
+                  <a:lumOff val="35000"/>
+                </a:schemeClr>
+              </a:solidFill>
+              <a:latin typeface="+mn-lt"/>
+              <a:ea typeface="+mn-ea"/>
+              <a:cs typeface="+mn-cs"/>
+            </a:defRPr>
+          </a:pPr>
+          <a:endParaRPr lang="en-001"/>
+        </a:p>
+      </c:txPr>
+    </c:legend>
+    <c:plotVisOnly val="1"/>
+    <c:dispBlanksAs val="gap"/>
+    <c:extLst>
+      <c:ext xmlns:c16r3="http://schemas.microsoft.com/office/drawing/2017/03/chart" uri="{56B9EC1D-385E-4148-901F-78D8002777C0}">
+        <c16r3:dataDisplayOptions16>
+          <c16r3:dispNaAsBlank val="1"/>
+        </c16r3:dataDisplayOptions16>
+      </c:ext>
+    </c:extLst>
+    <c:showDLblsOverMax val="0"/>
+  </c:chart>
+  <c:spPr>
+    <a:noFill/>
+    <a:ln>
+      <a:noFill/>
+    </a:ln>
+    <a:effectLst/>
+  </c:spPr>
+  <c:txPr>
+    <a:bodyPr/>
+    <a:lstStyle/>
+    <a:p>
+      <a:pPr>
+        <a:defRPr/>
+      </a:pPr>
+      <a:endParaRPr lang="en-001"/>
+    </a:p>
+  </c:txPr>
+  <c:externalData r:id="rId3">
+    <c:autoUpdate val="0"/>
+  </c:externalData>
+</c:chartSpace>
+</file>
+
+<file path=ppt/charts/colors1.xml><?xml version="1.0" encoding="utf-8"?>
+<cs:colorStyle xmlns:cs="http://schemas.microsoft.com/office/drawing/2012/chartStyle" xmlns:a="http://schemas.openxmlformats.org/drawingml/2006/main" meth="cycle" id="10">
+  <a:schemeClr val="accent1"/>
+  <a:schemeClr val="accent2"/>
+  <a:schemeClr val="accent3"/>
+  <a:schemeClr val="accent4"/>
+  <a:schemeClr val="accent5"/>
+  <a:schemeClr val="accent6"/>
+  <cs:variation/>
+  <cs:variation>
+    <a:lumMod val="60000"/>
+  </cs:variation>
+  <cs:variation>
+    <a:lumMod val="80000"/>
+    <a:lumOff val="20000"/>
+  </cs:variation>
+  <cs:variation>
+    <a:lumMod val="80000"/>
+  </cs:variation>
+  <cs:variation>
+    <a:lumMod val="60000"/>
+    <a:lumOff val="40000"/>
+  </cs:variation>
+  <cs:variation>
+    <a:lumMod val="50000"/>
+  </cs:variation>
+  <cs:variation>
+    <a:lumMod val="70000"/>
+    <a:lumOff val="30000"/>
+  </cs:variation>
+  <cs:variation>
+    <a:lumMod val="70000"/>
+  </cs:variation>
+  <cs:variation>
+    <a:lumMod val="50000"/>
+    <a:lumOff val="50000"/>
+  </cs:variation>
+</cs:colorStyle>
+</file>
+
+<file path=ppt/charts/colors2.xml><?xml version="1.0" encoding="utf-8"?>
+<cs:colorStyle xmlns:cs="http://schemas.microsoft.com/office/drawing/2012/chartStyle" xmlns:a="http://schemas.openxmlformats.org/drawingml/2006/main" meth="cycle" id="10">
+  <a:schemeClr val="accent1"/>
+  <a:schemeClr val="accent2"/>
+  <a:schemeClr val="accent3"/>
+  <a:schemeClr val="accent4"/>
+  <a:schemeClr val="accent5"/>
+  <a:schemeClr val="accent6"/>
+  <cs:variation/>
+  <cs:variation>
+    <a:lumMod val="60000"/>
+  </cs:variation>
+  <cs:variation>
+    <a:lumMod val="80000"/>
+    <a:lumOff val="20000"/>
+  </cs:variation>
+  <cs:variation>
+    <a:lumMod val="80000"/>
+  </cs:variation>
+  <cs:variation>
+    <a:lumMod val="60000"/>
+    <a:lumOff val="40000"/>
+  </cs:variation>
+  <cs:variation>
+    <a:lumMod val="50000"/>
+  </cs:variation>
+  <cs:variation>
+    <a:lumMod val="70000"/>
+    <a:lumOff val="30000"/>
+  </cs:variation>
+  <cs:variation>
+    <a:lumMod val="70000"/>
+  </cs:variation>
+  <cs:variation>
+    <a:lumMod val="50000"/>
+    <a:lumOff val="50000"/>
+  </cs:variation>
+</cs:colorStyle>
+</file>
+
+<file path=ppt/charts/colors3.xml><?xml version="1.0" encoding="utf-8"?>
+<cs:colorStyle xmlns:cs="http://schemas.microsoft.com/office/drawing/2012/chartStyle" xmlns:a="http://schemas.openxmlformats.org/drawingml/2006/main" meth="cycle" id="10">
+  <a:schemeClr val="accent1"/>
+  <a:schemeClr val="accent2"/>
+  <a:schemeClr val="accent3"/>
+  <a:schemeClr val="accent4"/>
+  <a:schemeClr val="accent5"/>
+  <a:schemeClr val="accent6"/>
+  <cs:variation/>
+  <cs:variation>
+    <a:lumMod val="60000"/>
+  </cs:variation>
+  <cs:variation>
+    <a:lumMod val="80000"/>
+    <a:lumOff val="20000"/>
+  </cs:variation>
+  <cs:variation>
+    <a:lumMod val="80000"/>
+  </cs:variation>
+  <cs:variation>
+    <a:lumMod val="60000"/>
+    <a:lumOff val="40000"/>
+  </cs:variation>
+  <cs:variation>
+    <a:lumMod val="50000"/>
+  </cs:variation>
+  <cs:variation>
+    <a:lumMod val="70000"/>
+    <a:lumOff val="30000"/>
+  </cs:variation>
+  <cs:variation>
+    <a:lumMod val="70000"/>
+  </cs:variation>
+  <cs:variation>
+    <a:lumMod val="50000"/>
+    <a:lumOff val="50000"/>
+  </cs:variation>
+</cs:colorStyle>
+</file>
+
+<file path=ppt/charts/colors4.xml><?xml version="1.0" encoding="utf-8"?>
+<cs:colorStyle xmlns:cs="http://schemas.microsoft.com/office/drawing/2012/chartStyle" xmlns:a="http://schemas.openxmlformats.org/drawingml/2006/main" meth="cycle" id="10">
+  <a:schemeClr val="accent1"/>
+  <a:schemeClr val="accent2"/>
+  <a:schemeClr val="accent3"/>
+  <a:schemeClr val="accent4"/>
+  <a:schemeClr val="accent5"/>
+  <a:schemeClr val="accent6"/>
+  <cs:variation/>
+  <cs:variation>
+    <a:lumMod val="60000"/>
+  </cs:variation>
+  <cs:variation>
+    <a:lumMod val="80000"/>
+    <a:lumOff val="20000"/>
+  </cs:variation>
+  <cs:variation>
+    <a:lumMod val="80000"/>
+  </cs:variation>
+  <cs:variation>
+    <a:lumMod val="60000"/>
+    <a:lumOff val="40000"/>
+  </cs:variation>
+  <cs:variation>
+    <a:lumMod val="50000"/>
+  </cs:variation>
+  <cs:variation>
+    <a:lumMod val="70000"/>
+    <a:lumOff val="30000"/>
+  </cs:variation>
+  <cs:variation>
+    <a:lumMod val="70000"/>
+  </cs:variation>
+  <cs:variation>
+    <a:lumMod val="50000"/>
+    <a:lumOff val="50000"/>
+  </cs:variation>
+</cs:colorStyle>
+</file>
+
+<file path=ppt/charts/colors5.xml><?xml version="1.0" encoding="utf-8"?>
+<cs:colorStyle xmlns:cs="http://schemas.microsoft.com/office/drawing/2012/chartStyle" xmlns:a="http://schemas.openxmlformats.org/drawingml/2006/main" meth="cycle" id="10">
+  <a:schemeClr val="accent1"/>
+  <a:schemeClr val="accent2"/>
+  <a:schemeClr val="accent3"/>
+  <a:schemeClr val="accent4"/>
+  <a:schemeClr val="accent5"/>
+  <a:schemeClr val="accent6"/>
+  <cs:variation/>
+  <cs:variation>
+    <a:lumMod val="60000"/>
+  </cs:variation>
+  <cs:variation>
+    <a:lumMod val="80000"/>
+    <a:lumOff val="20000"/>
+  </cs:variation>
+  <cs:variation>
+    <a:lumMod val="80000"/>
+  </cs:variation>
+  <cs:variation>
+    <a:lumMod val="60000"/>
+    <a:lumOff val="40000"/>
+  </cs:variation>
+  <cs:variation>
+    <a:lumMod val="50000"/>
+  </cs:variation>
+  <cs:variation>
+    <a:lumMod val="70000"/>
+    <a:lumOff val="30000"/>
+  </cs:variation>
+  <cs:variation>
+    <a:lumMod val="70000"/>
+  </cs:variation>
+  <cs:variation>
+    <a:lumMod val="50000"/>
+    <a:lumOff val="50000"/>
+  </cs:variation>
+</cs:colorStyle>
+</file>
+
+<file path=ppt/charts/colors6.xml><?xml version="1.0" encoding="utf-8"?>
+<cs:colorStyle xmlns:cs="http://schemas.microsoft.com/office/drawing/2012/chartStyle" xmlns:a="http://schemas.openxmlformats.org/drawingml/2006/main" meth="cycle" id="10">
+  <a:schemeClr val="accent1"/>
+  <a:schemeClr val="accent2"/>
+  <a:schemeClr val="accent3"/>
+  <a:schemeClr val="accent4"/>
+  <a:schemeClr val="accent5"/>
+  <a:schemeClr val="accent6"/>
+  <cs:variation/>
+  <cs:variation>
+    <a:lumMod val="60000"/>
+  </cs:variation>
+  <cs:variation>
+    <a:lumMod val="80000"/>
+    <a:lumOff val="20000"/>
+  </cs:variation>
+  <cs:variation>
+    <a:lumMod val="80000"/>
+  </cs:variation>
+  <cs:variation>
+    <a:lumMod val="60000"/>
+    <a:lumOff val="40000"/>
+  </cs:variation>
+  <cs:variation>
+    <a:lumMod val="50000"/>
+  </cs:variation>
+  <cs:variation>
+    <a:lumMod val="70000"/>
+    <a:lumOff val="30000"/>
+  </cs:variation>
+  <cs:variation>
+    <a:lumMod val="70000"/>
+  </cs:variation>
+  <cs:variation>
+    <a:lumMod val="50000"/>
+    <a:lumOff val="50000"/>
+  </cs:variation>
+</cs:colorStyle>
+</file>
+
+<file path=ppt/charts/style1.xml><?xml version="1.0" encoding="utf-8"?>
+<cs:chartStyle xmlns:cs="http://schemas.microsoft.com/office/drawing/2012/chartStyle" xmlns:a="http://schemas.openxmlformats.org/drawingml/2006/main" id="201">
+  <cs:axisTitle>
+    <cs:lnRef idx="0"/>
+    <cs:fillRef idx="0"/>
+    <cs:effectRef idx="0"/>
+    <cs:fontRef idx="minor">
+      <a:schemeClr val="tx1">
+        <a:lumMod val="65000"/>
+        <a:lumOff val="35000"/>
+      </a:schemeClr>
+    </cs:fontRef>
+    <cs:defRPr sz="1330" kern="1200"/>
+  </cs:axisTitle>
+  <cs:categoryAxis>
+    <cs:lnRef idx="0"/>
+    <cs:fillRef idx="0"/>
+    <cs:effectRef idx="0"/>
+    <cs:fontRef idx="minor">
+      <a:schemeClr val="tx1">
+        <a:lumMod val="65000"/>
+        <a:lumOff val="35000"/>
+      </a:schemeClr>
+    </cs:fontRef>
+    <cs:spPr>
+      <a:ln w="9525" cap="flat" cmpd="sng" algn="ctr">
+        <a:solidFill>
+          <a:schemeClr val="tx1">
+            <a:lumMod val="15000"/>
+            <a:lumOff val="85000"/>
+          </a:schemeClr>
+        </a:solidFill>
+        <a:round/>
+      </a:ln>
+    </cs:spPr>
+    <cs:defRPr sz="1197" kern="1200"/>
+  </cs:categoryAxis>
+  <cs:chartArea mods="allowNoFillOverride allowNoLineOverride">
+    <cs:lnRef idx="0"/>
+    <cs:fillRef idx="0"/>
+    <cs:effectRef idx="0"/>
+    <cs:fontRef idx="minor">
+      <a:schemeClr val="tx1"/>
+    </cs:fontRef>
+    <cs:spPr>
+      <a:solidFill>
+        <a:schemeClr val="bg1"/>
+      </a:solidFill>
+      <a:ln w="9525" cap="flat" cmpd="sng" algn="ctr">
+        <a:solidFill>
+          <a:schemeClr val="tx1">
+            <a:lumMod val="15000"/>
+            <a:lumOff val="85000"/>
+          </a:schemeClr>
+        </a:solidFill>
+        <a:round/>
+      </a:ln>
+    </cs:spPr>
+    <cs:defRPr sz="1330" kern="1200"/>
+  </cs:chartArea>
+  <cs:dataLabel>
+    <cs:lnRef idx="0"/>
+    <cs:fillRef idx="0"/>
+    <cs:effectRef idx="0"/>
+    <cs:fontRef idx="minor">
+      <a:schemeClr val="tx1">
+        <a:lumMod val="75000"/>
+        <a:lumOff val="25000"/>
+      </a:schemeClr>
+    </cs:fontRef>
+    <cs:defRPr sz="1197" kern="1200"/>
+  </cs:dataLabel>
+  <cs:dataLabelCallout>
+    <cs:lnRef idx="0"/>
+    <cs:fillRef idx="0"/>
+    <cs:effectRef idx="0"/>
+    <cs:fontRef idx="minor">
+      <a:schemeClr val="dk1">
+        <a:lumMod val="65000"/>
+        <a:lumOff val="35000"/>
+      </a:schemeClr>
+    </cs:fontRef>
+    <cs:spPr>
+      <a:solidFill>
+        <a:schemeClr val="lt1"/>
+      </a:solidFill>
+      <a:ln>
+        <a:solidFill>
+          <a:schemeClr val="dk1">
+            <a:lumMod val="25000"/>
+            <a:lumOff val="75000"/>
+          </a:schemeClr>
+        </a:solidFill>
+      </a:ln>
+    </cs:spPr>
+    <cs:defRPr sz="1197" kern="1200"/>
+    <cs:bodyPr rot="0" spcFirstLastPara="1" vertOverflow="clip" horzOverflow="clip" vert="horz" wrap="square" lIns="36576" tIns="18288" rIns="36576" bIns="18288" anchor="ctr" anchorCtr="1">
+      <a:spAutoFit/>
+    </cs:bodyPr>
+  </cs:dataLabelCallout>
+  <cs:dataPoint>
+    <cs:lnRef idx="0"/>
+    <cs:fillRef idx="1">
+      <cs:styleClr val="auto"/>
+    </cs:fillRef>
+    <cs:effectRef idx="0"/>
+    <cs:fontRef idx="minor">
+      <a:schemeClr val="tx1"/>
+    </cs:fontRef>
+  </cs:dataPoint>
+  <cs:dataPoint3D>
+    <cs:lnRef idx="0"/>
+    <cs:fillRef idx="1">
+      <cs:styleClr val="auto"/>
+    </cs:fillRef>
+    <cs:effectRef idx="0"/>
+    <cs:fontRef idx="minor">
+      <a:schemeClr val="tx1"/>
+    </cs:fontRef>
+  </cs:dataPoint3D>
+  <cs:dataPointLine>
+    <cs:lnRef idx="0">
+      <cs:styleClr val="auto"/>
+    </cs:lnRef>
+    <cs:fillRef idx="1"/>
+    <cs:effectRef idx="0"/>
+    <cs:fontRef idx="minor">
+      <a:schemeClr val="tx1"/>
+    </cs:fontRef>
+    <cs:spPr>
+      <a:ln w="28575" cap="rnd">
+        <a:solidFill>
+          <a:schemeClr val="phClr"/>
+        </a:solidFill>
+        <a:round/>
+      </a:ln>
+    </cs:spPr>
+  </cs:dataPointLine>
+  <cs:dataPointMarker>
+    <cs:lnRef idx="0">
+      <cs:styleClr val="auto"/>
+    </cs:lnRef>
+    <cs:fillRef idx="1">
+      <cs:styleClr val="auto"/>
+    </cs:fillRef>
+    <cs:effectRef idx="0"/>
+    <cs:fontRef idx="minor">
+      <a:schemeClr val="tx1"/>
+    </cs:fontRef>
+    <cs:spPr>
+      <a:ln w="9525">
+        <a:solidFill>
+          <a:schemeClr val="phClr"/>
+        </a:solidFill>
+      </a:ln>
+    </cs:spPr>
+  </cs:dataPointMarker>
+  <cs:dataPointMarkerLayout symbol="circle" size="5"/>
+  <cs:dataPointWireframe>
+    <cs:lnRef idx="0">
+      <cs:styleClr val="auto"/>
+    </cs:lnRef>
+    <cs:fillRef idx="1"/>
+    <cs:effectRef idx="0"/>
+    <cs:fontRef idx="minor">
+      <a:schemeClr val="tx1"/>
+    </cs:fontRef>
+    <cs:spPr>
+      <a:ln w="9525" cap="rnd">
+        <a:solidFill>
+          <a:schemeClr val="phClr"/>
+        </a:solidFill>
+        <a:round/>
+      </a:ln>
+    </cs:spPr>
+  </cs:dataPointWireframe>
+  <cs:dataTable>
+    <cs:lnRef idx="0"/>
+    <cs:fillRef idx="0"/>
+    <cs:effectRef idx="0"/>
+    <cs:fontRef idx="minor">
+      <a:schemeClr val="tx1">
+        <a:lumMod val="65000"/>
+        <a:lumOff val="35000"/>
+      </a:schemeClr>
+    </cs:fontRef>
+    <cs:spPr>
+      <a:noFill/>
+      <a:ln w="9525" cap="flat" cmpd="sng" algn="ctr">
+        <a:solidFill>
+          <a:schemeClr val="tx1">
+            <a:lumMod val="15000"/>
+            <a:lumOff val="85000"/>
+          </a:schemeClr>
+        </a:solidFill>
+        <a:round/>
+      </a:ln>
+    </cs:spPr>
+    <cs:defRPr sz="1197" kern="1200"/>
+  </cs:dataTable>
+  <cs:downBar>
+    <cs:lnRef idx="0"/>
+    <cs:fillRef idx="0"/>
+    <cs:effectRef idx="0"/>
+    <cs:fontRef idx="minor">
+      <a:schemeClr val="dk1"/>
+    </cs:fontRef>
+    <cs:spPr>
+      <a:solidFill>
+        <a:schemeClr val="dk1">
+          <a:lumMod val="65000"/>
+          <a:lumOff val="35000"/>
+        </a:schemeClr>
+      </a:solidFill>
+      <a:ln w="9525">
+        <a:solidFill>
+          <a:schemeClr val="tx1">
+            <a:lumMod val="65000"/>
+            <a:lumOff val="35000"/>
+          </a:schemeClr>
+        </a:solidFill>
+      </a:ln>
+    </cs:spPr>
+  </cs:downBar>
+  <cs:dropLine>
+    <cs:lnRef idx="0"/>
+    <cs:fillRef idx="0"/>
+    <cs:effectRef idx="0"/>
+    <cs:fontRef idx="minor">
+      <a:schemeClr val="tx1"/>
+    </cs:fontRef>
+    <cs:spPr>
+      <a:ln w="9525" cap="flat" cmpd="sng" algn="ctr">
+        <a:solidFill>
+          <a:schemeClr val="tx1">
+            <a:lumMod val="35000"/>
+            <a:lumOff val="65000"/>
+          </a:schemeClr>
+        </a:solidFill>
+        <a:round/>
+      </a:ln>
+    </cs:spPr>
+  </cs:dropLine>
+  <cs:errorBar>
+    <cs:lnRef idx="0"/>
+    <cs:fillRef idx="0"/>
+    <cs:effectRef idx="0"/>
+    <cs:fontRef idx="minor">
+      <a:schemeClr val="tx1"/>
+    </cs:fontRef>
+    <cs:spPr>
+      <a:ln w="9525" cap="flat" cmpd="sng" algn="ctr">
+        <a:solidFill>
+          <a:schemeClr val="tx1">
+            <a:lumMod val="65000"/>
+            <a:lumOff val="35000"/>
+          </a:schemeClr>
+        </a:solidFill>
+        <a:round/>
+      </a:ln>
+    </cs:spPr>
+  </cs:errorBar>
+  <cs:floor>
+    <cs:lnRef idx="0"/>
+    <cs:fillRef idx="0"/>
+    <cs:effectRef idx="0"/>
+    <cs:fontRef idx="minor">
+      <a:schemeClr val="tx1"/>
+    </cs:fontRef>
+    <cs:spPr>
+      <a:noFill/>
+      <a:ln>
+        <a:noFill/>
+      </a:ln>
+    </cs:spPr>
+  </cs:floor>
+  <cs:gridlineMajor>
+    <cs:lnRef idx="0"/>
+    <cs:fillRef idx="0"/>
+    <cs:effectRef idx="0"/>
+    <cs:fontRef idx="minor">
+      <a:schemeClr val="tx1"/>
+    </cs:fontRef>
+    <cs:spPr>
+      <a:ln w="9525" cap="flat" cmpd="sng" algn="ctr">
+        <a:solidFill>
+          <a:schemeClr val="tx1">
+            <a:lumMod val="15000"/>
+            <a:lumOff val="85000"/>
+          </a:schemeClr>
+        </a:solidFill>
+        <a:round/>
+      </a:ln>
+    </cs:spPr>
+  </cs:gridlineMajor>
+  <cs:gridlineMinor>
+    <cs:lnRef idx="0"/>
+    <cs:fillRef idx="0"/>
+    <cs:effectRef idx="0"/>
+    <cs:fontRef idx="minor">
+      <a:schemeClr val="tx1"/>
+    </cs:fontRef>
+    <cs:spPr>
+      <a:ln w="9525" cap="flat" cmpd="sng" algn="ctr">
+        <a:solidFill>
+          <a:schemeClr val="tx1">
+            <a:lumMod val="5000"/>
+            <a:lumOff val="95000"/>
+          </a:schemeClr>
+        </a:solidFill>
+        <a:round/>
+      </a:ln>
+    </cs:spPr>
+  </cs:gridlineMinor>
+  <cs:hiLoLine>
+    <cs:lnRef idx="0"/>
+    <cs:fillRef idx="0"/>
+    <cs:effectRef idx="0"/>
+    <cs:fontRef idx="minor">
+      <a:schemeClr val="tx1"/>
+    </cs:fontRef>
+    <cs:spPr>
+      <a:ln w="9525" cap="flat" cmpd="sng" algn="ctr">
+        <a:solidFill>
+          <a:schemeClr val="tx1">
+            <a:lumMod val="75000"/>
+            <a:lumOff val="25000"/>
+          </a:schemeClr>
+        </a:solidFill>
+        <a:round/>
+      </a:ln>
+    </cs:spPr>
+  </cs:hiLoLine>
+  <cs:leaderLine>
+    <cs:lnRef idx="0"/>
+    <cs:fillRef idx="0"/>
+    <cs:effectRef idx="0"/>
+    <cs:fontRef idx="minor">
+      <a:schemeClr val="tx1"/>
+    </cs:fontRef>
+    <cs:spPr>
+      <a:ln w="9525" cap="flat" cmpd="sng" algn="ctr">
+        <a:solidFill>
+          <a:schemeClr val="tx1">
+            <a:lumMod val="35000"/>
+            <a:lumOff val="65000"/>
+          </a:schemeClr>
+        </a:solidFill>
+        <a:round/>
+      </a:ln>
+    </cs:spPr>
+  </cs:leaderLine>
+  <cs:legend>
+    <cs:lnRef idx="0"/>
+    <cs:fillRef idx="0"/>
+    <cs:effectRef idx="0"/>
+    <cs:fontRef idx="minor">
+      <a:schemeClr val="tx1">
+        <a:lumMod val="65000"/>
+        <a:lumOff val="35000"/>
+      </a:schemeClr>
+    </cs:fontRef>
+    <cs:defRPr sz="1197" kern="1200"/>
+  </cs:legend>
+  <cs:plotArea mods="allowNoFillOverride allowNoLineOverride">
+    <cs:lnRef idx="0"/>
+    <cs:fillRef idx="0"/>
+    <cs:effectRef idx="0"/>
+    <cs:fontRef idx="minor">
+      <a:schemeClr val="tx1"/>
+    </cs:fontRef>
+  </cs:plotArea>
+  <cs:plotArea3D mods="allowNoFillOverride allowNoLineOverride">
+    <cs:lnRef idx="0"/>
+    <cs:fillRef idx="0"/>
+    <cs:effectRef idx="0"/>
+    <cs:fontRef idx="minor">
+      <a:schemeClr val="tx1"/>
+    </cs:fontRef>
+  </cs:plotArea3D>
+  <cs:seriesAxis>
+    <cs:lnRef idx="0"/>
+    <cs:fillRef idx="0"/>
+    <cs:effectRef idx="0"/>
+    <cs:fontRef idx="minor">
+      <a:schemeClr val="tx1">
+        <a:lumMod val="65000"/>
+        <a:lumOff val="35000"/>
+      </a:schemeClr>
+    </cs:fontRef>
+    <cs:defRPr sz="1197" kern="1200"/>
+  </cs:seriesAxis>
+  <cs:seriesLine>
+    <cs:lnRef idx="0"/>
+    <cs:fillRef idx="0"/>
+    <cs:effectRef idx="0"/>
+    <cs:fontRef idx="minor">
+      <a:schemeClr val="tx1"/>
+    </cs:fontRef>
+    <cs:spPr>
+      <a:ln w="9525" cap="flat" cmpd="sng" algn="ctr">
+        <a:solidFill>
+          <a:schemeClr val="tx1">
+            <a:lumMod val="35000"/>
+            <a:lumOff val="65000"/>
+          </a:schemeClr>
+        </a:solidFill>
+        <a:round/>
+      </a:ln>
+    </cs:spPr>
+  </cs:seriesLine>
+  <cs:title>
+    <cs:lnRef idx="0"/>
+    <cs:fillRef idx="0"/>
+    <cs:effectRef idx="0"/>
+    <cs:fontRef idx="minor">
+      <a:schemeClr val="tx1">
+        <a:lumMod val="65000"/>
+        <a:lumOff val="35000"/>
+      </a:schemeClr>
+    </cs:fontRef>
+    <cs:defRPr sz="1862" b="0" kern="1200" spc="0" baseline="0"/>
+  </cs:title>
+  <cs:trendline>
+    <cs:lnRef idx="0">
+      <cs:styleClr val="auto"/>
+    </cs:lnRef>
+    <cs:fillRef idx="0"/>
+    <cs:effectRef idx="0"/>
+    <cs:fontRef idx="minor">
+      <a:schemeClr val="tx1"/>
+    </cs:fontRef>
+    <cs:spPr>
+      <a:ln w="19050" cap="rnd">
+        <a:solidFill>
+          <a:schemeClr val="phClr"/>
+        </a:solidFill>
+        <a:prstDash val="sysDot"/>
+      </a:ln>
+    </cs:spPr>
+  </cs:trendline>
+  <cs:trendlineLabel>
+    <cs:lnRef idx="0"/>
+    <cs:fillRef idx="0"/>
+    <cs:effectRef idx="0"/>
+    <cs:fontRef idx="minor">
+      <a:schemeClr val="tx1">
+        <a:lumMod val="65000"/>
+        <a:lumOff val="35000"/>
+      </a:schemeClr>
+    </cs:fontRef>
+    <cs:defRPr sz="1197" kern="1200"/>
+  </cs:trendlineLabel>
+  <cs:upBar>
+    <cs:lnRef idx="0"/>
+    <cs:fillRef idx="0"/>
+    <cs:effectRef idx="0"/>
+    <cs:fontRef idx="minor">
+      <a:schemeClr val="dk1"/>
+    </cs:fontRef>
+    <cs:spPr>
+      <a:solidFill>
+        <a:schemeClr val="lt1"/>
+      </a:solidFill>
+      <a:ln w="9525">
+        <a:solidFill>
+          <a:schemeClr val="tx1">
+            <a:lumMod val="15000"/>
+            <a:lumOff val="85000"/>
+          </a:schemeClr>
+        </a:solidFill>
+      </a:ln>
+    </cs:spPr>
+  </cs:upBar>
+  <cs:valueAxis>
+    <cs:lnRef idx="0"/>
+    <cs:fillRef idx="0"/>
+    <cs:effectRef idx="0"/>
+    <cs:fontRef idx="minor">
+      <a:schemeClr val="tx1">
+        <a:lumMod val="65000"/>
+        <a:lumOff val="35000"/>
+      </a:schemeClr>
+    </cs:fontRef>
+    <cs:defRPr sz="1197" kern="1200"/>
+  </cs:valueAxis>
+  <cs:wall>
+    <cs:lnRef idx="0"/>
+    <cs:fillRef idx="0"/>
+    <cs:effectRef idx="0"/>
+    <cs:fontRef idx="minor">
+      <a:schemeClr val="tx1"/>
+    </cs:fontRef>
+    <cs:spPr>
+      <a:noFill/>
+      <a:ln>
+        <a:noFill/>
+      </a:ln>
+    </cs:spPr>
+  </cs:wall>
+</cs:chartStyle>
+</file>
+
+<file path=ppt/charts/style2.xml><?xml version="1.0" encoding="utf-8"?>
+<cs:chartStyle xmlns:cs="http://schemas.microsoft.com/office/drawing/2012/chartStyle" xmlns:a="http://schemas.openxmlformats.org/drawingml/2006/main" id="251">
+  <cs:axisTitle>
+    <cs:lnRef idx="0"/>
+    <cs:fillRef idx="0"/>
+    <cs:effectRef idx="0"/>
+    <cs:fontRef idx="minor">
+      <a:schemeClr val="tx1">
+        <a:lumMod val="65000"/>
+        <a:lumOff val="35000"/>
+      </a:schemeClr>
+    </cs:fontRef>
+    <cs:defRPr sz="1330" kern="1200"/>
+  </cs:axisTitle>
+  <cs:categoryAxis>
+    <cs:lnRef idx="0"/>
+    <cs:fillRef idx="0"/>
+    <cs:effectRef idx="0"/>
+    <cs:fontRef idx="minor">
+      <a:schemeClr val="tx1">
+        <a:lumMod val="65000"/>
+        <a:lumOff val="35000"/>
+      </a:schemeClr>
+    </cs:fontRef>
+    <cs:spPr>
+      <a:ln w="9525" cap="flat" cmpd="sng" algn="ctr">
+        <a:solidFill>
+          <a:schemeClr val="tx1">
+            <a:lumMod val="15000"/>
+            <a:lumOff val="85000"/>
+          </a:schemeClr>
+        </a:solidFill>
+        <a:round/>
+      </a:ln>
+    </cs:spPr>
+    <cs:defRPr sz="1197" kern="1200"/>
+  </cs:categoryAxis>
+  <cs:chartArea mods="allowNoFillOverride allowNoLineOverride">
+    <cs:lnRef idx="0"/>
+    <cs:fillRef idx="0"/>
+    <cs:effectRef idx="0"/>
+    <cs:fontRef idx="minor">
+      <a:schemeClr val="tx1"/>
+    </cs:fontRef>
+    <cs:spPr>
+      <a:solidFill>
+        <a:schemeClr val="bg1"/>
+      </a:solidFill>
+      <a:ln w="9525" cap="flat" cmpd="sng" algn="ctr">
+        <a:solidFill>
+          <a:schemeClr val="tx1">
+            <a:lumMod val="15000"/>
+            <a:lumOff val="85000"/>
+          </a:schemeClr>
+        </a:solidFill>
+        <a:round/>
+      </a:ln>
+    </cs:spPr>
+    <cs:defRPr sz="1197" kern="1200"/>
+  </cs:chartArea>
+  <cs:dataLabel>
+    <cs:lnRef idx="0"/>
+    <cs:fillRef idx="0"/>
+    <cs:effectRef idx="0"/>
+    <cs:fontRef idx="minor">
+      <a:schemeClr val="tx1">
+        <a:lumMod val="75000"/>
+        <a:lumOff val="25000"/>
+      </a:schemeClr>
+    </cs:fontRef>
+    <cs:defRPr sz="1197" kern="1200"/>
+  </cs:dataLabel>
+  <cs:dataLabelCallout>
+    <cs:lnRef idx="0"/>
+    <cs:fillRef idx="0"/>
+    <cs:effectRef idx="0"/>
+    <cs:fontRef idx="minor">
+      <a:schemeClr val="dk1">
+        <a:lumMod val="65000"/>
+        <a:lumOff val="35000"/>
+      </a:schemeClr>
+    </cs:fontRef>
+    <cs:spPr>
+      <a:solidFill>
+        <a:schemeClr val="lt1"/>
+      </a:solidFill>
+      <a:ln>
+        <a:solidFill>
+          <a:schemeClr val="dk1">
+            <a:lumMod val="25000"/>
+            <a:lumOff val="75000"/>
+          </a:schemeClr>
+        </a:solidFill>
+      </a:ln>
+    </cs:spPr>
+    <cs:defRPr sz="1197" kern="1200"/>
+    <cs:bodyPr rot="0" spcFirstLastPara="1" vertOverflow="clip" horzOverflow="clip" vert="horz" wrap="square" lIns="36576" tIns="18288" rIns="36576" bIns="18288" anchor="ctr" anchorCtr="1">
+      <a:spAutoFit/>
+    </cs:bodyPr>
+  </cs:dataLabelCallout>
+  <cs:dataPoint>
+    <cs:lnRef idx="0"/>
+    <cs:fillRef idx="1">
+      <cs:styleClr val="auto"/>
+    </cs:fillRef>
+    <cs:effectRef idx="0"/>
+    <cs:fontRef idx="minor">
+      <a:schemeClr val="tx1"/>
+    </cs:fontRef>
+    <cs:spPr>
+      <a:ln w="19050">
+        <a:solidFill>
+          <a:schemeClr val="lt1"/>
+        </a:solidFill>
+      </a:ln>
+    </cs:spPr>
+  </cs:dataPoint>
+  <cs:dataPoint3D>
+    <cs:lnRef idx="0"/>
+    <cs:fillRef idx="1">
+      <cs:styleClr val="auto"/>
+    </cs:fillRef>
+    <cs:effectRef idx="0"/>
+    <cs:fontRef idx="minor">
+      <a:schemeClr val="tx1"/>
+    </cs:fontRef>
+    <cs:spPr>
+      <a:ln w="25400">
+        <a:solidFill>
+          <a:schemeClr val="lt1"/>
+        </a:solidFill>
+      </a:ln>
+    </cs:spPr>
+  </cs:dataPoint3D>
+  <cs:dataPointLine>
+    <cs:lnRef idx="0">
+      <cs:styleClr val="auto"/>
+    </cs:lnRef>
+    <cs:fillRef idx="0"/>
+    <cs:effectRef idx="0"/>
+    <cs:fontRef idx="minor">
+      <a:schemeClr val="tx1"/>
+    </cs:fontRef>
+    <cs:spPr>
+      <a:ln w="28575" cap="rnd">
+        <a:solidFill>
+          <a:schemeClr val="phClr"/>
+        </a:solidFill>
+        <a:round/>
+      </a:ln>
+    </cs:spPr>
+  </cs:dataPointLine>
+  <cs:dataPointMarker>
+    <cs:lnRef idx="0">
+      <cs:styleClr val="auto"/>
+    </cs:lnRef>
+    <cs:fillRef idx="1">
+      <cs:styleClr val="auto"/>
+    </cs:fillRef>
+    <cs:effectRef idx="0"/>
+    <cs:fontRef idx="minor">
+      <a:schemeClr val="tx1"/>
+    </cs:fontRef>
+    <cs:spPr>
+      <a:ln w="9525">
+        <a:solidFill>
+          <a:schemeClr val="phClr"/>
+        </a:solidFill>
+      </a:ln>
+    </cs:spPr>
+  </cs:dataPointMarker>
+  <cs:dataPointMarkerLayout symbol="circle" size="5"/>
+  <cs:dataPointWireframe>
+    <cs:lnRef idx="0">
+      <cs:styleClr val="auto"/>
+    </cs:lnRef>
+    <cs:fillRef idx="0"/>
+    <cs:effectRef idx="0"/>
+    <cs:fontRef idx="minor">
+      <a:schemeClr val="tx1"/>
+    </cs:fontRef>
+    <cs:spPr>
+      <a:ln w="9525" cap="rnd">
+        <a:solidFill>
+          <a:schemeClr val="phClr"/>
+        </a:solidFill>
+        <a:round/>
+      </a:ln>
+    </cs:spPr>
+  </cs:dataPointWireframe>
+  <cs:dataTable>
+    <cs:lnRef idx="0"/>
+    <cs:fillRef idx="0"/>
+    <cs:effectRef idx="0"/>
+    <cs:fontRef idx="minor">
+      <a:schemeClr val="tx1">
+        <a:lumMod val="65000"/>
+        <a:lumOff val="35000"/>
+      </a:schemeClr>
+    </cs:fontRef>
+    <cs:spPr>
+      <a:noFill/>
+      <a:ln w="9525" cap="flat" cmpd="sng" algn="ctr">
+        <a:solidFill>
+          <a:schemeClr val="tx1">
+            <a:lumMod val="15000"/>
+            <a:lumOff val="85000"/>
+          </a:schemeClr>
+        </a:solidFill>
+        <a:round/>
+      </a:ln>
+    </cs:spPr>
+    <cs:defRPr sz="1197" kern="1200"/>
+  </cs:dataTable>
+  <cs:downBar>
+    <cs:lnRef idx="0"/>
+    <cs:fillRef idx="0"/>
+    <cs:effectRef idx="0"/>
+    <cs:fontRef idx="minor">
+      <a:schemeClr val="tx1"/>
+    </cs:fontRef>
+    <cs:spPr>
+      <a:solidFill>
+        <a:schemeClr val="dk1">
+          <a:lumMod val="75000"/>
+          <a:lumOff val="25000"/>
+        </a:schemeClr>
+      </a:solidFill>
+      <a:ln w="9525" cap="flat" cmpd="sng" algn="ctr">
+        <a:solidFill>
+          <a:schemeClr val="tx1">
+            <a:lumMod val="65000"/>
+            <a:lumOff val="35000"/>
+          </a:schemeClr>
+        </a:solidFill>
+        <a:round/>
+      </a:ln>
+    </cs:spPr>
+  </cs:downBar>
+  <cs:dropLine>
+    <cs:lnRef idx="0"/>
+    <cs:fillRef idx="0"/>
+    <cs:effectRef idx="0"/>
+    <cs:fontRef idx="minor">
+      <a:schemeClr val="tx1"/>
+    </cs:fontRef>
+    <cs:spPr>
+      <a:ln w="9525" cap="flat" cmpd="sng" algn="ctr">
+        <a:solidFill>
+          <a:schemeClr val="tx1">
+            <a:lumMod val="35000"/>
+            <a:lumOff val="65000"/>
+          </a:schemeClr>
+        </a:solidFill>
+        <a:round/>
+      </a:ln>
+    </cs:spPr>
+  </cs:dropLine>
+  <cs:errorBar>
+    <cs:lnRef idx="0"/>
+    <cs:fillRef idx="0"/>
+    <cs:effectRef idx="0"/>
+    <cs:fontRef idx="minor">
+      <a:schemeClr val="tx1"/>
+    </cs:fontRef>
+    <cs:spPr>
+      <a:ln w="9525" cap="flat" cmpd="sng" algn="ctr">
+        <a:solidFill>
+          <a:schemeClr val="tx1">
+            <a:lumMod val="65000"/>
+            <a:lumOff val="35000"/>
+          </a:schemeClr>
+        </a:solidFill>
+        <a:round/>
+      </a:ln>
+    </cs:spPr>
+  </cs:errorBar>
+  <cs:floor>
+    <cs:lnRef idx="0"/>
+    <cs:fillRef idx="0"/>
+    <cs:effectRef idx="0"/>
+    <cs:fontRef idx="minor">
+      <a:schemeClr val="tx1"/>
+    </cs:fontRef>
+    <cs:spPr>
+      <a:noFill/>
+      <a:ln>
+        <a:noFill/>
+      </a:ln>
+    </cs:spPr>
+  </cs:floor>
+  <cs:gridlineMajor>
+    <cs:lnRef idx="0"/>
+    <cs:fillRef idx="0"/>
+    <cs:effectRef idx="0"/>
+    <cs:fontRef idx="minor">
+      <a:schemeClr val="tx1"/>
+    </cs:fontRef>
+    <cs:spPr>
+      <a:ln w="9525" cap="flat" cmpd="sng" algn="ctr">
+        <a:solidFill>
+          <a:schemeClr val="tx1">
+            <a:lumMod val="15000"/>
+            <a:lumOff val="85000"/>
+          </a:schemeClr>
+        </a:solidFill>
+        <a:round/>
+      </a:ln>
+    </cs:spPr>
+  </cs:gridlineMajor>
+  <cs:gridlineMinor>
+    <cs:lnRef idx="0"/>
+    <cs:fillRef idx="0"/>
+    <cs:effectRef idx="0"/>
+    <cs:fontRef idx="minor">
+      <a:schemeClr val="tx1"/>
+    </cs:fontRef>
+    <cs:spPr>
+      <a:ln w="9525" cap="flat" cmpd="sng" algn="ctr">
+        <a:solidFill>
+          <a:schemeClr val="tx1">
+            <a:lumMod val="5000"/>
+            <a:lumOff val="95000"/>
+          </a:schemeClr>
+        </a:solidFill>
+        <a:round/>
+      </a:ln>
+    </cs:spPr>
+  </cs:gridlineMinor>
+  <cs:hiLoLine>
+    <cs:lnRef idx="0"/>
+    <cs:fillRef idx="0"/>
+    <cs:effectRef idx="0"/>
+    <cs:fontRef idx="minor">
+      <a:schemeClr val="tx1"/>
+    </cs:fontRef>
+    <cs:spPr>
+      <a:ln w="9525" cap="flat" cmpd="sng" algn="ctr">
+        <a:solidFill>
+          <a:schemeClr val="tx1">
+            <a:lumMod val="50000"/>
+            <a:lumOff val="50000"/>
+          </a:schemeClr>
+        </a:solidFill>
+        <a:round/>
+      </a:ln>
+    </cs:spPr>
+  </cs:hiLoLine>
+  <cs:leaderLine>
+    <cs:lnRef idx="0"/>
+    <cs:fillRef idx="0"/>
+    <cs:effectRef idx="0"/>
+    <cs:fontRef idx="minor">
+      <a:schemeClr val="tx1"/>
+    </cs:fontRef>
+    <cs:spPr>
+      <a:ln w="9525" cap="flat" cmpd="sng" algn="ctr">
+        <a:solidFill>
+          <a:schemeClr val="tx1">
+            <a:lumMod val="35000"/>
+            <a:lumOff val="65000"/>
+          </a:schemeClr>
+        </a:solidFill>
+        <a:round/>
+      </a:ln>
+    </cs:spPr>
+  </cs:leaderLine>
+  <cs:legend>
+    <cs:lnRef idx="0"/>
+    <cs:fillRef idx="0"/>
+    <cs:effectRef idx="0"/>
+    <cs:fontRef idx="minor">
+      <a:schemeClr val="tx1">
+        <a:lumMod val="65000"/>
+        <a:lumOff val="35000"/>
+      </a:schemeClr>
+    </cs:fontRef>
+    <cs:defRPr sz="1197" kern="1200"/>
+  </cs:legend>
+  <cs:plotArea mods="allowNoFillOverride allowNoLineOverride">
+    <cs:lnRef idx="0"/>
+    <cs:fillRef idx="0"/>
+    <cs:effectRef idx="0"/>
+    <cs:fontRef idx="minor">
+      <a:schemeClr val="tx1"/>
+    </cs:fontRef>
+  </cs:plotArea>
+  <cs:plotArea3D mods="allowNoFillOverride allowNoLineOverride">
+    <cs:lnRef idx="0"/>
+    <cs:fillRef idx="0"/>
+    <cs:effectRef idx="0"/>
+    <cs:fontRef idx="minor">
+      <a:schemeClr val="tx1"/>
+    </cs:fontRef>
+  </cs:plotArea3D>
+  <cs:seriesAxis>
+    <cs:lnRef idx="0"/>
+    <cs:fillRef idx="0"/>
+    <cs:effectRef idx="0"/>
+    <cs:fontRef idx="minor">
+      <a:schemeClr val="tx1">
+        <a:lumMod val="65000"/>
+        <a:lumOff val="35000"/>
+      </a:schemeClr>
+    </cs:fontRef>
+    <cs:defRPr sz="1197" kern="1200"/>
+  </cs:seriesAxis>
+  <cs:seriesLine>
+    <cs:lnRef idx="0"/>
+    <cs:fillRef idx="0"/>
+    <cs:effectRef idx="0"/>
+    <cs:fontRef idx="minor">
+      <a:schemeClr val="tx1"/>
+    </cs:fontRef>
+    <cs:spPr>
+      <a:ln w="9525" cap="flat" cmpd="sng" algn="ctr">
+        <a:solidFill>
+          <a:schemeClr val="tx1">
+            <a:lumMod val="35000"/>
+            <a:lumOff val="65000"/>
+          </a:schemeClr>
+        </a:solidFill>
+        <a:round/>
+      </a:ln>
+    </cs:spPr>
+  </cs:seriesLine>
+  <cs:title>
+    <cs:lnRef idx="0"/>
+    <cs:fillRef idx="0"/>
+    <cs:effectRef idx="0"/>
+    <cs:fontRef idx="minor">
+      <a:schemeClr val="tx1">
+        <a:lumMod val="65000"/>
+        <a:lumOff val="35000"/>
+      </a:schemeClr>
+    </cs:fontRef>
+    <cs:defRPr sz="1862" b="0" kern="1200" spc="0" baseline="0"/>
+  </cs:title>
+  <cs:trendline>
+    <cs:lnRef idx="0">
+      <cs:styleClr val="auto"/>
+    </cs:lnRef>
+    <cs:fillRef idx="0"/>
+    <cs:effectRef idx="0"/>
+    <cs:fontRef idx="minor">
+      <a:schemeClr val="tx1"/>
+    </cs:fontRef>
+    <cs:spPr>
+      <a:ln w="19050" cap="rnd">
+        <a:solidFill>
+          <a:schemeClr val="phClr"/>
+        </a:solidFill>
+        <a:prstDash val="sysDot"/>
+      </a:ln>
+    </cs:spPr>
+  </cs:trendline>
+  <cs:trendlineLabel>
+    <cs:lnRef idx="0"/>
+    <cs:fillRef idx="0"/>
+    <cs:effectRef idx="0"/>
+    <cs:fontRef idx="minor">
+      <a:schemeClr val="tx1">
+        <a:lumMod val="65000"/>
+        <a:lumOff val="35000"/>
+      </a:schemeClr>
+    </cs:fontRef>
+    <cs:defRPr sz="1197" kern="1200"/>
+  </cs:trendlineLabel>
+  <cs:upBar>
+    <cs:lnRef idx="0"/>
+    <cs:fillRef idx="0"/>
+    <cs:effectRef idx="0"/>
+    <cs:fontRef idx="minor">
+      <a:schemeClr val="tx1"/>
+    </cs:fontRef>
+    <cs:spPr>
+      <a:solidFill>
+        <a:schemeClr val="lt1"/>
+      </a:solidFill>
+      <a:ln w="9525" cap="flat" cmpd="sng" algn="ctr">
+        <a:solidFill>
+          <a:schemeClr val="tx1">
+            <a:lumMod val="65000"/>
+            <a:lumOff val="35000"/>
+          </a:schemeClr>
+        </a:solidFill>
+        <a:round/>
+      </a:ln>
+    </cs:spPr>
+  </cs:upBar>
+  <cs:valueAxis>
+    <cs:lnRef idx="0"/>
+    <cs:fillRef idx="0"/>
+    <cs:effectRef idx="0"/>
+    <cs:fontRef idx="minor">
+      <a:schemeClr val="tx1">
+        <a:lumMod val="65000"/>
+        <a:lumOff val="35000"/>
+      </a:schemeClr>
+    </cs:fontRef>
+    <cs:defRPr sz="1197" kern="1200"/>
+  </cs:valueAxis>
+  <cs:wall>
+    <cs:lnRef idx="0"/>
+    <cs:fillRef idx="0"/>
+    <cs:effectRef idx="0"/>
+    <cs:fontRef idx="minor">
+      <a:schemeClr val="tx1"/>
+    </cs:fontRef>
+    <cs:spPr>
+      <a:noFill/>
+      <a:ln>
+        <a:noFill/>
+      </a:ln>
+    </cs:spPr>
+  </cs:wall>
+</cs:chartStyle>
+</file>
+
+<file path=ppt/charts/style3.xml><?xml version="1.0" encoding="utf-8"?>
+<cs:chartStyle xmlns:cs="http://schemas.microsoft.com/office/drawing/2012/chartStyle" xmlns:a="http://schemas.openxmlformats.org/drawingml/2006/main" id="332">
+  <cs:axisTitle>
+    <cs:lnRef idx="0"/>
+    <cs:fillRef idx="0"/>
+    <cs:effectRef idx="0"/>
+    <cs:fontRef idx="minor">
+      <a:schemeClr val="tx1">
+        <a:lumMod val="65000"/>
+        <a:lumOff val="35000"/>
+      </a:schemeClr>
+    </cs:fontRef>
+    <cs:defRPr sz="1330" kern="1200"/>
+  </cs:axisTitle>
+  <cs:categoryAxis>
+    <cs:lnRef idx="0"/>
+    <cs:fillRef idx="0"/>
+    <cs:effectRef idx="0"/>
+    <cs:fontRef idx="minor">
+      <a:schemeClr val="tx1">
+        <a:lumMod val="65000"/>
+        <a:lumOff val="35000"/>
+      </a:schemeClr>
+    </cs:fontRef>
+    <cs:spPr>
+      <a:ln w="9525" cap="flat" cmpd="sng" algn="ctr">
+        <a:solidFill>
+          <a:schemeClr val="tx1">
+            <a:lumMod val="15000"/>
+            <a:lumOff val="85000"/>
+          </a:schemeClr>
+        </a:solidFill>
+        <a:round/>
+      </a:ln>
+    </cs:spPr>
+    <cs:defRPr sz="1197" kern="1200"/>
+  </cs:categoryAxis>
+  <cs:chartArea mods="allowNoFillOverride allowNoLineOverride">
+    <cs:lnRef idx="0"/>
+    <cs:fillRef idx="0"/>
+    <cs:effectRef idx="0"/>
+    <cs:fontRef idx="minor">
+      <a:schemeClr val="tx1"/>
+    </cs:fontRef>
+    <cs:spPr>
+      <a:solidFill>
+        <a:schemeClr val="bg1"/>
+      </a:solidFill>
+      <a:ln w="9525" cap="flat" cmpd="sng" algn="ctr">
+        <a:solidFill>
+          <a:schemeClr val="tx1">
+            <a:lumMod val="15000"/>
+            <a:lumOff val="85000"/>
+          </a:schemeClr>
+        </a:solidFill>
+        <a:round/>
+      </a:ln>
+    </cs:spPr>
+    <cs:defRPr sz="1330" kern="1200"/>
+  </cs:chartArea>
+  <cs:dataLabel>
+    <cs:lnRef idx="0"/>
+    <cs:fillRef idx="0"/>
+    <cs:effectRef idx="0"/>
+    <cs:fontRef idx="minor">
+      <a:schemeClr val="tx1">
+        <a:lumMod val="75000"/>
+        <a:lumOff val="25000"/>
+      </a:schemeClr>
+    </cs:fontRef>
+    <cs:defRPr sz="1197" kern="1200"/>
+  </cs:dataLabel>
+  <cs:dataLabelCallout>
+    <cs:lnRef idx="0"/>
+    <cs:fillRef idx="0"/>
+    <cs:effectRef idx="0"/>
+    <cs:fontRef idx="minor">
+      <a:schemeClr val="dk1">
+        <a:lumMod val="65000"/>
+        <a:lumOff val="35000"/>
+      </a:schemeClr>
+    </cs:fontRef>
+    <cs:spPr>
+      <a:solidFill>
+        <a:schemeClr val="lt1"/>
+      </a:solidFill>
+      <a:ln>
+        <a:solidFill>
+          <a:schemeClr val="dk1">
+            <a:lumMod val="25000"/>
+            <a:lumOff val="75000"/>
+          </a:schemeClr>
+        </a:solidFill>
+      </a:ln>
+    </cs:spPr>
+    <cs:defRPr sz="1197" kern="1200"/>
+    <cs:bodyPr rot="0" spcFirstLastPara="1" vertOverflow="clip" horzOverflow="clip" vert="horz" wrap="square" lIns="36576" tIns="18288" rIns="36576" bIns="18288" anchor="ctr" anchorCtr="1">
+      <a:spAutoFit/>
+    </cs:bodyPr>
+  </cs:dataLabelCallout>
+  <cs:dataPoint>
+    <cs:lnRef idx="0"/>
+    <cs:fillRef idx="1">
+      <cs:styleClr val="auto"/>
+    </cs:fillRef>
+    <cs:effectRef idx="0"/>
+    <cs:fontRef idx="minor">
+      <a:schemeClr val="tx1"/>
+    </cs:fontRef>
+  </cs:dataPoint>
+  <cs:dataPoint3D>
+    <cs:lnRef idx="0"/>
+    <cs:fillRef idx="1">
+      <cs:styleClr val="auto"/>
+    </cs:fillRef>
+    <cs:effectRef idx="0"/>
+    <cs:fontRef idx="minor">
+      <a:schemeClr val="tx1"/>
+    </cs:fontRef>
+  </cs:dataPoint3D>
+  <cs:dataPointLine>
+    <cs:lnRef idx="0">
+      <cs:styleClr val="auto"/>
+    </cs:lnRef>
+    <cs:fillRef idx="1"/>
+    <cs:effectRef idx="0"/>
+    <cs:fontRef idx="minor">
+      <a:schemeClr val="tx1"/>
+    </cs:fontRef>
+    <cs:spPr>
+      <a:ln w="28575" cap="rnd">
+        <a:solidFill>
+          <a:schemeClr val="phClr"/>
+        </a:solidFill>
+        <a:round/>
+      </a:ln>
+    </cs:spPr>
+  </cs:dataPointLine>
+  <cs:dataPointMarker>
+    <cs:lnRef idx="0">
+      <cs:styleClr val="auto"/>
+    </cs:lnRef>
+    <cs:fillRef idx="1">
+      <cs:styleClr val="auto"/>
+    </cs:fillRef>
+    <cs:effectRef idx="0"/>
+    <cs:fontRef idx="minor">
+      <a:schemeClr val="tx1"/>
+    </cs:fontRef>
+    <cs:spPr>
+      <a:ln w="9525">
+        <a:solidFill>
+          <a:schemeClr val="phClr"/>
+        </a:solidFill>
+      </a:ln>
+    </cs:spPr>
+  </cs:dataPointMarker>
+  <cs:dataPointMarkerLayout symbol="circle" size="5"/>
+  <cs:dataPointWireframe>
+    <cs:lnRef idx="0">
+      <cs:styleClr val="auto"/>
+    </cs:lnRef>
+    <cs:fillRef idx="1"/>
+    <cs:effectRef idx="0"/>
+    <cs:fontRef idx="minor">
+      <a:schemeClr val="tx1"/>
+    </cs:fontRef>
+    <cs:spPr>
+      <a:ln w="9525" cap="rnd">
+        <a:solidFill>
+          <a:schemeClr val="phClr"/>
+        </a:solidFill>
+        <a:round/>
+      </a:ln>
+    </cs:spPr>
+  </cs:dataPointWireframe>
+  <cs:dataTable>
+    <cs:lnRef idx="0"/>
+    <cs:fillRef idx="0"/>
+    <cs:effectRef idx="0"/>
+    <cs:fontRef idx="minor">
+      <a:schemeClr val="tx1">
+        <a:lumMod val="65000"/>
+        <a:lumOff val="35000"/>
+      </a:schemeClr>
+    </cs:fontRef>
+    <cs:spPr>
+      <a:noFill/>
+      <a:ln w="9525" cap="flat" cmpd="sng" algn="ctr">
+        <a:solidFill>
+          <a:schemeClr val="tx1">
+            <a:lumMod val="15000"/>
+            <a:lumOff val="85000"/>
+          </a:schemeClr>
+        </a:solidFill>
+        <a:round/>
+      </a:ln>
+    </cs:spPr>
+    <cs:defRPr sz="1197" kern="1200"/>
+  </cs:dataTable>
+  <cs:downBar>
+    <cs:lnRef idx="0"/>
+    <cs:fillRef idx="0"/>
+    <cs:effectRef idx="0"/>
+    <cs:fontRef idx="minor">
+      <a:schemeClr val="dk1"/>
+    </cs:fontRef>
+    <cs:spPr>
+      <a:solidFill>
+        <a:schemeClr val="dk1">
+          <a:lumMod val="65000"/>
+          <a:lumOff val="35000"/>
+        </a:schemeClr>
+      </a:solidFill>
+      <a:ln w="9525">
+        <a:solidFill>
+          <a:schemeClr val="tx1">
+            <a:lumMod val="65000"/>
+            <a:lumOff val="35000"/>
+          </a:schemeClr>
+        </a:solidFill>
+      </a:ln>
+    </cs:spPr>
+  </cs:downBar>
+  <cs:dropLine>
+    <cs:lnRef idx="0"/>
+    <cs:fillRef idx="0"/>
+    <cs:effectRef idx="0"/>
+    <cs:fontRef idx="minor">
+      <a:schemeClr val="tx1"/>
+    </cs:fontRef>
+    <cs:spPr>
+      <a:ln w="9525" cap="flat" cmpd="sng" algn="ctr">
+        <a:solidFill>
+          <a:schemeClr val="tx1">
+            <a:lumMod val="35000"/>
+            <a:lumOff val="65000"/>
+          </a:schemeClr>
+        </a:solidFill>
+        <a:round/>
+      </a:ln>
+    </cs:spPr>
+  </cs:dropLine>
+  <cs:errorBar>
+    <cs:lnRef idx="0"/>
+    <cs:fillRef idx="0"/>
+    <cs:effectRef idx="0"/>
+    <cs:fontRef idx="minor">
+      <a:schemeClr val="tx1"/>
+    </cs:fontRef>
+    <cs:spPr>
+      <a:ln w="9525" cap="flat" cmpd="sng" algn="ctr">
+        <a:solidFill>
+          <a:schemeClr val="tx1">
+            <a:lumMod val="65000"/>
+            <a:lumOff val="35000"/>
+          </a:schemeClr>
+        </a:solidFill>
+        <a:round/>
+      </a:ln>
+    </cs:spPr>
+  </cs:errorBar>
+  <cs:floor>
+    <cs:lnRef idx="0"/>
+    <cs:fillRef idx="0"/>
+    <cs:effectRef idx="0"/>
+    <cs:fontRef idx="minor">
+      <a:schemeClr val="tx1"/>
+    </cs:fontRef>
+    <cs:spPr>
+      <a:noFill/>
+      <a:ln>
+        <a:noFill/>
+      </a:ln>
+    </cs:spPr>
+  </cs:floor>
+  <cs:gridlineMajor>
+    <cs:lnRef idx="0"/>
+    <cs:fillRef idx="0"/>
+    <cs:effectRef idx="0"/>
+    <cs:fontRef idx="minor">
+      <a:schemeClr val="tx1"/>
+    </cs:fontRef>
+    <cs:spPr>
+      <a:ln w="9525" cap="flat" cmpd="sng" algn="ctr">
+        <a:solidFill>
+          <a:schemeClr val="tx1">
+            <a:lumMod val="15000"/>
+            <a:lumOff val="85000"/>
+          </a:schemeClr>
+        </a:solidFill>
+        <a:round/>
+      </a:ln>
+    </cs:spPr>
+  </cs:gridlineMajor>
+  <cs:gridlineMinor>
+    <cs:lnRef idx="0"/>
+    <cs:fillRef idx="0"/>
+    <cs:effectRef idx="0"/>
+    <cs:fontRef idx="minor">
+      <a:schemeClr val="tx1"/>
+    </cs:fontRef>
+    <cs:spPr>
+      <a:ln w="9525" cap="flat" cmpd="sng" algn="ctr">
+        <a:solidFill>
+          <a:schemeClr val="tx1">
+            <a:lumMod val="5000"/>
+            <a:lumOff val="95000"/>
+          </a:schemeClr>
+        </a:solidFill>
+        <a:round/>
+      </a:ln>
+    </cs:spPr>
+  </cs:gridlineMinor>
+  <cs:hiLoLine>
+    <cs:lnRef idx="0"/>
+    <cs:fillRef idx="0"/>
+    <cs:effectRef idx="0"/>
+    <cs:fontRef idx="minor">
+      <a:schemeClr val="tx1"/>
+    </cs:fontRef>
+    <cs:spPr>
+      <a:ln w="9525" cap="flat" cmpd="sng" algn="ctr">
+        <a:solidFill>
+          <a:schemeClr val="tx1">
+            <a:lumMod val="75000"/>
+            <a:lumOff val="25000"/>
+          </a:schemeClr>
+        </a:solidFill>
+        <a:round/>
+      </a:ln>
+    </cs:spPr>
+  </cs:hiLoLine>
+  <cs:leaderLine>
+    <cs:lnRef idx="0"/>
+    <cs:fillRef idx="0"/>
+    <cs:effectRef idx="0"/>
+    <cs:fontRef idx="minor">
+      <a:schemeClr val="tx1"/>
+    </cs:fontRef>
+    <cs:spPr>
+      <a:ln w="9525" cap="flat" cmpd="sng" algn="ctr">
+        <a:solidFill>
+          <a:schemeClr val="tx1">
+            <a:lumMod val="35000"/>
+            <a:lumOff val="65000"/>
+          </a:schemeClr>
+        </a:solidFill>
+        <a:round/>
+      </a:ln>
+    </cs:spPr>
+  </cs:leaderLine>
+  <cs:legend>
+    <cs:lnRef idx="0"/>
+    <cs:fillRef idx="0"/>
+    <cs:effectRef idx="0"/>
+    <cs:fontRef idx="minor">
+      <a:schemeClr val="tx1">
+        <a:lumMod val="65000"/>
+        <a:lumOff val="35000"/>
+      </a:schemeClr>
+    </cs:fontRef>
+    <cs:defRPr sz="1197" kern="1200"/>
+  </cs:legend>
+  <cs:plotArea mods="allowNoFillOverride allowNoLineOverride">
+    <cs:lnRef idx="0"/>
+    <cs:fillRef idx="0"/>
+    <cs:effectRef idx="0"/>
+    <cs:fontRef idx="minor">
+      <a:schemeClr val="tx1"/>
+    </cs:fontRef>
+  </cs:plotArea>
+  <cs:plotArea3D mods="allowNoFillOverride allowNoLineOverride">
+    <cs:lnRef idx="0"/>
+    <cs:fillRef idx="0"/>
+    <cs:effectRef idx="0"/>
+    <cs:fontRef idx="minor">
+      <a:schemeClr val="tx1"/>
+    </cs:fontRef>
+  </cs:plotArea3D>
+  <cs:seriesAxis>
+    <cs:lnRef idx="0"/>
+    <cs:fillRef idx="0"/>
+    <cs:effectRef idx="0"/>
+    <cs:fontRef idx="minor">
+      <a:schemeClr val="tx1">
+        <a:lumMod val="65000"/>
+        <a:lumOff val="35000"/>
+      </a:schemeClr>
+    </cs:fontRef>
+    <cs:defRPr sz="1197" kern="1200"/>
+  </cs:seriesAxis>
+  <cs:seriesLine>
+    <cs:lnRef idx="0"/>
+    <cs:fillRef idx="0"/>
+    <cs:effectRef idx="0"/>
+    <cs:fontRef idx="minor">
+      <a:schemeClr val="tx1"/>
+    </cs:fontRef>
+    <cs:spPr>
+      <a:ln w="9525" cap="flat" cmpd="sng" algn="ctr">
+        <a:solidFill>
+          <a:schemeClr val="tx1">
+            <a:lumMod val="35000"/>
+            <a:lumOff val="65000"/>
+          </a:schemeClr>
+        </a:solidFill>
+        <a:round/>
+      </a:ln>
+    </cs:spPr>
+  </cs:seriesLine>
+  <cs:title>
+    <cs:lnRef idx="0"/>
+    <cs:fillRef idx="0"/>
+    <cs:effectRef idx="0"/>
+    <cs:fontRef idx="minor">
+      <a:schemeClr val="tx1">
+        <a:lumMod val="65000"/>
+        <a:lumOff val="35000"/>
+      </a:schemeClr>
+    </cs:fontRef>
+    <cs:defRPr sz="1862" b="0" kern="1200" spc="0" baseline="0"/>
+  </cs:title>
+  <cs:trendline>
+    <cs:lnRef idx="0">
+      <cs:styleClr val="auto"/>
+    </cs:lnRef>
+    <cs:fillRef idx="0"/>
+    <cs:effectRef idx="0"/>
+    <cs:fontRef idx="minor">
+      <a:schemeClr val="tx1"/>
+    </cs:fontRef>
+    <cs:spPr>
+      <a:ln w="19050" cap="rnd">
+        <a:solidFill>
+          <a:schemeClr val="phClr"/>
+        </a:solidFill>
+        <a:prstDash val="sysDot"/>
+      </a:ln>
+    </cs:spPr>
+  </cs:trendline>
+  <cs:trendlineLabel>
+    <cs:lnRef idx="0"/>
+    <cs:fillRef idx="0"/>
+    <cs:effectRef idx="0"/>
+    <cs:fontRef idx="minor">
+      <a:schemeClr val="tx1">
+        <a:lumMod val="65000"/>
+        <a:lumOff val="35000"/>
+      </a:schemeClr>
+    </cs:fontRef>
+    <cs:defRPr sz="1197" kern="1200"/>
+  </cs:trendlineLabel>
+  <cs:upBar>
+    <cs:lnRef idx="0"/>
+    <cs:fillRef idx="0"/>
+    <cs:effectRef idx="0"/>
+    <cs:fontRef idx="minor">
+      <a:schemeClr val="dk1"/>
+    </cs:fontRef>
+    <cs:spPr>
+      <a:solidFill>
+        <a:schemeClr val="lt1"/>
+      </a:solidFill>
+      <a:ln w="9525">
+        <a:solidFill>
+          <a:schemeClr val="tx1">
+            <a:lumMod val="15000"/>
+            <a:lumOff val="85000"/>
+          </a:schemeClr>
+        </a:solidFill>
+      </a:ln>
+    </cs:spPr>
+  </cs:upBar>
+  <cs:valueAxis>
+    <cs:lnRef idx="0"/>
+    <cs:fillRef idx="0"/>
+    <cs:effectRef idx="0"/>
+    <cs:fontRef idx="minor">
+      <a:schemeClr val="tx1">
+        <a:lumMod val="65000"/>
+        <a:lumOff val="35000"/>
+      </a:schemeClr>
+    </cs:fontRef>
+    <cs:defRPr sz="1197" kern="1200"/>
+  </cs:valueAxis>
+  <cs:wall>
+    <cs:lnRef idx="0"/>
+    <cs:fillRef idx="0"/>
+    <cs:effectRef idx="0"/>
+    <cs:fontRef idx="minor">
+      <a:schemeClr val="tx1"/>
+    </cs:fontRef>
+    <cs:spPr>
+      <a:noFill/>
+      <a:ln>
+        <a:noFill/>
+      </a:ln>
+    </cs:spPr>
+  </cs:wall>
+</cs:chartStyle>
+</file>
+
+<file path=ppt/charts/style4.xml><?xml version="1.0" encoding="utf-8"?>
+<cs:chartStyle xmlns:cs="http://schemas.microsoft.com/office/drawing/2012/chartStyle" xmlns:a="http://schemas.openxmlformats.org/drawingml/2006/main" id="332">
+  <cs:axisTitle>
+    <cs:lnRef idx="0"/>
+    <cs:fillRef idx="0"/>
+    <cs:effectRef idx="0"/>
+    <cs:fontRef idx="minor">
+      <a:schemeClr val="tx1">
+        <a:lumMod val="65000"/>
+        <a:lumOff val="35000"/>
+      </a:schemeClr>
+    </cs:fontRef>
+    <cs:defRPr sz="1330" kern="1200"/>
+  </cs:axisTitle>
+  <cs:categoryAxis>
+    <cs:lnRef idx="0"/>
+    <cs:fillRef idx="0"/>
+    <cs:effectRef idx="0"/>
+    <cs:fontRef idx="minor">
+      <a:schemeClr val="tx1">
+        <a:lumMod val="65000"/>
+        <a:lumOff val="35000"/>
+      </a:schemeClr>
+    </cs:fontRef>
+    <cs:spPr>
+      <a:ln w="9525" cap="flat" cmpd="sng" algn="ctr">
+        <a:solidFill>
+          <a:schemeClr val="tx1">
+            <a:lumMod val="15000"/>
+            <a:lumOff val="85000"/>
+          </a:schemeClr>
+        </a:solidFill>
+        <a:round/>
+      </a:ln>
+    </cs:spPr>
+    <cs:defRPr sz="1197" kern="1200"/>
+  </cs:categoryAxis>
+  <cs:chartArea mods="allowNoFillOverride allowNoLineOverride">
+    <cs:lnRef idx="0"/>
+    <cs:fillRef idx="0"/>
+    <cs:effectRef idx="0"/>
+    <cs:fontRef idx="minor">
+      <a:schemeClr val="tx1"/>
+    </cs:fontRef>
+    <cs:spPr>
+      <a:solidFill>
+        <a:schemeClr val="bg1"/>
+      </a:solidFill>
+      <a:ln w="9525" cap="flat" cmpd="sng" algn="ctr">
+        <a:solidFill>
+          <a:schemeClr val="tx1">
+            <a:lumMod val="15000"/>
+            <a:lumOff val="85000"/>
+          </a:schemeClr>
+        </a:solidFill>
+        <a:round/>
+      </a:ln>
+    </cs:spPr>
+    <cs:defRPr sz="1330" kern="1200"/>
+  </cs:chartArea>
+  <cs:dataLabel>
+    <cs:lnRef idx="0"/>
+    <cs:fillRef idx="0"/>
+    <cs:effectRef idx="0"/>
+    <cs:fontRef idx="minor">
+      <a:schemeClr val="tx1">
+        <a:lumMod val="75000"/>
+        <a:lumOff val="25000"/>
+      </a:schemeClr>
+    </cs:fontRef>
+    <cs:defRPr sz="1197" kern="1200"/>
+  </cs:dataLabel>
+  <cs:dataLabelCallout>
+    <cs:lnRef idx="0"/>
+    <cs:fillRef idx="0"/>
+    <cs:effectRef idx="0"/>
+    <cs:fontRef idx="minor">
+      <a:schemeClr val="dk1">
+        <a:lumMod val="65000"/>
+        <a:lumOff val="35000"/>
+      </a:schemeClr>
+    </cs:fontRef>
+    <cs:spPr>
+      <a:solidFill>
+        <a:schemeClr val="lt1"/>
+      </a:solidFill>
+      <a:ln>
+        <a:solidFill>
+          <a:schemeClr val="dk1">
+            <a:lumMod val="25000"/>
+            <a:lumOff val="75000"/>
+          </a:schemeClr>
+        </a:solidFill>
+      </a:ln>
+    </cs:spPr>
+    <cs:defRPr sz="1197" kern="1200"/>
+    <cs:bodyPr rot="0" spcFirstLastPara="1" vertOverflow="clip" horzOverflow="clip" vert="horz" wrap="square" lIns="36576" tIns="18288" rIns="36576" bIns="18288" anchor="ctr" anchorCtr="1">
+      <a:spAutoFit/>
+    </cs:bodyPr>
+  </cs:dataLabelCallout>
+  <cs:dataPoint>
+    <cs:lnRef idx="0"/>
+    <cs:fillRef idx="1">
+      <cs:styleClr val="auto"/>
+    </cs:fillRef>
+    <cs:effectRef idx="0"/>
+    <cs:fontRef idx="minor">
+      <a:schemeClr val="tx1"/>
+    </cs:fontRef>
+  </cs:dataPoint>
+  <cs:dataPoint3D>
+    <cs:lnRef idx="0"/>
+    <cs:fillRef idx="1">
+      <cs:styleClr val="auto"/>
+    </cs:fillRef>
+    <cs:effectRef idx="0"/>
+    <cs:fontRef idx="minor">
+      <a:schemeClr val="tx1"/>
+    </cs:fontRef>
+  </cs:dataPoint3D>
+  <cs:dataPointLine>
+    <cs:lnRef idx="0">
+      <cs:styleClr val="auto"/>
+    </cs:lnRef>
+    <cs:fillRef idx="1"/>
+    <cs:effectRef idx="0"/>
+    <cs:fontRef idx="minor">
+      <a:schemeClr val="tx1"/>
+    </cs:fontRef>
+    <cs:spPr>
+      <a:ln w="28575" cap="rnd">
+        <a:solidFill>
+          <a:schemeClr val="phClr"/>
+        </a:solidFill>
+        <a:round/>
+      </a:ln>
+    </cs:spPr>
+  </cs:dataPointLine>
+  <cs:dataPointMarker>
+    <cs:lnRef idx="0">
+      <cs:styleClr val="auto"/>
+    </cs:lnRef>
+    <cs:fillRef idx="1">
+      <cs:styleClr val="auto"/>
+    </cs:fillRef>
+    <cs:effectRef idx="0"/>
+    <cs:fontRef idx="minor">
+      <a:schemeClr val="tx1"/>
+    </cs:fontRef>
+    <cs:spPr>
+      <a:ln w="9525">
+        <a:solidFill>
+          <a:schemeClr val="phClr"/>
+        </a:solidFill>
+      </a:ln>
+    </cs:spPr>
+  </cs:dataPointMarker>
+  <cs:dataPointMarkerLayout symbol="circle" size="5"/>
+  <cs:dataPointWireframe>
+    <cs:lnRef idx="0">
+      <cs:styleClr val="auto"/>
+    </cs:lnRef>
+    <cs:fillRef idx="1"/>
+    <cs:effectRef idx="0"/>
+    <cs:fontRef idx="minor">
+      <a:schemeClr val="tx1"/>
+    </cs:fontRef>
+    <cs:spPr>
+      <a:ln w="9525" cap="rnd">
+        <a:solidFill>
+          <a:schemeClr val="phClr"/>
+        </a:solidFill>
+        <a:round/>
+      </a:ln>
+    </cs:spPr>
+  </cs:dataPointWireframe>
+  <cs:dataTable>
+    <cs:lnRef idx="0"/>
+    <cs:fillRef idx="0"/>
+    <cs:effectRef idx="0"/>
+    <cs:fontRef idx="minor">
+      <a:schemeClr val="tx1">
+        <a:lumMod val="65000"/>
+        <a:lumOff val="35000"/>
+      </a:schemeClr>
+    </cs:fontRef>
+    <cs:spPr>
+      <a:noFill/>
+      <a:ln w="9525" cap="flat" cmpd="sng" algn="ctr">
+        <a:solidFill>
+          <a:schemeClr val="tx1">
+            <a:lumMod val="15000"/>
+            <a:lumOff val="85000"/>
+          </a:schemeClr>
+        </a:solidFill>
+        <a:round/>
+      </a:ln>
+    </cs:spPr>
+    <cs:defRPr sz="1197" kern="1200"/>
+  </cs:dataTable>
+  <cs:downBar>
+    <cs:lnRef idx="0"/>
+    <cs:fillRef idx="0"/>
+    <cs:effectRef idx="0"/>
+    <cs:fontRef idx="minor">
+      <a:schemeClr val="dk1"/>
+    </cs:fontRef>
+    <cs:spPr>
+      <a:solidFill>
+        <a:schemeClr val="dk1">
+          <a:lumMod val="65000"/>
+          <a:lumOff val="35000"/>
+        </a:schemeClr>
+      </a:solidFill>
+      <a:ln w="9525">
+        <a:solidFill>
+          <a:schemeClr val="tx1">
+            <a:lumMod val="65000"/>
+            <a:lumOff val="35000"/>
+          </a:schemeClr>
+        </a:solidFill>
+      </a:ln>
+    </cs:spPr>
+  </cs:downBar>
+  <cs:dropLine>
+    <cs:lnRef idx="0"/>
+    <cs:fillRef idx="0"/>
+    <cs:effectRef idx="0"/>
+    <cs:fontRef idx="minor">
+      <a:schemeClr val="tx1"/>
+    </cs:fontRef>
+    <cs:spPr>
+      <a:ln w="9525" cap="flat" cmpd="sng" algn="ctr">
+        <a:solidFill>
+          <a:schemeClr val="tx1">
+            <a:lumMod val="35000"/>
+            <a:lumOff val="65000"/>
+          </a:schemeClr>
+        </a:solidFill>
+        <a:round/>
+      </a:ln>
+    </cs:spPr>
+  </cs:dropLine>
+  <cs:errorBar>
+    <cs:lnRef idx="0"/>
+    <cs:fillRef idx="0"/>
+    <cs:effectRef idx="0"/>
+    <cs:fontRef idx="minor">
+      <a:schemeClr val="tx1"/>
+    </cs:fontRef>
+    <cs:spPr>
+      <a:ln w="9525" cap="flat" cmpd="sng" algn="ctr">
+        <a:solidFill>
+          <a:schemeClr val="tx1">
+            <a:lumMod val="65000"/>
+            <a:lumOff val="35000"/>
+          </a:schemeClr>
+        </a:solidFill>
+        <a:round/>
+      </a:ln>
+    </cs:spPr>
+  </cs:errorBar>
+  <cs:floor>
+    <cs:lnRef idx="0"/>
+    <cs:fillRef idx="0"/>
+    <cs:effectRef idx="0"/>
+    <cs:fontRef idx="minor">
+      <a:schemeClr val="tx1"/>
+    </cs:fontRef>
+    <cs:spPr>
+      <a:noFill/>
+      <a:ln>
+        <a:noFill/>
+      </a:ln>
+    </cs:spPr>
+  </cs:floor>
+  <cs:gridlineMajor>
+    <cs:lnRef idx="0"/>
+    <cs:fillRef idx="0"/>
+    <cs:effectRef idx="0"/>
+    <cs:fontRef idx="minor">
+      <a:schemeClr val="tx1"/>
+    </cs:fontRef>
+    <cs:spPr>
+      <a:ln w="9525" cap="flat" cmpd="sng" algn="ctr">
+        <a:solidFill>
+          <a:schemeClr val="tx1">
+            <a:lumMod val="15000"/>
+            <a:lumOff val="85000"/>
+          </a:schemeClr>
+        </a:solidFill>
+        <a:round/>
+      </a:ln>
+    </cs:spPr>
+  </cs:gridlineMajor>
+  <cs:gridlineMinor>
+    <cs:lnRef idx="0"/>
+    <cs:fillRef idx="0"/>
+    <cs:effectRef idx="0"/>
+    <cs:fontRef idx="minor">
+      <a:schemeClr val="tx1"/>
+    </cs:fontRef>
+    <cs:spPr>
+      <a:ln w="9525" cap="flat" cmpd="sng" algn="ctr">
+        <a:solidFill>
+          <a:schemeClr val="tx1">
+            <a:lumMod val="5000"/>
+            <a:lumOff val="95000"/>
+          </a:schemeClr>
+        </a:solidFill>
+        <a:round/>
+      </a:ln>
+    </cs:spPr>
+  </cs:gridlineMinor>
+  <cs:hiLoLine>
+    <cs:lnRef idx="0"/>
+    <cs:fillRef idx="0"/>
+    <cs:effectRef idx="0"/>
+    <cs:fontRef idx="minor">
+      <a:schemeClr val="tx1"/>
+    </cs:fontRef>
+    <cs:spPr>
+      <a:ln w="9525" cap="flat" cmpd="sng" algn="ctr">
+        <a:solidFill>
+          <a:schemeClr val="tx1">
+            <a:lumMod val="75000"/>
+            <a:lumOff val="25000"/>
+          </a:schemeClr>
+        </a:solidFill>
+        <a:round/>
+      </a:ln>
+    </cs:spPr>
+  </cs:hiLoLine>
+  <cs:leaderLine>
+    <cs:lnRef idx="0"/>
+    <cs:fillRef idx="0"/>
+    <cs:effectRef idx="0"/>
+    <cs:fontRef idx="minor">
+      <a:schemeClr val="tx1"/>
+    </cs:fontRef>
+    <cs:spPr>
+      <a:ln w="9525" cap="flat" cmpd="sng" algn="ctr">
+        <a:solidFill>
+          <a:schemeClr val="tx1">
+            <a:lumMod val="35000"/>
+            <a:lumOff val="65000"/>
+          </a:schemeClr>
+        </a:solidFill>
+        <a:round/>
+      </a:ln>
+    </cs:spPr>
+  </cs:leaderLine>
+  <cs:legend>
+    <cs:lnRef idx="0"/>
+    <cs:fillRef idx="0"/>
+    <cs:effectRef idx="0"/>
+    <cs:fontRef idx="minor">
+      <a:schemeClr val="tx1">
+        <a:lumMod val="65000"/>
+        <a:lumOff val="35000"/>
+      </a:schemeClr>
+    </cs:fontRef>
+    <cs:defRPr sz="1197" kern="1200"/>
+  </cs:legend>
+  <cs:plotArea mods="allowNoFillOverride allowNoLineOverride">
+    <cs:lnRef idx="0"/>
+    <cs:fillRef idx="0"/>
+    <cs:effectRef idx="0"/>
+    <cs:fontRef idx="minor">
+      <a:schemeClr val="tx1"/>
+    </cs:fontRef>
+  </cs:plotArea>
+  <cs:plotArea3D mods="allowNoFillOverride allowNoLineOverride">
+    <cs:lnRef idx="0"/>
+    <cs:fillRef idx="0"/>
+    <cs:effectRef idx="0"/>
+    <cs:fontRef idx="minor">
+      <a:schemeClr val="tx1"/>
+    </cs:fontRef>
+  </cs:plotArea3D>
+  <cs:seriesAxis>
+    <cs:lnRef idx="0"/>
+    <cs:fillRef idx="0"/>
+    <cs:effectRef idx="0"/>
+    <cs:fontRef idx="minor">
+      <a:schemeClr val="tx1">
+        <a:lumMod val="65000"/>
+        <a:lumOff val="35000"/>
+      </a:schemeClr>
+    </cs:fontRef>
+    <cs:defRPr sz="1197" kern="1200"/>
+  </cs:seriesAxis>
+  <cs:seriesLine>
+    <cs:lnRef idx="0"/>
+    <cs:fillRef idx="0"/>
+    <cs:effectRef idx="0"/>
+    <cs:fontRef idx="minor">
+      <a:schemeClr val="tx1"/>
+    </cs:fontRef>
+    <cs:spPr>
+      <a:ln w="9525" cap="flat" cmpd="sng" algn="ctr">
+        <a:solidFill>
+          <a:schemeClr val="tx1">
+            <a:lumMod val="35000"/>
+            <a:lumOff val="65000"/>
+          </a:schemeClr>
+        </a:solidFill>
+        <a:round/>
+      </a:ln>
+    </cs:spPr>
+  </cs:seriesLine>
+  <cs:title>
+    <cs:lnRef idx="0"/>
+    <cs:fillRef idx="0"/>
+    <cs:effectRef idx="0"/>
+    <cs:fontRef idx="minor">
+      <a:schemeClr val="tx1">
+        <a:lumMod val="65000"/>
+        <a:lumOff val="35000"/>
+      </a:schemeClr>
+    </cs:fontRef>
+    <cs:defRPr sz="1862" b="0" kern="1200" spc="0" baseline="0"/>
+  </cs:title>
+  <cs:trendline>
+    <cs:lnRef idx="0">
+      <cs:styleClr val="auto"/>
+    </cs:lnRef>
+    <cs:fillRef idx="0"/>
+    <cs:effectRef idx="0"/>
+    <cs:fontRef idx="minor">
+      <a:schemeClr val="tx1"/>
+    </cs:fontRef>
+    <cs:spPr>
+      <a:ln w="19050" cap="rnd">
+        <a:solidFill>
+          <a:schemeClr val="phClr"/>
+        </a:solidFill>
+        <a:prstDash val="sysDot"/>
+      </a:ln>
+    </cs:spPr>
+  </cs:trendline>
+  <cs:trendlineLabel>
+    <cs:lnRef idx="0"/>
+    <cs:fillRef idx="0"/>
+    <cs:effectRef idx="0"/>
+    <cs:fontRef idx="minor">
+      <a:schemeClr val="tx1">
+        <a:lumMod val="65000"/>
+        <a:lumOff val="35000"/>
+      </a:schemeClr>
+    </cs:fontRef>
+    <cs:defRPr sz="1197" kern="1200"/>
+  </cs:trendlineLabel>
+  <cs:upBar>
+    <cs:lnRef idx="0"/>
+    <cs:fillRef idx="0"/>
+    <cs:effectRef idx="0"/>
+    <cs:fontRef idx="minor">
+      <a:schemeClr val="dk1"/>
+    </cs:fontRef>
+    <cs:spPr>
+      <a:solidFill>
+        <a:schemeClr val="lt1"/>
+      </a:solidFill>
+      <a:ln w="9525">
+        <a:solidFill>
+          <a:schemeClr val="tx1">
+            <a:lumMod val="15000"/>
+            <a:lumOff val="85000"/>
+          </a:schemeClr>
+        </a:solidFill>
+      </a:ln>
+    </cs:spPr>
+  </cs:upBar>
+  <cs:valueAxis>
+    <cs:lnRef idx="0"/>
+    <cs:fillRef idx="0"/>
+    <cs:effectRef idx="0"/>
+    <cs:fontRef idx="minor">
+      <a:schemeClr val="tx1">
+        <a:lumMod val="65000"/>
+        <a:lumOff val="35000"/>
+      </a:schemeClr>
+    </cs:fontRef>
+    <cs:defRPr sz="1197" kern="1200"/>
+  </cs:valueAxis>
+  <cs:wall>
+    <cs:lnRef idx="0"/>
+    <cs:fillRef idx="0"/>
+    <cs:effectRef idx="0"/>
+    <cs:fontRef idx="minor">
+      <a:schemeClr val="tx1"/>
+    </cs:fontRef>
+    <cs:spPr>
+      <a:noFill/>
+      <a:ln>
+        <a:noFill/>
+      </a:ln>
+    </cs:spPr>
+  </cs:wall>
+</cs:chartStyle>
+</file>
+
+<file path=ppt/charts/style5.xml><?xml version="1.0" encoding="utf-8"?>
+<cs:chartStyle xmlns:cs="http://schemas.microsoft.com/office/drawing/2012/chartStyle" xmlns:a="http://schemas.openxmlformats.org/drawingml/2006/main" id="251">
+  <cs:axisTitle>
+    <cs:lnRef idx="0"/>
+    <cs:fillRef idx="0"/>
+    <cs:effectRef idx="0"/>
+    <cs:fontRef idx="minor">
+      <a:schemeClr val="tx1">
+        <a:lumMod val="65000"/>
+        <a:lumOff val="35000"/>
+      </a:schemeClr>
+    </cs:fontRef>
+    <cs:defRPr sz="1330" kern="1200"/>
+  </cs:axisTitle>
+  <cs:categoryAxis>
+    <cs:lnRef idx="0"/>
+    <cs:fillRef idx="0"/>
+    <cs:effectRef idx="0"/>
+    <cs:fontRef idx="minor">
+      <a:schemeClr val="tx1">
+        <a:lumMod val="65000"/>
+        <a:lumOff val="35000"/>
+      </a:schemeClr>
+    </cs:fontRef>
+    <cs:spPr>
+      <a:ln w="9525" cap="flat" cmpd="sng" algn="ctr">
+        <a:solidFill>
+          <a:schemeClr val="tx1">
+            <a:lumMod val="15000"/>
+            <a:lumOff val="85000"/>
+          </a:schemeClr>
+        </a:solidFill>
+        <a:round/>
+      </a:ln>
+    </cs:spPr>
+    <cs:defRPr sz="1197" kern="1200"/>
+  </cs:categoryAxis>
+  <cs:chartArea mods="allowNoFillOverride allowNoLineOverride">
+    <cs:lnRef idx="0"/>
+    <cs:fillRef idx="0"/>
+    <cs:effectRef idx="0"/>
+    <cs:fontRef idx="minor">
+      <a:schemeClr val="tx1"/>
+    </cs:fontRef>
+    <cs:spPr>
+      <a:solidFill>
+        <a:schemeClr val="bg1"/>
+      </a:solidFill>
+      <a:ln w="9525" cap="flat" cmpd="sng" algn="ctr">
+        <a:solidFill>
+          <a:schemeClr val="tx1">
+            <a:lumMod val="15000"/>
+            <a:lumOff val="85000"/>
+          </a:schemeClr>
+        </a:solidFill>
+        <a:round/>
+      </a:ln>
+    </cs:spPr>
+    <cs:defRPr sz="1197" kern="1200"/>
+  </cs:chartArea>
+  <cs:dataLabel>
+    <cs:lnRef idx="0"/>
+    <cs:fillRef idx="0"/>
+    <cs:effectRef idx="0"/>
+    <cs:fontRef idx="minor">
+      <a:schemeClr val="tx1">
+        <a:lumMod val="75000"/>
+        <a:lumOff val="25000"/>
+      </a:schemeClr>
+    </cs:fontRef>
+    <cs:defRPr sz="1197" kern="1200"/>
+  </cs:dataLabel>
+  <cs:dataLabelCallout>
+    <cs:lnRef idx="0"/>
+    <cs:fillRef idx="0"/>
+    <cs:effectRef idx="0"/>
+    <cs:fontRef idx="minor">
+      <a:schemeClr val="dk1">
+        <a:lumMod val="65000"/>
+        <a:lumOff val="35000"/>
+      </a:schemeClr>
+    </cs:fontRef>
+    <cs:spPr>
+      <a:solidFill>
+        <a:schemeClr val="lt1"/>
+      </a:solidFill>
+      <a:ln>
+        <a:solidFill>
+          <a:schemeClr val="dk1">
+            <a:lumMod val="25000"/>
+            <a:lumOff val="75000"/>
+          </a:schemeClr>
+        </a:solidFill>
+      </a:ln>
+    </cs:spPr>
+    <cs:defRPr sz="1197" kern="1200"/>
+    <cs:bodyPr rot="0" spcFirstLastPara="1" vertOverflow="clip" horzOverflow="clip" vert="horz" wrap="square" lIns="36576" tIns="18288" rIns="36576" bIns="18288" anchor="ctr" anchorCtr="1">
+      <a:spAutoFit/>
+    </cs:bodyPr>
+  </cs:dataLabelCallout>
+  <cs:dataPoint>
+    <cs:lnRef idx="0"/>
+    <cs:fillRef idx="1">
+      <cs:styleClr val="auto"/>
+    </cs:fillRef>
+    <cs:effectRef idx="0"/>
+    <cs:fontRef idx="minor">
+      <a:schemeClr val="tx1"/>
+    </cs:fontRef>
+    <cs:spPr>
+      <a:ln w="19050">
+        <a:solidFill>
+          <a:schemeClr val="lt1"/>
+        </a:solidFill>
+      </a:ln>
+    </cs:spPr>
+  </cs:dataPoint>
+  <cs:dataPoint3D>
+    <cs:lnRef idx="0"/>
+    <cs:fillRef idx="1">
+      <cs:styleClr val="auto"/>
+    </cs:fillRef>
+    <cs:effectRef idx="0"/>
+    <cs:fontRef idx="minor">
+      <a:schemeClr val="tx1"/>
+    </cs:fontRef>
+    <cs:spPr>
+      <a:ln w="25400">
+        <a:solidFill>
+          <a:schemeClr val="lt1"/>
+        </a:solidFill>
+      </a:ln>
+    </cs:spPr>
+  </cs:dataPoint3D>
+  <cs:dataPointLine>
+    <cs:lnRef idx="0">
+      <cs:styleClr val="auto"/>
+    </cs:lnRef>
+    <cs:fillRef idx="0"/>
+    <cs:effectRef idx="0"/>
+    <cs:fontRef idx="minor">
+      <a:schemeClr val="tx1"/>
+    </cs:fontRef>
+    <cs:spPr>
+      <a:ln w="28575" cap="rnd">
+        <a:solidFill>
+          <a:schemeClr val="phClr"/>
+        </a:solidFill>
+        <a:round/>
+      </a:ln>
+    </cs:spPr>
+  </cs:dataPointLine>
+  <cs:dataPointMarker>
+    <cs:lnRef idx="0">
+      <cs:styleClr val="auto"/>
+    </cs:lnRef>
+    <cs:fillRef idx="1">
+      <cs:styleClr val="auto"/>
+    </cs:fillRef>
+    <cs:effectRef idx="0"/>
+    <cs:fontRef idx="minor">
+      <a:schemeClr val="tx1"/>
+    </cs:fontRef>
+    <cs:spPr>
+      <a:ln w="9525">
+        <a:solidFill>
+          <a:schemeClr val="phClr"/>
+        </a:solidFill>
+      </a:ln>
+    </cs:spPr>
+  </cs:dataPointMarker>
+  <cs:dataPointMarkerLayout symbol="circle" size="5"/>
+  <cs:dataPointWireframe>
+    <cs:lnRef idx="0">
+      <cs:styleClr val="auto"/>
+    </cs:lnRef>
+    <cs:fillRef idx="0"/>
+    <cs:effectRef idx="0"/>
+    <cs:fontRef idx="minor">
+      <a:schemeClr val="tx1"/>
+    </cs:fontRef>
+    <cs:spPr>
+      <a:ln w="9525" cap="rnd">
+        <a:solidFill>
+          <a:schemeClr val="phClr"/>
+        </a:solidFill>
+        <a:round/>
+      </a:ln>
+    </cs:spPr>
+  </cs:dataPointWireframe>
+  <cs:dataTable>
+    <cs:lnRef idx="0"/>
+    <cs:fillRef idx="0"/>
+    <cs:effectRef idx="0"/>
+    <cs:fontRef idx="minor">
+      <a:schemeClr val="tx1">
+        <a:lumMod val="65000"/>
+        <a:lumOff val="35000"/>
+      </a:schemeClr>
+    </cs:fontRef>
+    <cs:spPr>
+      <a:noFill/>
+      <a:ln w="9525" cap="flat" cmpd="sng" algn="ctr">
+        <a:solidFill>
+          <a:schemeClr val="tx1">
+            <a:lumMod val="15000"/>
+            <a:lumOff val="85000"/>
+          </a:schemeClr>
+        </a:solidFill>
+        <a:round/>
+      </a:ln>
+    </cs:spPr>
+    <cs:defRPr sz="1197" kern="1200"/>
+  </cs:dataTable>
+  <cs:downBar>
+    <cs:lnRef idx="0"/>
+    <cs:fillRef idx="0"/>
+    <cs:effectRef idx="0"/>
+    <cs:fontRef idx="minor">
+      <a:schemeClr val="tx1"/>
+    </cs:fontRef>
+    <cs:spPr>
+      <a:solidFill>
+        <a:schemeClr val="dk1">
+          <a:lumMod val="75000"/>
+          <a:lumOff val="25000"/>
+        </a:schemeClr>
+      </a:solidFill>
+      <a:ln w="9525" cap="flat" cmpd="sng" algn="ctr">
+        <a:solidFill>
+          <a:schemeClr val="tx1">
+            <a:lumMod val="65000"/>
+            <a:lumOff val="35000"/>
+          </a:schemeClr>
+        </a:solidFill>
+        <a:round/>
+      </a:ln>
+    </cs:spPr>
+  </cs:downBar>
+  <cs:dropLine>
+    <cs:lnRef idx="0"/>
+    <cs:fillRef idx="0"/>
+    <cs:effectRef idx="0"/>
+    <cs:fontRef idx="minor">
+      <a:schemeClr val="tx1"/>
+    </cs:fontRef>
+    <cs:spPr>
+      <a:ln w="9525" cap="flat" cmpd="sng" algn="ctr">
+        <a:solidFill>
+          <a:schemeClr val="tx1">
+            <a:lumMod val="35000"/>
+            <a:lumOff val="65000"/>
+          </a:schemeClr>
+        </a:solidFill>
+        <a:round/>
+      </a:ln>
+    </cs:spPr>
+  </cs:dropLine>
+  <cs:errorBar>
+    <cs:lnRef idx="0"/>
+    <cs:fillRef idx="0"/>
+    <cs:effectRef idx="0"/>
+    <cs:fontRef idx="minor">
+      <a:schemeClr val="tx1"/>
+    </cs:fontRef>
+    <cs:spPr>
+      <a:ln w="9525" cap="flat" cmpd="sng" algn="ctr">
+        <a:solidFill>
+          <a:schemeClr val="tx1">
+            <a:lumMod val="65000"/>
+            <a:lumOff val="35000"/>
+          </a:schemeClr>
+        </a:solidFill>
+        <a:round/>
+      </a:ln>
+    </cs:spPr>
+  </cs:errorBar>
+  <cs:floor>
+    <cs:lnRef idx="0"/>
+    <cs:fillRef idx="0"/>
+    <cs:effectRef idx="0"/>
+    <cs:fontRef idx="minor">
+      <a:schemeClr val="tx1"/>
+    </cs:fontRef>
+    <cs:spPr>
+      <a:noFill/>
+      <a:ln>
+        <a:noFill/>
+      </a:ln>
+    </cs:spPr>
+  </cs:floor>
+  <cs:gridlineMajor>
+    <cs:lnRef idx="0"/>
+    <cs:fillRef idx="0"/>
+    <cs:effectRef idx="0"/>
+    <cs:fontRef idx="minor">
+      <a:schemeClr val="tx1"/>
+    </cs:fontRef>
+    <cs:spPr>
+      <a:ln w="9525" cap="flat" cmpd="sng" algn="ctr">
+        <a:solidFill>
+          <a:schemeClr val="tx1">
+            <a:lumMod val="15000"/>
+            <a:lumOff val="85000"/>
+          </a:schemeClr>
+        </a:solidFill>
+        <a:round/>
+      </a:ln>
+    </cs:spPr>
+  </cs:gridlineMajor>
+  <cs:gridlineMinor>
+    <cs:lnRef idx="0"/>
+    <cs:fillRef idx="0"/>
+    <cs:effectRef idx="0"/>
+    <cs:fontRef idx="minor">
+      <a:schemeClr val="tx1"/>
+    </cs:fontRef>
+    <cs:spPr>
+      <a:ln w="9525" cap="flat" cmpd="sng" algn="ctr">
+        <a:solidFill>
+          <a:schemeClr val="tx1">
+            <a:lumMod val="5000"/>
+            <a:lumOff val="95000"/>
+          </a:schemeClr>
+        </a:solidFill>
+        <a:round/>
+      </a:ln>
+    </cs:spPr>
+  </cs:gridlineMinor>
+  <cs:hiLoLine>
+    <cs:lnRef idx="0"/>
+    <cs:fillRef idx="0"/>
+    <cs:effectRef idx="0"/>
+    <cs:fontRef idx="minor">
+      <a:schemeClr val="tx1"/>
+    </cs:fontRef>
+    <cs:spPr>
+      <a:ln w="9525" cap="flat" cmpd="sng" algn="ctr">
+        <a:solidFill>
+          <a:schemeClr val="tx1">
+            <a:lumMod val="50000"/>
+            <a:lumOff val="50000"/>
+          </a:schemeClr>
+        </a:solidFill>
+        <a:round/>
+      </a:ln>
+    </cs:spPr>
+  </cs:hiLoLine>
+  <cs:leaderLine>
+    <cs:lnRef idx="0"/>
+    <cs:fillRef idx="0"/>
+    <cs:effectRef idx="0"/>
+    <cs:fontRef idx="minor">
+      <a:schemeClr val="tx1"/>
+    </cs:fontRef>
+    <cs:spPr>
+      <a:ln w="9525" cap="flat" cmpd="sng" algn="ctr">
+        <a:solidFill>
+          <a:schemeClr val="tx1">
+            <a:lumMod val="35000"/>
+            <a:lumOff val="65000"/>
+          </a:schemeClr>
+        </a:solidFill>
+        <a:round/>
+      </a:ln>
+    </cs:spPr>
+  </cs:leaderLine>
+  <cs:legend>
+    <cs:lnRef idx="0"/>
+    <cs:fillRef idx="0"/>
+    <cs:effectRef idx="0"/>
+    <cs:fontRef idx="minor">
+      <a:schemeClr val="tx1">
+        <a:lumMod val="65000"/>
+        <a:lumOff val="35000"/>
+      </a:schemeClr>
+    </cs:fontRef>
+    <cs:defRPr sz="1197" kern="1200"/>
+  </cs:legend>
+  <cs:plotArea mods="allowNoFillOverride allowNoLineOverride">
+    <cs:lnRef idx="0"/>
+    <cs:fillRef idx="0"/>
+    <cs:effectRef idx="0"/>
+    <cs:fontRef idx="minor">
+      <a:schemeClr val="tx1"/>
+    </cs:fontRef>
+  </cs:plotArea>
+  <cs:plotArea3D mods="allowNoFillOverride allowNoLineOverride">
+    <cs:lnRef idx="0"/>
+    <cs:fillRef idx="0"/>
+    <cs:effectRef idx="0"/>
+    <cs:fontRef idx="minor">
+      <a:schemeClr val="tx1"/>
+    </cs:fontRef>
+  </cs:plotArea3D>
+  <cs:seriesAxis>
+    <cs:lnRef idx="0"/>
+    <cs:fillRef idx="0"/>
+    <cs:effectRef idx="0"/>
+    <cs:fontRef idx="minor">
+      <a:schemeClr val="tx1">
+        <a:lumMod val="65000"/>
+        <a:lumOff val="35000"/>
+      </a:schemeClr>
+    </cs:fontRef>
+    <cs:defRPr sz="1197" kern="1200"/>
+  </cs:seriesAxis>
+  <cs:seriesLine>
+    <cs:lnRef idx="0"/>
+    <cs:fillRef idx="0"/>
+    <cs:effectRef idx="0"/>
+    <cs:fontRef idx="minor">
+      <a:schemeClr val="tx1"/>
+    </cs:fontRef>
+    <cs:spPr>
+      <a:ln w="9525" cap="flat" cmpd="sng" algn="ctr">
+        <a:solidFill>
+          <a:schemeClr val="tx1">
+            <a:lumMod val="35000"/>
+            <a:lumOff val="65000"/>
+          </a:schemeClr>
+        </a:solidFill>
+        <a:round/>
+      </a:ln>
+    </cs:spPr>
+  </cs:seriesLine>
+  <cs:title>
+    <cs:lnRef idx="0"/>
+    <cs:fillRef idx="0"/>
+    <cs:effectRef idx="0"/>
+    <cs:fontRef idx="minor">
+      <a:schemeClr val="tx1">
+        <a:lumMod val="65000"/>
+        <a:lumOff val="35000"/>
+      </a:schemeClr>
+    </cs:fontRef>
+    <cs:defRPr sz="1862" b="0" kern="1200" spc="0" baseline="0"/>
+  </cs:title>
+  <cs:trendline>
+    <cs:lnRef idx="0">
+      <cs:styleClr val="auto"/>
+    </cs:lnRef>
+    <cs:fillRef idx="0"/>
+    <cs:effectRef idx="0"/>
+    <cs:fontRef idx="minor">
+      <a:schemeClr val="tx1"/>
+    </cs:fontRef>
+    <cs:spPr>
+      <a:ln w="19050" cap="rnd">
+        <a:solidFill>
+          <a:schemeClr val="phClr"/>
+        </a:solidFill>
+        <a:prstDash val="sysDot"/>
+      </a:ln>
+    </cs:spPr>
+  </cs:trendline>
+  <cs:trendlineLabel>
+    <cs:lnRef idx="0"/>
+    <cs:fillRef idx="0"/>
+    <cs:effectRef idx="0"/>
+    <cs:fontRef idx="minor">
+      <a:schemeClr val="tx1">
+        <a:lumMod val="65000"/>
+        <a:lumOff val="35000"/>
+      </a:schemeClr>
+    </cs:fontRef>
+    <cs:defRPr sz="1197" kern="1200"/>
+  </cs:trendlineLabel>
+  <cs:upBar>
+    <cs:lnRef idx="0"/>
+    <cs:fillRef idx="0"/>
+    <cs:effectRef idx="0"/>
+    <cs:fontRef idx="minor">
+      <a:schemeClr val="tx1"/>
+    </cs:fontRef>
+    <cs:spPr>
+      <a:solidFill>
+        <a:schemeClr val="lt1"/>
+      </a:solidFill>
+      <a:ln w="9525" cap="flat" cmpd="sng" algn="ctr">
+        <a:solidFill>
+          <a:schemeClr val="tx1">
+            <a:lumMod val="65000"/>
+            <a:lumOff val="35000"/>
+          </a:schemeClr>
+        </a:solidFill>
+        <a:round/>
+      </a:ln>
+    </cs:spPr>
+  </cs:upBar>
+  <cs:valueAxis>
+    <cs:lnRef idx="0"/>
+    <cs:fillRef idx="0"/>
+    <cs:effectRef idx="0"/>
+    <cs:fontRef idx="minor">
+      <a:schemeClr val="tx1">
+        <a:lumMod val="65000"/>
+        <a:lumOff val="35000"/>
+      </a:schemeClr>
+    </cs:fontRef>
+    <cs:defRPr sz="1197" kern="1200"/>
+  </cs:valueAxis>
+  <cs:wall>
+    <cs:lnRef idx="0"/>
+    <cs:fillRef idx="0"/>
+    <cs:effectRef idx="0"/>
+    <cs:fontRef idx="minor">
+      <a:schemeClr val="tx1"/>
+    </cs:fontRef>
+    <cs:spPr>
+      <a:noFill/>
+      <a:ln>
+        <a:noFill/>
+      </a:ln>
+    </cs:spPr>
+  </cs:wall>
+</cs:chartStyle>
+</file>
+
+<file path=ppt/charts/style6.xml><?xml version="1.0" encoding="utf-8"?>
+<cs:chartStyle xmlns:cs="http://schemas.microsoft.com/office/drawing/2012/chartStyle" xmlns:a="http://schemas.openxmlformats.org/drawingml/2006/main" id="201">
+  <cs:axisTitle>
+    <cs:lnRef idx="0"/>
+    <cs:fillRef idx="0"/>
+    <cs:effectRef idx="0"/>
+    <cs:fontRef idx="minor">
+      <a:schemeClr val="tx1">
+        <a:lumMod val="65000"/>
+        <a:lumOff val="35000"/>
+      </a:schemeClr>
+    </cs:fontRef>
+    <cs:defRPr sz="1330" kern="1200"/>
+  </cs:axisTitle>
+  <cs:categoryAxis>
+    <cs:lnRef idx="0"/>
+    <cs:fillRef idx="0"/>
+    <cs:effectRef idx="0"/>
+    <cs:fontRef idx="minor">
+      <a:schemeClr val="tx1">
+        <a:lumMod val="65000"/>
+        <a:lumOff val="35000"/>
+      </a:schemeClr>
+    </cs:fontRef>
+    <cs:spPr>
+      <a:ln w="9525" cap="flat" cmpd="sng" algn="ctr">
+        <a:solidFill>
+          <a:schemeClr val="tx1">
+            <a:lumMod val="15000"/>
+            <a:lumOff val="85000"/>
+          </a:schemeClr>
+        </a:solidFill>
+        <a:round/>
+      </a:ln>
+    </cs:spPr>
+    <cs:defRPr sz="1197" kern="1200"/>
+  </cs:categoryAxis>
+  <cs:chartArea mods="allowNoFillOverride allowNoLineOverride">
+    <cs:lnRef idx="0"/>
+    <cs:fillRef idx="0"/>
+    <cs:effectRef idx="0"/>
+    <cs:fontRef idx="minor">
+      <a:schemeClr val="tx1"/>
+    </cs:fontRef>
+    <cs:spPr>
+      <a:solidFill>
+        <a:schemeClr val="bg1"/>
+      </a:solidFill>
+      <a:ln w="9525" cap="flat" cmpd="sng" algn="ctr">
+        <a:solidFill>
+          <a:schemeClr val="tx1">
+            <a:lumMod val="15000"/>
+            <a:lumOff val="85000"/>
+          </a:schemeClr>
+        </a:solidFill>
+        <a:round/>
+      </a:ln>
+    </cs:spPr>
+    <cs:defRPr sz="1330" kern="1200"/>
+  </cs:chartArea>
+  <cs:dataLabel>
+    <cs:lnRef idx="0"/>
+    <cs:fillRef idx="0"/>
+    <cs:effectRef idx="0"/>
+    <cs:fontRef idx="minor">
+      <a:schemeClr val="tx1">
+        <a:lumMod val="75000"/>
+        <a:lumOff val="25000"/>
+      </a:schemeClr>
+    </cs:fontRef>
+    <cs:defRPr sz="1197" kern="1200"/>
+  </cs:dataLabel>
+  <cs:dataLabelCallout>
+    <cs:lnRef idx="0"/>
+    <cs:fillRef idx="0"/>
+    <cs:effectRef idx="0"/>
+    <cs:fontRef idx="minor">
+      <a:schemeClr val="dk1">
+        <a:lumMod val="65000"/>
+        <a:lumOff val="35000"/>
+      </a:schemeClr>
+    </cs:fontRef>
+    <cs:spPr>
+      <a:solidFill>
+        <a:schemeClr val="lt1"/>
+      </a:solidFill>
+      <a:ln>
+        <a:solidFill>
+          <a:schemeClr val="dk1">
+            <a:lumMod val="25000"/>
+            <a:lumOff val="75000"/>
+          </a:schemeClr>
+        </a:solidFill>
+      </a:ln>
+    </cs:spPr>
+    <cs:defRPr sz="1197" kern="1200"/>
+    <cs:bodyPr rot="0" spcFirstLastPara="1" vertOverflow="clip" horzOverflow="clip" vert="horz" wrap="square" lIns="36576" tIns="18288" rIns="36576" bIns="18288" anchor="ctr" anchorCtr="1">
+      <a:spAutoFit/>
+    </cs:bodyPr>
+  </cs:dataLabelCallout>
+  <cs:dataPoint>
+    <cs:lnRef idx="0"/>
+    <cs:fillRef idx="1">
+      <cs:styleClr val="auto"/>
+    </cs:fillRef>
+    <cs:effectRef idx="0"/>
+    <cs:fontRef idx="minor">
+      <a:schemeClr val="tx1"/>
+    </cs:fontRef>
+  </cs:dataPoint>
+  <cs:dataPoint3D>
+    <cs:lnRef idx="0"/>
+    <cs:fillRef idx="1">
+      <cs:styleClr val="auto"/>
+    </cs:fillRef>
+    <cs:effectRef idx="0"/>
+    <cs:fontRef idx="minor">
+      <a:schemeClr val="tx1"/>
+    </cs:fontRef>
+  </cs:dataPoint3D>
+  <cs:dataPointLine>
+    <cs:lnRef idx="0">
+      <cs:styleClr val="auto"/>
+    </cs:lnRef>
+    <cs:fillRef idx="1"/>
+    <cs:effectRef idx="0"/>
+    <cs:fontRef idx="minor">
+      <a:schemeClr val="tx1"/>
+    </cs:fontRef>
+    <cs:spPr>
+      <a:ln w="28575" cap="rnd">
+        <a:solidFill>
+          <a:schemeClr val="phClr"/>
+        </a:solidFill>
+        <a:round/>
+      </a:ln>
+    </cs:spPr>
+  </cs:dataPointLine>
+  <cs:dataPointMarker>
+    <cs:lnRef idx="0">
+      <cs:styleClr val="auto"/>
+    </cs:lnRef>
+    <cs:fillRef idx="1">
+      <cs:styleClr val="auto"/>
+    </cs:fillRef>
+    <cs:effectRef idx="0"/>
+    <cs:fontRef idx="minor">
+      <a:schemeClr val="tx1"/>
+    </cs:fontRef>
+    <cs:spPr>
+      <a:ln w="9525">
+        <a:solidFill>
+          <a:schemeClr val="phClr"/>
+        </a:solidFill>
+      </a:ln>
+    </cs:spPr>
+  </cs:dataPointMarker>
+  <cs:dataPointMarkerLayout symbol="circle" size="5"/>
+  <cs:dataPointWireframe>
+    <cs:lnRef idx="0">
+      <cs:styleClr val="auto"/>
+    </cs:lnRef>
+    <cs:fillRef idx="1"/>
+    <cs:effectRef idx="0"/>
+    <cs:fontRef idx="minor">
+      <a:schemeClr val="tx1"/>
+    </cs:fontRef>
+    <cs:spPr>
+      <a:ln w="9525" cap="rnd">
+        <a:solidFill>
+          <a:schemeClr val="phClr"/>
+        </a:solidFill>
+        <a:round/>
+      </a:ln>
+    </cs:spPr>
+  </cs:dataPointWireframe>
+  <cs:dataTable>
+    <cs:lnRef idx="0"/>
+    <cs:fillRef idx="0"/>
+    <cs:effectRef idx="0"/>
+    <cs:fontRef idx="minor">
+      <a:schemeClr val="tx1">
+        <a:lumMod val="65000"/>
+        <a:lumOff val="35000"/>
+      </a:schemeClr>
+    </cs:fontRef>
+    <cs:spPr>
+      <a:noFill/>
+      <a:ln w="9525" cap="flat" cmpd="sng" algn="ctr">
+        <a:solidFill>
+          <a:schemeClr val="tx1">
+            <a:lumMod val="15000"/>
+            <a:lumOff val="85000"/>
+          </a:schemeClr>
+        </a:solidFill>
+        <a:round/>
+      </a:ln>
+    </cs:spPr>
+    <cs:defRPr sz="1197" kern="1200"/>
+  </cs:dataTable>
+  <cs:downBar>
+    <cs:lnRef idx="0"/>
+    <cs:fillRef idx="0"/>
+    <cs:effectRef idx="0"/>
+    <cs:fontRef idx="minor">
+      <a:schemeClr val="dk1"/>
+    </cs:fontRef>
+    <cs:spPr>
+      <a:solidFill>
+        <a:schemeClr val="dk1">
+          <a:lumMod val="65000"/>
+          <a:lumOff val="35000"/>
+        </a:schemeClr>
+      </a:solidFill>
+      <a:ln w="9525">
+        <a:solidFill>
+          <a:schemeClr val="tx1">
+            <a:lumMod val="65000"/>
+            <a:lumOff val="35000"/>
+          </a:schemeClr>
+        </a:solidFill>
+      </a:ln>
+    </cs:spPr>
+  </cs:downBar>
+  <cs:dropLine>
+    <cs:lnRef idx="0"/>
+    <cs:fillRef idx="0"/>
+    <cs:effectRef idx="0"/>
+    <cs:fontRef idx="minor">
+      <a:schemeClr val="tx1"/>
+    </cs:fontRef>
+    <cs:spPr>
+      <a:ln w="9525" cap="flat" cmpd="sng" algn="ctr">
+        <a:solidFill>
+          <a:schemeClr val="tx1">
+            <a:lumMod val="35000"/>
+            <a:lumOff val="65000"/>
+          </a:schemeClr>
+        </a:solidFill>
+        <a:round/>
+      </a:ln>
+    </cs:spPr>
+  </cs:dropLine>
+  <cs:errorBar>
+    <cs:lnRef idx="0"/>
+    <cs:fillRef idx="0"/>
+    <cs:effectRef idx="0"/>
+    <cs:fontRef idx="minor">
+      <a:schemeClr val="tx1"/>
+    </cs:fontRef>
+    <cs:spPr>
+      <a:ln w="9525" cap="flat" cmpd="sng" algn="ctr">
+        <a:solidFill>
+          <a:schemeClr val="tx1">
+            <a:lumMod val="65000"/>
+            <a:lumOff val="35000"/>
+          </a:schemeClr>
+        </a:solidFill>
+        <a:round/>
+      </a:ln>
+    </cs:spPr>
+  </cs:errorBar>
+  <cs:floor>
+    <cs:lnRef idx="0"/>
+    <cs:fillRef idx="0"/>
+    <cs:effectRef idx="0"/>
+    <cs:fontRef idx="minor">
+      <a:schemeClr val="tx1"/>
+    </cs:fontRef>
+    <cs:spPr>
+      <a:noFill/>
+      <a:ln>
+        <a:noFill/>
+      </a:ln>
+    </cs:spPr>
+  </cs:floor>
+  <cs:gridlineMajor>
+    <cs:lnRef idx="0"/>
+    <cs:fillRef idx="0"/>
+    <cs:effectRef idx="0"/>
+    <cs:fontRef idx="minor">
+      <a:schemeClr val="tx1"/>
+    </cs:fontRef>
+    <cs:spPr>
+      <a:ln w="9525" cap="flat" cmpd="sng" algn="ctr">
+        <a:solidFill>
+          <a:schemeClr val="tx1">
+            <a:lumMod val="15000"/>
+            <a:lumOff val="85000"/>
+          </a:schemeClr>
+        </a:solidFill>
+        <a:round/>
+      </a:ln>
+    </cs:spPr>
+  </cs:gridlineMajor>
+  <cs:gridlineMinor>
+    <cs:lnRef idx="0"/>
+    <cs:fillRef idx="0"/>
+    <cs:effectRef idx="0"/>
+    <cs:fontRef idx="minor">
+      <a:schemeClr val="tx1"/>
+    </cs:fontRef>
+    <cs:spPr>
+      <a:ln w="9525" cap="flat" cmpd="sng" algn="ctr">
+        <a:solidFill>
+          <a:schemeClr val="tx1">
+            <a:lumMod val="5000"/>
+            <a:lumOff val="95000"/>
+          </a:schemeClr>
+        </a:solidFill>
+        <a:round/>
+      </a:ln>
+    </cs:spPr>
+  </cs:gridlineMinor>
+  <cs:hiLoLine>
+    <cs:lnRef idx="0"/>
+    <cs:fillRef idx="0"/>
+    <cs:effectRef idx="0"/>
+    <cs:fontRef idx="minor">
+      <a:schemeClr val="tx1"/>
+    </cs:fontRef>
+    <cs:spPr>
+      <a:ln w="9525" cap="flat" cmpd="sng" algn="ctr">
+        <a:solidFill>
+          <a:schemeClr val="tx1">
+            <a:lumMod val="75000"/>
+            <a:lumOff val="25000"/>
+          </a:schemeClr>
+        </a:solidFill>
+        <a:round/>
+      </a:ln>
+    </cs:spPr>
+  </cs:hiLoLine>
+  <cs:leaderLine>
+    <cs:lnRef idx="0"/>
+    <cs:fillRef idx="0"/>
+    <cs:effectRef idx="0"/>
+    <cs:fontRef idx="minor">
+      <a:schemeClr val="tx1"/>
+    </cs:fontRef>
+    <cs:spPr>
+      <a:ln w="9525" cap="flat" cmpd="sng" algn="ctr">
+        <a:solidFill>
+          <a:schemeClr val="tx1">
+            <a:lumMod val="35000"/>
+            <a:lumOff val="65000"/>
+          </a:schemeClr>
+        </a:solidFill>
+        <a:round/>
+      </a:ln>
+    </cs:spPr>
+  </cs:leaderLine>
+  <cs:legend>
+    <cs:lnRef idx="0"/>
+    <cs:fillRef idx="0"/>
+    <cs:effectRef idx="0"/>
+    <cs:fontRef idx="minor">
+      <a:schemeClr val="tx1">
+        <a:lumMod val="65000"/>
+        <a:lumOff val="35000"/>
+      </a:schemeClr>
+    </cs:fontRef>
+    <cs:defRPr sz="1197" kern="1200"/>
+  </cs:legend>
+  <cs:plotArea mods="allowNoFillOverride allowNoLineOverride">
+    <cs:lnRef idx="0"/>
+    <cs:fillRef idx="0"/>
+    <cs:effectRef idx="0"/>
+    <cs:fontRef idx="minor">
+      <a:schemeClr val="tx1"/>
+    </cs:fontRef>
+  </cs:plotArea>
+  <cs:plotArea3D mods="allowNoFillOverride allowNoLineOverride">
+    <cs:lnRef idx="0"/>
+    <cs:fillRef idx="0"/>
+    <cs:effectRef idx="0"/>
+    <cs:fontRef idx="minor">
+      <a:schemeClr val="tx1"/>
+    </cs:fontRef>
+  </cs:plotArea3D>
+  <cs:seriesAxis>
+    <cs:lnRef idx="0"/>
+    <cs:fillRef idx="0"/>
+    <cs:effectRef idx="0"/>
+    <cs:fontRef idx="minor">
+      <a:schemeClr val="tx1">
+        <a:lumMod val="65000"/>
+        <a:lumOff val="35000"/>
+      </a:schemeClr>
+    </cs:fontRef>
+    <cs:defRPr sz="1197" kern="1200"/>
+  </cs:seriesAxis>
+  <cs:seriesLine>
+    <cs:lnRef idx="0"/>
+    <cs:fillRef idx="0"/>
+    <cs:effectRef idx="0"/>
+    <cs:fontRef idx="minor">
+      <a:schemeClr val="tx1"/>
+    </cs:fontRef>
+    <cs:spPr>
+      <a:ln w="9525" cap="flat" cmpd="sng" algn="ctr">
+        <a:solidFill>
+          <a:schemeClr val="tx1">
+            <a:lumMod val="35000"/>
+            <a:lumOff val="65000"/>
+          </a:schemeClr>
+        </a:solidFill>
+        <a:round/>
+      </a:ln>
+    </cs:spPr>
+  </cs:seriesLine>
+  <cs:title>
+    <cs:lnRef idx="0"/>
+    <cs:fillRef idx="0"/>
+    <cs:effectRef idx="0"/>
+    <cs:fontRef idx="minor">
+      <a:schemeClr val="tx1">
+        <a:lumMod val="65000"/>
+        <a:lumOff val="35000"/>
+      </a:schemeClr>
+    </cs:fontRef>
+    <cs:defRPr sz="1862" b="0" kern="1200" spc="0" baseline="0"/>
+  </cs:title>
+  <cs:trendline>
+    <cs:lnRef idx="0">
+      <cs:styleClr val="auto"/>
+    </cs:lnRef>
+    <cs:fillRef idx="0"/>
+    <cs:effectRef idx="0"/>
+    <cs:fontRef idx="minor">
+      <a:schemeClr val="tx1"/>
+    </cs:fontRef>
+    <cs:spPr>
+      <a:ln w="19050" cap="rnd">
+        <a:solidFill>
+          <a:schemeClr val="phClr"/>
+        </a:solidFill>
+        <a:prstDash val="sysDot"/>
+      </a:ln>
+    </cs:spPr>
+  </cs:trendline>
+  <cs:trendlineLabel>
+    <cs:lnRef idx="0"/>
+    <cs:fillRef idx="0"/>
+    <cs:effectRef idx="0"/>
+    <cs:fontRef idx="minor">
+      <a:schemeClr val="tx1">
+        <a:lumMod val="65000"/>
+        <a:lumOff val="35000"/>
+      </a:schemeClr>
+    </cs:fontRef>
+    <cs:defRPr sz="1197" kern="1200"/>
+  </cs:trendlineLabel>
+  <cs:upBar>
+    <cs:lnRef idx="0"/>
+    <cs:fillRef idx="0"/>
+    <cs:effectRef idx="0"/>
+    <cs:fontRef idx="minor">
+      <a:schemeClr val="dk1"/>
+    </cs:fontRef>
+    <cs:spPr>
+      <a:solidFill>
+        <a:schemeClr val="lt1"/>
+      </a:solidFill>
+      <a:ln w="9525">
+        <a:solidFill>
+          <a:schemeClr val="tx1">
+            <a:lumMod val="15000"/>
+            <a:lumOff val="85000"/>
+          </a:schemeClr>
+        </a:solidFill>
+      </a:ln>
+    </cs:spPr>
+  </cs:upBar>
+  <cs:valueAxis>
+    <cs:lnRef idx="0"/>
+    <cs:fillRef idx="0"/>
+    <cs:effectRef idx="0"/>
+    <cs:fontRef idx="minor">
+      <a:schemeClr val="tx1">
+        <a:lumMod val="65000"/>
+        <a:lumOff val="35000"/>
+      </a:schemeClr>
+    </cs:fontRef>
+    <cs:defRPr sz="1197" kern="1200"/>
+  </cs:valueAxis>
+  <cs:wall>
+    <cs:lnRef idx="0"/>
+    <cs:fillRef idx="0"/>
+    <cs:effectRef idx="0"/>
+    <cs:fontRef idx="minor">
+      <a:schemeClr val="tx1"/>
+    </cs:fontRef>
+    <cs:spPr>
+      <a:noFill/>
+      <a:ln>
+        <a:noFill/>
+      </a:ln>
+    </cs:spPr>
+  </cs:wall>
+</cs:chartStyle>
 </file>
 
 <file path=ppt/comments/modernComment_106_7A2A11C3.xml><?xml version="1.0" encoding="utf-8"?>
@@ -446,7 +6076,7 @@
           <a:p>
             <a:fld id="{108675E4-74CE-487A-8704-897BA5BF4036}" type="datetimeFigureOut">
               <a:rPr lang="en-001" smtClean="0"/>
-              <a:t>20/12/2024</a:t>
+              <a:t>25/12/2024</a:t>
             </a:fld>
             <a:endParaRPr lang="en-001"/>
           </a:p>
@@ -616,7 +6246,7 @@
           <a:p>
             <a:fld id="{108675E4-74CE-487A-8704-897BA5BF4036}" type="datetimeFigureOut">
               <a:rPr lang="en-001" smtClean="0"/>
-              <a:t>20/12/2024</a:t>
+              <a:t>25/12/2024</a:t>
             </a:fld>
             <a:endParaRPr lang="en-001"/>
           </a:p>
@@ -796,7 +6426,7 @@
           <a:p>
             <a:fld id="{108675E4-74CE-487A-8704-897BA5BF4036}" type="datetimeFigureOut">
               <a:rPr lang="en-001" smtClean="0"/>
-              <a:t>20/12/2024</a:t>
+              <a:t>25/12/2024</a:t>
             </a:fld>
             <a:endParaRPr lang="en-001"/>
           </a:p>
@@ -966,7 +6596,7 @@
           <a:p>
             <a:fld id="{108675E4-74CE-487A-8704-897BA5BF4036}" type="datetimeFigureOut">
               <a:rPr lang="en-001" smtClean="0"/>
-              <a:t>20/12/2024</a:t>
+              <a:t>25/12/2024</a:t>
             </a:fld>
             <a:endParaRPr lang="en-001"/>
           </a:p>
@@ -1234,7 +6864,7 @@
           <a:p>
             <a:fld id="{108675E4-74CE-487A-8704-897BA5BF4036}" type="datetimeFigureOut">
               <a:rPr lang="en-001" smtClean="0"/>
-              <a:t>20/12/2024</a:t>
+              <a:t>25/12/2024</a:t>
             </a:fld>
             <a:endParaRPr lang="en-001"/>
           </a:p>
@@ -1466,7 +7096,7 @@
           <a:p>
             <a:fld id="{108675E4-74CE-487A-8704-897BA5BF4036}" type="datetimeFigureOut">
               <a:rPr lang="en-001" smtClean="0"/>
-              <a:t>20/12/2024</a:t>
+              <a:t>25/12/2024</a:t>
             </a:fld>
             <a:endParaRPr lang="en-001"/>
           </a:p>
@@ -1825,7 +7455,7 @@
           <a:p>
             <a:fld id="{108675E4-74CE-487A-8704-897BA5BF4036}" type="datetimeFigureOut">
               <a:rPr lang="en-001" smtClean="0"/>
-              <a:t>20/12/2024</a:t>
+              <a:t>25/12/2024</a:t>
             </a:fld>
             <a:endParaRPr lang="en-001"/>
           </a:p>
@@ -1966,7 +7596,7 @@
           <a:p>
             <a:fld id="{108675E4-74CE-487A-8704-897BA5BF4036}" type="datetimeFigureOut">
               <a:rPr lang="en-001" smtClean="0"/>
-              <a:t>20/12/2024</a:t>
+              <a:t>25/12/2024</a:t>
             </a:fld>
             <a:endParaRPr lang="en-001"/>
           </a:p>
@@ -2061,7 +7691,7 @@
           <a:p>
             <a:fld id="{108675E4-74CE-487A-8704-897BA5BF4036}" type="datetimeFigureOut">
               <a:rPr lang="en-001" smtClean="0"/>
-              <a:t>20/12/2024</a:t>
+              <a:t>25/12/2024</a:t>
             </a:fld>
             <a:endParaRPr lang="en-001"/>
           </a:p>
@@ -2418,7 +8048,7 @@
           <a:p>
             <a:fld id="{108675E4-74CE-487A-8704-897BA5BF4036}" type="datetimeFigureOut">
               <a:rPr lang="en-001" smtClean="0"/>
-              <a:t>20/12/2024</a:t>
+              <a:t>25/12/2024</a:t>
             </a:fld>
             <a:endParaRPr lang="en-001"/>
           </a:p>
@@ -2775,7 +8405,7 @@
           <a:p>
             <a:fld id="{108675E4-74CE-487A-8704-897BA5BF4036}" type="datetimeFigureOut">
               <a:rPr lang="en-001" smtClean="0"/>
-              <a:t>20/12/2024</a:t>
+              <a:t>25/12/2024</a:t>
             </a:fld>
             <a:endParaRPr lang="en-001"/>
           </a:p>
@@ -3017,7 +8647,7 @@
           <a:p>
             <a:fld id="{108675E4-74CE-487A-8704-897BA5BF4036}" type="datetimeFigureOut">
               <a:rPr lang="en-001" smtClean="0"/>
-              <a:t>20/12/2024</a:t>
+              <a:t>25/12/2024</a:t>
             </a:fld>
             <a:endParaRPr lang="en-001"/>
           </a:p>
@@ -4067,12 +9697,14 @@
         </p:nvSpPr>
         <p:spPr>
           <a:xfrm>
-            <a:off x="2142359" y="378766"/>
-            <a:ext cx="7729728" cy="1188720"/>
+            <a:off x="0" y="0"/>
+            <a:ext cx="2420763" cy="500123"/>
           </a:xfrm>
         </p:spPr>
         <p:txBody>
-          <a:bodyPr/>
+          <a:bodyPr>
+            <a:normAutofit fontScale="90000"/>
+          </a:bodyPr>
           <a:lstStyle/>
           <a:p>
             <a:r>
@@ -4083,41 +9715,6 @@
           </a:p>
         </p:txBody>
       </p:sp>
-      <p:pic>
-        <p:nvPicPr>
-          <p:cNvPr id="5" name="Content Placeholder 4" descr="A screen shot of a computer&#10;&#10;Description automatically generated">
-            <a:extLst>
-              <a:ext uri="{FF2B5EF4-FFF2-40B4-BE49-F238E27FC236}">
-                <a16:creationId xmlns:a16="http://schemas.microsoft.com/office/drawing/2014/main" id="{4ED0EC6F-5BD1-51CB-143D-6D1EF3E3DF9B}"/>
-              </a:ext>
-            </a:extLst>
-          </p:cNvPr>
-          <p:cNvPicPr>
-            <a:picLocks noGrp="1" noChangeAspect="1"/>
-          </p:cNvPicPr>
-          <p:nvPr>
-            <p:ph idx="1"/>
-          </p:nvPr>
-        </p:nvPicPr>
-        <p:blipFill>
-          <a:blip r:embed="rId3">
-            <a:extLst>
-              <a:ext uri="{28A0092B-C50C-407E-A947-70E740481C1C}">
-                <a14:useLocalDpi xmlns:a14="http://schemas.microsoft.com/office/drawing/2010/main" val="0"/>
-              </a:ext>
-            </a:extLst>
-          </a:blip>
-          <a:stretch>
-            <a:fillRect/>
-          </a:stretch>
-        </p:blipFill>
-        <p:spPr>
-          <a:xfrm>
-            <a:off x="2595093" y="1963709"/>
-            <a:ext cx="6824260" cy="1465291"/>
-          </a:xfrm>
-        </p:spPr>
-      </p:pic>
       <p:sp>
         <p:nvSpPr>
           <p:cNvPr id="6" name="Rectangle 1">
@@ -4134,7 +9731,7 @@
         </p:nvSpPr>
         <p:spPr bwMode="auto">
           <a:xfrm>
-            <a:off x="868681" y="3747849"/>
+            <a:off x="774192" y="3987546"/>
             <a:ext cx="10643615" cy="2462213"/>
           </a:xfrm>
           <a:prstGeom prst="rect">
@@ -4507,6 +10104,65 @@
           </a:p>
         </p:txBody>
       </p:sp>
+      <p:graphicFrame>
+        <p:nvGraphicFramePr>
+          <p:cNvPr id="9" name="Content Placeholder 8">
+            <a:extLst>
+              <a:ext uri="{FF2B5EF4-FFF2-40B4-BE49-F238E27FC236}">
+                <a16:creationId xmlns:a16="http://schemas.microsoft.com/office/drawing/2014/main" id="{09E3391E-EE12-B9DF-EA2F-2FDADFB6FD04}"/>
+              </a:ext>
+            </a:extLst>
+          </p:cNvPr>
+          <p:cNvGraphicFramePr>
+            <a:graphicFrameLocks noGrp="1"/>
+          </p:cNvGraphicFramePr>
+          <p:nvPr>
+            <p:ph idx="1"/>
+            <p:extLst>
+              <p:ext uri="{D42A27DB-BD31-4B8C-83A1-F6EECF244321}">
+                <p14:modId xmlns:p14="http://schemas.microsoft.com/office/powerpoint/2010/main" val="2905838580"/>
+              </p:ext>
+            </p:extLst>
+          </p:nvPr>
+        </p:nvGraphicFramePr>
+        <p:xfrm>
+          <a:off x="435006" y="589636"/>
+          <a:ext cx="4767308" cy="2943677"/>
+        </p:xfrm>
+        <a:graphic>
+          <a:graphicData uri="http://schemas.openxmlformats.org/drawingml/2006/chart">
+            <c:chart xmlns:c="http://schemas.openxmlformats.org/drawingml/2006/chart" xmlns:r="http://schemas.openxmlformats.org/officeDocument/2006/relationships" r:id="rId3"/>
+          </a:graphicData>
+        </a:graphic>
+      </p:graphicFrame>
+      <p:graphicFrame>
+        <p:nvGraphicFramePr>
+          <p:cNvPr id="12" name="Chart 11">
+            <a:extLst>
+              <a:ext uri="{FF2B5EF4-FFF2-40B4-BE49-F238E27FC236}">
+                <a16:creationId xmlns:a16="http://schemas.microsoft.com/office/drawing/2014/main" id="{A9F9B365-03A7-E2BD-C199-15EB8A7990D0}"/>
+              </a:ext>
+            </a:extLst>
+          </p:cNvPr>
+          <p:cNvGraphicFramePr/>
+          <p:nvPr>
+            <p:extLst>
+              <p:ext uri="{D42A27DB-BD31-4B8C-83A1-F6EECF244321}">
+                <p14:modId xmlns:p14="http://schemas.microsoft.com/office/powerpoint/2010/main" val="1369801819"/>
+              </p:ext>
+            </p:extLst>
+          </p:nvPr>
+        </p:nvGraphicFramePr>
+        <p:xfrm>
+          <a:off x="5130307" y="227116"/>
+          <a:ext cx="6626687" cy="3533313"/>
+        </p:xfrm>
+        <a:graphic>
+          <a:graphicData uri="http://schemas.openxmlformats.org/drawingml/2006/chart">
+            <c:chart xmlns:c="http://schemas.openxmlformats.org/drawingml/2006/chart" xmlns:r="http://schemas.openxmlformats.org/officeDocument/2006/relationships" r:id="rId4"/>
+          </a:graphicData>
+        </a:graphic>
+      </p:graphicFrame>
     </p:spTree>
     <p:extLst>
       <p:ext uri="{BB962C8B-B14F-4D97-AF65-F5344CB8AC3E}">
@@ -7841,41 +13497,6 @@
           <a:chExt cx="0" cy="0"/>
         </a:xfrm>
       </p:grpSpPr>
-      <p:pic>
-        <p:nvPicPr>
-          <p:cNvPr id="5" name="Content Placeholder 4">
-            <a:extLst>
-              <a:ext uri="{FF2B5EF4-FFF2-40B4-BE49-F238E27FC236}">
-                <a16:creationId xmlns:a16="http://schemas.microsoft.com/office/drawing/2014/main" id="{9F20C305-4E7B-FE6C-E909-19119CD12276}"/>
-              </a:ext>
-            </a:extLst>
-          </p:cNvPr>
-          <p:cNvPicPr>
-            <a:picLocks noGrp="1" noChangeAspect="1"/>
-          </p:cNvPicPr>
-          <p:nvPr>
-            <p:ph idx="1"/>
-          </p:nvPr>
-        </p:nvPicPr>
-        <p:blipFill>
-          <a:blip r:embed="rId3">
-            <a:extLst>
-              <a:ext uri="{28A0092B-C50C-407E-A947-70E740481C1C}">
-                <a14:useLocalDpi xmlns:a14="http://schemas.microsoft.com/office/drawing/2010/main" val="0"/>
-              </a:ext>
-            </a:extLst>
-          </a:blip>
-          <a:stretch>
-            <a:fillRect/>
-          </a:stretch>
-        </p:blipFill>
-        <p:spPr>
-          <a:xfrm>
-            <a:off x="98239" y="1795508"/>
-            <a:ext cx="11995517" cy="976544"/>
-          </a:xfrm>
-        </p:spPr>
-      </p:pic>
       <p:sp>
         <p:nvSpPr>
           <p:cNvPr id="7" name="Rectangle 1">
@@ -7892,8 +13513,8 @@
         </p:nvSpPr>
         <p:spPr bwMode="auto">
           <a:xfrm>
-            <a:off x="98239" y="3033181"/>
-            <a:ext cx="11995517" cy="3385542"/>
+            <a:off x="719385" y="3566860"/>
+            <a:ext cx="10753230" cy="3108543"/>
           </a:xfrm>
           <a:prstGeom prst="rect">
             <a:avLst/>
@@ -8403,34 +14024,6 @@
               <a:latin typeface="JetBrains Mono"/>
             </a:endParaRPr>
           </a:p>
-          <a:p>
-            <a:pPr marL="0" marR="0" lvl="0" indent="0" algn="l" defTabSz="914400" rtl="0" eaLnBrk="0" fontAlgn="base" latinLnBrk="0" hangingPunct="0">
-              <a:lnSpc>
-                <a:spcPct val="100000"/>
-              </a:lnSpc>
-              <a:spcBef>
-                <a:spcPct val="0"/>
-              </a:spcBef>
-              <a:spcAft>
-                <a:spcPct val="0"/>
-              </a:spcAft>
-              <a:buClrTx/>
-              <a:buSzTx/>
-              <a:buFontTx/>
-              <a:buNone/>
-              <a:tabLst/>
-            </a:pPr>
-            <a:endParaRPr kumimoji="0" lang="en-001" altLang="en-001" sz="1800" b="0" i="0" u="none" strike="noStrike" cap="none" normalizeH="0" baseline="0" dirty="0">
-              <a:ln>
-                <a:noFill/>
-              </a:ln>
-              <a:solidFill>
-                <a:schemeClr val="tx1"/>
-              </a:solidFill>
-              <a:effectLst/>
-              <a:latin typeface="Arial" panose="020B0604020202020204" pitchFamily="34" charset="0"/>
-            </a:endParaRPr>
-          </a:p>
         </p:txBody>
       </p:sp>
       <p:sp>
@@ -8451,12 +14044,14 @@
         </p:nvSpPr>
         <p:spPr>
           <a:xfrm>
-            <a:off x="2000317" y="343255"/>
-            <a:ext cx="7729728" cy="1188720"/>
+            <a:off x="0" y="0"/>
+            <a:ext cx="2885362" cy="559837"/>
           </a:xfrm>
         </p:spPr>
         <p:txBody>
-          <a:bodyPr/>
+          <a:bodyPr>
+            <a:normAutofit fontScale="90000"/>
+          </a:bodyPr>
           <a:lstStyle/>
           <a:p>
             <a:r>
@@ -8467,6 +14062,65 @@
           </a:p>
         </p:txBody>
       </p:sp>
+      <p:graphicFrame>
+        <p:nvGraphicFramePr>
+          <p:cNvPr id="24" name="Content Placeholder 23">
+            <a:extLst>
+              <a:ext uri="{FF2B5EF4-FFF2-40B4-BE49-F238E27FC236}">
+                <a16:creationId xmlns:a16="http://schemas.microsoft.com/office/drawing/2014/main" id="{7CA51749-5862-1078-B979-A1E87C4D793C}"/>
+              </a:ext>
+            </a:extLst>
+          </p:cNvPr>
+          <p:cNvGraphicFramePr>
+            <a:graphicFrameLocks noGrp="1"/>
+          </p:cNvGraphicFramePr>
+          <p:nvPr>
+            <p:ph idx="1"/>
+            <p:extLst>
+              <p:ext uri="{D42A27DB-BD31-4B8C-83A1-F6EECF244321}">
+                <p14:modId xmlns:p14="http://schemas.microsoft.com/office/powerpoint/2010/main" val="3413212449"/>
+              </p:ext>
+            </p:extLst>
+          </p:nvPr>
+        </p:nvGraphicFramePr>
+        <p:xfrm>
+          <a:off x="98242" y="765673"/>
+          <a:ext cx="7341246" cy="2619718"/>
+        </p:xfrm>
+        <a:graphic>
+          <a:graphicData uri="http://schemas.openxmlformats.org/drawingml/2006/chart">
+            <c:chart xmlns:c="http://schemas.openxmlformats.org/drawingml/2006/chart" xmlns:r="http://schemas.openxmlformats.org/officeDocument/2006/relationships" r:id="rId3"/>
+          </a:graphicData>
+        </a:graphic>
+      </p:graphicFrame>
+      <p:graphicFrame>
+        <p:nvGraphicFramePr>
+          <p:cNvPr id="27" name="Chart 26">
+            <a:extLst>
+              <a:ext uri="{FF2B5EF4-FFF2-40B4-BE49-F238E27FC236}">
+                <a16:creationId xmlns:a16="http://schemas.microsoft.com/office/drawing/2014/main" id="{0E85F742-4BFF-6F44-A35F-17D57523CEAE}"/>
+              </a:ext>
+            </a:extLst>
+          </p:cNvPr>
+          <p:cNvGraphicFramePr/>
+          <p:nvPr>
+            <p:extLst>
+              <p:ext uri="{D42A27DB-BD31-4B8C-83A1-F6EECF244321}">
+                <p14:modId xmlns:p14="http://schemas.microsoft.com/office/powerpoint/2010/main" val="2472483127"/>
+              </p:ext>
+            </p:extLst>
+          </p:nvPr>
+        </p:nvGraphicFramePr>
+        <p:xfrm>
+          <a:off x="7359588" y="262496"/>
+          <a:ext cx="4505376" cy="2906832"/>
+        </p:xfrm>
+        <a:graphic>
+          <a:graphicData uri="http://schemas.openxmlformats.org/drawingml/2006/chart">
+            <c:chart xmlns:c="http://schemas.openxmlformats.org/drawingml/2006/chart" xmlns:r="http://schemas.openxmlformats.org/officeDocument/2006/relationships" r:id="rId4"/>
+          </a:graphicData>
+        </a:graphic>
+      </p:graphicFrame>
     </p:spTree>
     <p:extLst>
       <p:ext uri="{BB962C8B-B14F-4D97-AF65-F5344CB8AC3E}">
@@ -8520,12 +14174,14 @@
         </p:nvSpPr>
         <p:spPr>
           <a:xfrm>
-            <a:off x="2142359" y="289989"/>
-            <a:ext cx="7729728" cy="1188720"/>
+            <a:off x="1" y="0"/>
+            <a:ext cx="3329126" cy="541538"/>
           </a:xfrm>
         </p:spPr>
         <p:txBody>
-          <a:bodyPr/>
+          <a:bodyPr>
+            <a:normAutofit fontScale="90000"/>
+          </a:bodyPr>
           <a:lstStyle/>
           <a:p>
             <a:r>
@@ -8536,41 +14192,6 @@
           </a:p>
         </p:txBody>
       </p:sp>
-      <p:pic>
-        <p:nvPicPr>
-          <p:cNvPr id="5" name="Content Placeholder 4" descr="A screenshot of a computer&#10;&#10;Description automatically generated">
-            <a:extLst>
-              <a:ext uri="{FF2B5EF4-FFF2-40B4-BE49-F238E27FC236}">
-                <a16:creationId xmlns:a16="http://schemas.microsoft.com/office/drawing/2014/main" id="{DDE025B6-ADC6-C4FC-ACB7-34E8348CDB4D}"/>
-              </a:ext>
-            </a:extLst>
-          </p:cNvPr>
-          <p:cNvPicPr>
-            <a:picLocks noGrp="1" noChangeAspect="1"/>
-          </p:cNvPicPr>
-          <p:nvPr>
-            <p:ph idx="1"/>
-          </p:nvPr>
-        </p:nvPicPr>
-        <p:blipFill>
-          <a:blip r:embed="rId3">
-            <a:extLst>
-              <a:ext uri="{28A0092B-C50C-407E-A947-70E740481C1C}">
-                <a14:useLocalDpi xmlns:a14="http://schemas.microsoft.com/office/drawing/2010/main" val="0"/>
-              </a:ext>
-            </a:extLst>
-          </a:blip>
-          <a:stretch>
-            <a:fillRect/>
-          </a:stretch>
-        </p:blipFill>
-        <p:spPr>
-          <a:xfrm>
-            <a:off x="3515902" y="1929805"/>
-            <a:ext cx="4743182" cy="2049614"/>
-          </a:xfrm>
-        </p:spPr>
-      </p:pic>
       <p:sp>
         <p:nvSpPr>
           <p:cNvPr id="6" name="Rectangle 1">
@@ -8587,8 +14208,8 @@
         </p:nvSpPr>
         <p:spPr bwMode="auto">
           <a:xfrm>
-            <a:off x="1902899" y="4368960"/>
-            <a:ext cx="7969188" cy="1354217"/>
+            <a:off x="1415988" y="4674854"/>
+            <a:ext cx="9484311" cy="1138773"/>
           </a:xfrm>
           <a:prstGeom prst="rect">
             <a:avLst/>
@@ -8855,6 +14476,34 @@
           </a:p>
         </p:txBody>
       </p:sp>
+      <p:graphicFrame>
+        <p:nvGraphicFramePr>
+          <p:cNvPr id="13" name="Chart 12">
+            <a:extLst>
+              <a:ext uri="{FF2B5EF4-FFF2-40B4-BE49-F238E27FC236}">
+                <a16:creationId xmlns:a16="http://schemas.microsoft.com/office/drawing/2014/main" id="{90D81E2A-02CB-B802-3E6A-5606F3095468}"/>
+              </a:ext>
+            </a:extLst>
+          </p:cNvPr>
+          <p:cNvGraphicFramePr/>
+          <p:nvPr>
+            <p:extLst>
+              <p:ext uri="{D42A27DB-BD31-4B8C-83A1-F6EECF244321}">
+                <p14:modId xmlns:p14="http://schemas.microsoft.com/office/powerpoint/2010/main" val="1253696445"/>
+              </p:ext>
+            </p:extLst>
+          </p:nvPr>
+        </p:nvGraphicFramePr>
+        <p:xfrm>
+          <a:off x="2991774" y="656948"/>
+          <a:ext cx="5863207" cy="3417327"/>
+        </p:xfrm>
+        <a:graphic>
+          <a:graphicData uri="http://schemas.openxmlformats.org/drawingml/2006/chart">
+            <c:chart xmlns:c="http://schemas.openxmlformats.org/drawingml/2006/chart" xmlns:r="http://schemas.openxmlformats.org/officeDocument/2006/relationships" r:id="rId3"/>
+          </a:graphicData>
+        </a:graphic>
+      </p:graphicFrame>
     </p:spTree>
     <p:extLst>
       <p:ext uri="{BB962C8B-B14F-4D97-AF65-F5344CB8AC3E}">
@@ -8908,12 +14557,14 @@
         </p:nvSpPr>
         <p:spPr>
           <a:xfrm>
-            <a:off x="2142360" y="325500"/>
-            <a:ext cx="7729728" cy="1188720"/>
+            <a:off x="1" y="-11851"/>
+            <a:ext cx="3435658" cy="571144"/>
           </a:xfrm>
         </p:spPr>
         <p:txBody>
-          <a:bodyPr/>
+          <a:bodyPr>
+            <a:normAutofit fontScale="90000"/>
+          </a:bodyPr>
           <a:lstStyle/>
           <a:p>
             <a:r>
@@ -8924,41 +14575,6 @@
           </a:p>
         </p:txBody>
       </p:sp>
-      <p:pic>
-        <p:nvPicPr>
-          <p:cNvPr id="5" name="Content Placeholder 4" descr="A screenshot of a computer&#10;&#10;Description automatically generated">
-            <a:extLst>
-              <a:ext uri="{FF2B5EF4-FFF2-40B4-BE49-F238E27FC236}">
-                <a16:creationId xmlns:a16="http://schemas.microsoft.com/office/drawing/2014/main" id="{C479A9CF-6D29-C326-93E3-1B5230E4A7F1}"/>
-              </a:ext>
-            </a:extLst>
-          </p:cNvPr>
-          <p:cNvPicPr>
-            <a:picLocks noGrp="1" noChangeAspect="1"/>
-          </p:cNvPicPr>
-          <p:nvPr>
-            <p:ph idx="1"/>
-          </p:nvPr>
-        </p:nvPicPr>
-        <p:blipFill>
-          <a:blip r:embed="rId3">
-            <a:extLst>
-              <a:ext uri="{28A0092B-C50C-407E-A947-70E740481C1C}">
-                <a14:useLocalDpi xmlns:a14="http://schemas.microsoft.com/office/drawing/2010/main" val="0"/>
-              </a:ext>
-            </a:extLst>
-          </a:blip>
-          <a:stretch>
-            <a:fillRect/>
-          </a:stretch>
-        </p:blipFill>
-        <p:spPr>
-          <a:xfrm>
-            <a:off x="3637573" y="1988598"/>
-            <a:ext cx="4916853" cy="2104008"/>
-          </a:xfrm>
-        </p:spPr>
-      </p:pic>
       <p:sp>
         <p:nvSpPr>
           <p:cNvPr id="6" name="Rectangle 1">
@@ -9233,6 +14849,37 @@
           </a:p>
         </p:txBody>
       </p:sp>
+      <p:graphicFrame>
+        <p:nvGraphicFramePr>
+          <p:cNvPr id="9" name="Content Placeholder 8">
+            <a:extLst>
+              <a:ext uri="{FF2B5EF4-FFF2-40B4-BE49-F238E27FC236}">
+                <a16:creationId xmlns:a16="http://schemas.microsoft.com/office/drawing/2014/main" id="{3CAD8CAD-7490-6026-BFA1-1F75FC358C90}"/>
+              </a:ext>
+            </a:extLst>
+          </p:cNvPr>
+          <p:cNvGraphicFramePr>
+            <a:graphicFrameLocks noGrp="1"/>
+          </p:cNvGraphicFramePr>
+          <p:nvPr>
+            <p:ph idx="1"/>
+            <p:extLst>
+              <p:ext uri="{D42A27DB-BD31-4B8C-83A1-F6EECF244321}">
+                <p14:modId xmlns:p14="http://schemas.microsoft.com/office/powerpoint/2010/main" val="157808609"/>
+              </p:ext>
+            </p:extLst>
+          </p:nvPr>
+        </p:nvGraphicFramePr>
+        <p:xfrm>
+          <a:off x="1964108" y="722547"/>
+          <a:ext cx="7731125" cy="3560850"/>
+        </p:xfrm>
+        <a:graphic>
+          <a:graphicData uri="http://schemas.openxmlformats.org/drawingml/2006/chart">
+            <c:chart xmlns:c="http://schemas.openxmlformats.org/drawingml/2006/chart" xmlns:r="http://schemas.openxmlformats.org/officeDocument/2006/relationships" r:id="rId3"/>
+          </a:graphicData>
+        </a:graphic>
+      </p:graphicFrame>
     </p:spTree>
     <p:extLst>
       <p:ext uri="{BB962C8B-B14F-4D97-AF65-F5344CB8AC3E}">
